--- a/DS Growth Case Study.pptx
+++ b/DS Growth Case Study.pptx
@@ -32,6 +32,7 @@
     <p:sldId id="277" r:id="rId28"/>
     <p:sldId id="278" r:id="rId29"/>
     <p:sldId id="279" r:id="rId30"/>
+    <p:sldId id="280" r:id="rId31"/>
   </p:sldIdLst>
   <p:sldSz cy="5143500" cx="9144000"/>
   <p:notesSz cx="6858000" cy="9144000"/>
@@ -813,7 +814,7 @@
   <p:cSld>
     <p:spTree>
       <p:nvGrpSpPr>
-        <p:cNvPr id="130" name="Shape 130"/>
+        <p:cNvPr id="139" name="Shape 139"/>
         <p:cNvGrpSpPr/>
         <p:nvPr/>
       </p:nvGrpSpPr>
@@ -827,7 +828,7 @@
       </p:grpSpPr>
       <p:sp>
         <p:nvSpPr>
-          <p:cNvPr id="131" name="Google Shape;131;gab2a81e2db_1_15:notes"/>
+          <p:cNvPr id="140" name="Google Shape;140;gab2a81e2db_1_15:notes"/>
           <p:cNvSpPr/>
           <p:nvPr>
             <p:ph idx="2" type="sldImg"/>
@@ -862,7 +863,7 @@
       </p:sp>
       <p:sp>
         <p:nvSpPr>
-          <p:cNvPr id="132" name="Google Shape;132;gab2a81e2db_1_15:notes"/>
+          <p:cNvPr id="141" name="Google Shape;141;gab2a81e2db_1_15:notes"/>
           <p:cNvSpPr txBox="1"/>
           <p:nvPr>
             <p:ph idx="1" type="body"/>
@@ -912,7 +913,7 @@
   <p:cSld>
     <p:spTree>
       <p:nvGrpSpPr>
-        <p:cNvPr id="137" name="Shape 137"/>
+        <p:cNvPr id="147" name="Shape 147"/>
         <p:cNvGrpSpPr/>
         <p:nvPr/>
       </p:nvGrpSpPr>
@@ -926,7 +927,7 @@
       </p:grpSpPr>
       <p:sp>
         <p:nvSpPr>
-          <p:cNvPr id="138" name="Google Shape;138;gab2a81e2db_1_20:notes"/>
+          <p:cNvPr id="148" name="Google Shape;148;gab2a81e2db_1_20:notes"/>
           <p:cNvSpPr/>
           <p:nvPr>
             <p:ph idx="2" type="sldImg"/>
@@ -961,7 +962,7 @@
       </p:sp>
       <p:sp>
         <p:nvSpPr>
-          <p:cNvPr id="139" name="Google Shape;139;gab2a81e2db_1_20:notes"/>
+          <p:cNvPr id="149" name="Google Shape;149;gab2a81e2db_1_20:notes"/>
           <p:cNvSpPr txBox="1"/>
           <p:nvPr>
             <p:ph idx="1" type="body"/>
@@ -1011,7 +1012,7 @@
   <p:cSld>
     <p:spTree>
       <p:nvGrpSpPr>
-        <p:cNvPr id="143" name="Shape 143"/>
+        <p:cNvPr id="154" name="Shape 154"/>
         <p:cNvGrpSpPr/>
         <p:nvPr/>
       </p:nvGrpSpPr>
@@ -1025,7 +1026,7 @@
       </p:grpSpPr>
       <p:sp>
         <p:nvSpPr>
-          <p:cNvPr id="144" name="Google Shape;144;gab2a81e2db_1_52:notes"/>
+          <p:cNvPr id="155" name="Google Shape;155;gab2a81e2db_1_52:notes"/>
           <p:cNvSpPr/>
           <p:nvPr>
             <p:ph idx="2" type="sldImg"/>
@@ -1060,7 +1061,7 @@
       </p:sp>
       <p:sp>
         <p:nvSpPr>
-          <p:cNvPr id="145" name="Google Shape;145;gab2a81e2db_1_52:notes"/>
+          <p:cNvPr id="156" name="Google Shape;156;gab2a81e2db_1_52:notes"/>
           <p:cNvSpPr txBox="1"/>
           <p:nvPr>
             <p:ph idx="1" type="body"/>
@@ -1110,7 +1111,7 @@
   <p:cSld>
     <p:spTree>
       <p:nvGrpSpPr>
-        <p:cNvPr id="150" name="Shape 150"/>
+        <p:cNvPr id="162" name="Shape 162"/>
         <p:cNvGrpSpPr/>
         <p:nvPr/>
       </p:nvGrpSpPr>
@@ -1124,7 +1125,7 @@
       </p:grpSpPr>
       <p:sp>
         <p:nvSpPr>
-          <p:cNvPr id="151" name="Google Shape;151;gab2a81e2db_1_58:notes"/>
+          <p:cNvPr id="163" name="Google Shape;163;gab2a81e2db_1_58:notes"/>
           <p:cNvSpPr/>
           <p:nvPr>
             <p:ph idx="2" type="sldImg"/>
@@ -1159,7 +1160,7 @@
       </p:sp>
       <p:sp>
         <p:nvSpPr>
-          <p:cNvPr id="152" name="Google Shape;152;gab2a81e2db_1_58:notes"/>
+          <p:cNvPr id="164" name="Google Shape;164;gab2a81e2db_1_58:notes"/>
           <p:cNvSpPr txBox="1"/>
           <p:nvPr>
             <p:ph idx="1" type="body"/>
@@ -1209,7 +1210,7 @@
   <p:cSld>
     <p:spTree>
       <p:nvGrpSpPr>
-        <p:cNvPr id="157" name="Shape 157"/>
+        <p:cNvPr id="170" name="Shape 170"/>
         <p:cNvGrpSpPr/>
         <p:nvPr/>
       </p:nvGrpSpPr>
@@ -1223,7 +1224,7 @@
       </p:grpSpPr>
       <p:sp>
         <p:nvSpPr>
-          <p:cNvPr id="158" name="Google Shape;158;gab2a81e2db_1_63:notes"/>
+          <p:cNvPr id="171" name="Google Shape;171;gab2a81e2db_1_63:notes"/>
           <p:cNvSpPr/>
           <p:nvPr>
             <p:ph idx="2" type="sldImg"/>
@@ -1258,7 +1259,7 @@
       </p:sp>
       <p:sp>
         <p:nvSpPr>
-          <p:cNvPr id="159" name="Google Shape;159;gab2a81e2db_1_63:notes"/>
+          <p:cNvPr id="172" name="Google Shape;172;gab2a81e2db_1_63:notes"/>
           <p:cNvSpPr txBox="1"/>
           <p:nvPr>
             <p:ph idx="1" type="body"/>
@@ -1308,7 +1309,7 @@
   <p:cSld>
     <p:spTree>
       <p:nvGrpSpPr>
-        <p:cNvPr id="164" name="Shape 164"/>
+        <p:cNvPr id="178" name="Shape 178"/>
         <p:cNvGrpSpPr/>
         <p:nvPr/>
       </p:nvGrpSpPr>
@@ -1322,7 +1323,7 @@
       </p:grpSpPr>
       <p:sp>
         <p:nvSpPr>
-          <p:cNvPr id="165" name="Google Shape;165;gab2a81e2db_1_68:notes"/>
+          <p:cNvPr id="179" name="Google Shape;179;gab2a81e2db_1_68:notes"/>
           <p:cNvSpPr/>
           <p:nvPr>
             <p:ph idx="2" type="sldImg"/>
@@ -1357,7 +1358,7 @@
       </p:sp>
       <p:sp>
         <p:nvSpPr>
-          <p:cNvPr id="166" name="Google Shape;166;gab2a81e2db_1_68:notes"/>
+          <p:cNvPr id="180" name="Google Shape;180;gab2a81e2db_1_68:notes"/>
           <p:cNvSpPr txBox="1"/>
           <p:nvPr>
             <p:ph idx="1" type="body"/>
@@ -1407,7 +1408,7 @@
   <p:cSld>
     <p:spTree>
       <p:nvGrpSpPr>
-        <p:cNvPr id="171" name="Shape 171"/>
+        <p:cNvPr id="186" name="Shape 186"/>
         <p:cNvGrpSpPr/>
         <p:nvPr/>
       </p:nvGrpSpPr>
@@ -1421,7 +1422,7 @@
       </p:grpSpPr>
       <p:sp>
         <p:nvSpPr>
-          <p:cNvPr id="172" name="Google Shape;172;gab2a81e2db_1_84:notes"/>
+          <p:cNvPr id="187" name="Google Shape;187;gab2a81e2db_1_84:notes"/>
           <p:cNvSpPr/>
           <p:nvPr>
             <p:ph idx="2" type="sldImg"/>
@@ -1456,7 +1457,7 @@
       </p:sp>
       <p:sp>
         <p:nvSpPr>
-          <p:cNvPr id="173" name="Google Shape;173;gab2a81e2db_1_84:notes"/>
+          <p:cNvPr id="188" name="Google Shape;188;gab2a81e2db_1_84:notes"/>
           <p:cNvSpPr txBox="1"/>
           <p:nvPr>
             <p:ph idx="1" type="body"/>
@@ -1506,7 +1507,7 @@
   <p:cSld>
     <p:spTree>
       <p:nvGrpSpPr>
-        <p:cNvPr id="178" name="Shape 178"/>
+        <p:cNvPr id="194" name="Shape 194"/>
         <p:cNvGrpSpPr/>
         <p:nvPr/>
       </p:nvGrpSpPr>
@@ -1520,7 +1521,7 @@
       </p:grpSpPr>
       <p:sp>
         <p:nvSpPr>
-          <p:cNvPr id="179" name="Google Shape;179;gab2a81e2db_1_90:notes"/>
+          <p:cNvPr id="195" name="Google Shape;195;gab2a81e2db_1_90:notes"/>
           <p:cNvSpPr/>
           <p:nvPr>
             <p:ph idx="2" type="sldImg"/>
@@ -1555,7 +1556,7 @@
       </p:sp>
       <p:sp>
         <p:nvSpPr>
-          <p:cNvPr id="180" name="Google Shape;180;gab2a81e2db_1_90:notes"/>
+          <p:cNvPr id="196" name="Google Shape;196;gab2a81e2db_1_90:notes"/>
           <p:cNvSpPr txBox="1"/>
           <p:nvPr>
             <p:ph idx="1" type="body"/>
@@ -1605,7 +1606,7 @@
   <p:cSld>
     <p:spTree>
       <p:nvGrpSpPr>
-        <p:cNvPr id="185" name="Shape 185"/>
+        <p:cNvPr id="202" name="Shape 202"/>
         <p:cNvGrpSpPr/>
         <p:nvPr/>
       </p:nvGrpSpPr>
@@ -1619,7 +1620,7 @@
       </p:grpSpPr>
       <p:sp>
         <p:nvSpPr>
-          <p:cNvPr id="186" name="Google Shape;186;gab2a81e2db_1_98:notes"/>
+          <p:cNvPr id="203" name="Google Shape;203;gab2a81e2db_1_98:notes"/>
           <p:cNvSpPr/>
           <p:nvPr>
             <p:ph idx="2" type="sldImg"/>
@@ -1654,7 +1655,7 @@
       </p:sp>
       <p:sp>
         <p:nvSpPr>
-          <p:cNvPr id="187" name="Google Shape;187;gab2a81e2db_1_98:notes"/>
+          <p:cNvPr id="204" name="Google Shape;204;gab2a81e2db_1_98:notes"/>
           <p:cNvSpPr txBox="1"/>
           <p:nvPr>
             <p:ph idx="1" type="body"/>
@@ -1704,7 +1705,7 @@
   <p:cSld>
     <p:spTree>
       <p:nvGrpSpPr>
-        <p:cNvPr id="192" name="Shape 192"/>
+        <p:cNvPr id="210" name="Shape 210"/>
         <p:cNvGrpSpPr/>
         <p:nvPr/>
       </p:nvGrpSpPr>
@@ -1718,7 +1719,7 @@
       </p:grpSpPr>
       <p:sp>
         <p:nvSpPr>
-          <p:cNvPr id="193" name="Google Shape;193;gab2a81e2db_1_111:notes"/>
+          <p:cNvPr id="211" name="Google Shape;211;gab2a81e2db_1_111:notes"/>
           <p:cNvSpPr/>
           <p:nvPr>
             <p:ph idx="2" type="sldImg"/>
@@ -1753,7 +1754,7 @@
       </p:sp>
       <p:sp>
         <p:nvSpPr>
-          <p:cNvPr id="194" name="Google Shape;194;gab2a81e2db_1_111:notes"/>
+          <p:cNvPr id="212" name="Google Shape;212;gab2a81e2db_1_111:notes"/>
           <p:cNvSpPr txBox="1"/>
           <p:nvPr>
             <p:ph idx="1" type="body"/>
@@ -1803,7 +1804,7 @@
   <p:cSld>
     <p:spTree>
       <p:nvGrpSpPr>
-        <p:cNvPr id="56" name="Shape 56"/>
+        <p:cNvPr id="57" name="Shape 57"/>
         <p:cNvGrpSpPr/>
         <p:nvPr/>
       </p:nvGrpSpPr>
@@ -1817,7 +1818,7 @@
       </p:grpSpPr>
       <p:sp>
         <p:nvSpPr>
-          <p:cNvPr id="57" name="Google Shape;57;gab2a81e2db_1_139:notes"/>
+          <p:cNvPr id="58" name="Google Shape;58;gab2a81e2db_1_139:notes"/>
           <p:cNvSpPr/>
           <p:nvPr>
             <p:ph idx="2" type="sldImg"/>
@@ -1852,7 +1853,7 @@
       </p:sp>
       <p:sp>
         <p:nvSpPr>
-          <p:cNvPr id="58" name="Google Shape;58;gab2a81e2db_1_139:notes"/>
+          <p:cNvPr id="59" name="Google Shape;59;gab2a81e2db_1_139:notes"/>
           <p:cNvSpPr txBox="1"/>
           <p:nvPr>
             <p:ph idx="1" type="body"/>
@@ -1902,7 +1903,7 @@
   <p:cSld>
     <p:spTree>
       <p:nvGrpSpPr>
-        <p:cNvPr id="198" name="Shape 198"/>
+        <p:cNvPr id="217" name="Shape 217"/>
         <p:cNvGrpSpPr/>
         <p:nvPr/>
       </p:nvGrpSpPr>
@@ -1916,7 +1917,7 @@
       </p:grpSpPr>
       <p:sp>
         <p:nvSpPr>
-          <p:cNvPr id="199" name="Google Shape;199;gab2a81e2db_1_105:notes"/>
+          <p:cNvPr id="218" name="Google Shape;218;gab2a81e2db_1_105:notes"/>
           <p:cNvSpPr/>
           <p:nvPr>
             <p:ph idx="2" type="sldImg"/>
@@ -1951,7 +1952,7 @@
       </p:sp>
       <p:sp>
         <p:nvSpPr>
-          <p:cNvPr id="200" name="Google Shape;200;gab2a81e2db_1_105:notes"/>
+          <p:cNvPr id="219" name="Google Shape;219;gab2a81e2db_1_105:notes"/>
           <p:cNvSpPr txBox="1"/>
           <p:nvPr>
             <p:ph idx="1" type="body"/>
@@ -2001,7 +2002,7 @@
   <p:cSld>
     <p:spTree>
       <p:nvGrpSpPr>
-        <p:cNvPr id="205" name="Shape 205"/>
+        <p:cNvPr id="225" name="Shape 225"/>
         <p:cNvGrpSpPr/>
         <p:nvPr/>
       </p:nvGrpSpPr>
@@ -2015,7 +2016,7 @@
       </p:grpSpPr>
       <p:sp>
         <p:nvSpPr>
-          <p:cNvPr id="206" name="Google Shape;206;gab2a81e2db_1_117:notes"/>
+          <p:cNvPr id="226" name="Google Shape;226;gab2a81e2db_1_117:notes"/>
           <p:cNvSpPr/>
           <p:nvPr>
             <p:ph idx="2" type="sldImg"/>
@@ -2050,7 +2051,7 @@
       </p:sp>
       <p:sp>
         <p:nvSpPr>
-          <p:cNvPr id="207" name="Google Shape;207;gab2a81e2db_1_117:notes"/>
+          <p:cNvPr id="227" name="Google Shape;227;gab2a81e2db_1_117:notes"/>
           <p:cNvSpPr txBox="1"/>
           <p:nvPr>
             <p:ph idx="1" type="body"/>
@@ -2100,7 +2101,7 @@
   <p:cSld>
     <p:spTree>
       <p:nvGrpSpPr>
-        <p:cNvPr id="212" name="Shape 212"/>
+        <p:cNvPr id="232" name="Shape 232"/>
         <p:cNvGrpSpPr/>
         <p:nvPr/>
       </p:nvGrpSpPr>
@@ -2114,7 +2115,7 @@
       </p:grpSpPr>
       <p:sp>
         <p:nvSpPr>
-          <p:cNvPr id="213" name="Google Shape;213;gab2a81e2db_1_144:notes"/>
+          <p:cNvPr id="233" name="Google Shape;233;gab2a81e2db_1_161:notes"/>
           <p:cNvSpPr/>
           <p:nvPr>
             <p:ph idx="2" type="sldImg"/>
@@ -2149,7 +2150,7 @@
       </p:sp>
       <p:sp>
         <p:nvSpPr>
-          <p:cNvPr id="214" name="Google Shape;214;gab2a81e2db_1_144:notes"/>
+          <p:cNvPr id="234" name="Google Shape;234;gab2a81e2db_1_161:notes"/>
           <p:cNvSpPr txBox="1"/>
           <p:nvPr>
             <p:ph idx="1" type="body"/>
@@ -2199,7 +2200,7 @@
   <p:cSld>
     <p:spTree>
       <p:nvGrpSpPr>
-        <p:cNvPr id="218" name="Shape 218"/>
+        <p:cNvPr id="241" name="Shape 241"/>
         <p:cNvGrpSpPr/>
         <p:nvPr/>
       </p:nvGrpSpPr>
@@ -2213,7 +2214,7 @@
       </p:grpSpPr>
       <p:sp>
         <p:nvSpPr>
-          <p:cNvPr id="219" name="Google Shape;219;gab2a81e2db_1_149:notes"/>
+          <p:cNvPr id="242" name="Google Shape;242;gab2a81e2db_1_144:notes"/>
           <p:cNvSpPr/>
           <p:nvPr>
             <p:ph idx="2" type="sldImg"/>
@@ -2248,7 +2249,7 @@
       </p:sp>
       <p:sp>
         <p:nvSpPr>
-          <p:cNvPr id="220" name="Google Shape;220;gab2a81e2db_1_149:notes"/>
+          <p:cNvPr id="243" name="Google Shape;243;gab2a81e2db_1_144:notes"/>
           <p:cNvSpPr txBox="1"/>
           <p:nvPr>
             <p:ph idx="1" type="body"/>
@@ -2298,7 +2299,7 @@
   <p:cSld>
     <p:spTree>
       <p:nvGrpSpPr>
-        <p:cNvPr id="224" name="Shape 224"/>
+        <p:cNvPr id="248" name="Shape 248"/>
         <p:cNvGrpSpPr/>
         <p:nvPr/>
       </p:nvGrpSpPr>
@@ -2312,7 +2313,7 @@
       </p:grpSpPr>
       <p:sp>
         <p:nvSpPr>
-          <p:cNvPr id="225" name="Google Shape;225;gab2a81e2db_1_126:notes"/>
+          <p:cNvPr id="249" name="Google Shape;249;gab2a81e2db_1_149:notes"/>
           <p:cNvSpPr/>
           <p:nvPr>
             <p:ph idx="2" type="sldImg"/>
@@ -2347,7 +2348,7 @@
       </p:sp>
       <p:sp>
         <p:nvSpPr>
-          <p:cNvPr id="226" name="Google Shape;226;gab2a81e2db_1_126:notes"/>
+          <p:cNvPr id="250" name="Google Shape;250;gab2a81e2db_1_149:notes"/>
           <p:cNvSpPr txBox="1"/>
           <p:nvPr>
             <p:ph idx="1" type="body"/>
@@ -2392,12 +2393,12 @@
 </p:notes>
 </file>
 
-<file path=ppt/notesSlides/notesSlide3.xml><?xml version="1.0" encoding="utf-8"?>
+<file path=ppt/notesSlides/notesSlide25.xml><?xml version="1.0" encoding="utf-8"?>
 <p:notes xmlns:a="http://schemas.openxmlformats.org/drawingml/2006/main" xmlns:r="http://schemas.openxmlformats.org/officeDocument/2006/relationships" xmlns:mc="http://schemas.openxmlformats.org/markup-compatibility/2006" xmlns:mv="urn:schemas-microsoft-com:mac:vml" xmlns:p="http://schemas.openxmlformats.org/presentationml/2006/main" xmlns:c="http://schemas.openxmlformats.org/drawingml/2006/chart" xmlns:dgm="http://schemas.openxmlformats.org/drawingml/2006/diagram" xmlns:o="urn:schemas-microsoft-com:office:office" xmlns:v="urn:schemas-microsoft-com:vml" xmlns:pvml="urn:schemas-microsoft-com:office:powerpoint" xmlns:com="http://schemas.openxmlformats.org/drawingml/2006/compatibility" xmlns:p14="http://schemas.microsoft.com/office/powerpoint/2010/main" xmlns:p15="http://schemas.microsoft.com/office/powerpoint/2012/main" xmlns:ahyp="http://schemas.microsoft.com/office/drawing/2018/hyperlinkcolor" showMasterPhAnim="0" showMasterSp="0">
   <p:cSld>
     <p:spTree>
       <p:nvGrpSpPr>
-        <p:cNvPr id="62" name="Shape 62"/>
+        <p:cNvPr id="255" name="Shape 255"/>
         <p:cNvGrpSpPr/>
         <p:nvPr/>
       </p:nvGrpSpPr>
@@ -2411,7 +2412,7 @@
       </p:grpSpPr>
       <p:sp>
         <p:nvSpPr>
-          <p:cNvPr id="63" name="Google Shape;63;gab2a81e2db_0_0:notes"/>
+          <p:cNvPr id="256" name="Google Shape;256;gab2a81e2db_1_126:notes"/>
           <p:cNvSpPr/>
           <p:nvPr>
             <p:ph idx="2" type="sldImg"/>
@@ -2446,7 +2447,7 @@
       </p:sp>
       <p:sp>
         <p:nvSpPr>
-          <p:cNvPr id="64" name="Google Shape;64;gab2a81e2db_0_0:notes"/>
+          <p:cNvPr id="257" name="Google Shape;257;gab2a81e2db_1_126:notes"/>
           <p:cNvSpPr txBox="1"/>
           <p:nvPr>
             <p:ph idx="1" type="body"/>
@@ -2491,12 +2492,12 @@
 </p:notes>
 </file>
 
-<file path=ppt/notesSlides/notesSlide4.xml><?xml version="1.0" encoding="utf-8"?>
+<file path=ppt/notesSlides/notesSlide3.xml><?xml version="1.0" encoding="utf-8"?>
 <p:notes xmlns:a="http://schemas.openxmlformats.org/drawingml/2006/main" xmlns:r="http://schemas.openxmlformats.org/officeDocument/2006/relationships" xmlns:mc="http://schemas.openxmlformats.org/markup-compatibility/2006" xmlns:mv="urn:schemas-microsoft-com:mac:vml" xmlns:p="http://schemas.openxmlformats.org/presentationml/2006/main" xmlns:c="http://schemas.openxmlformats.org/drawingml/2006/chart" xmlns:dgm="http://schemas.openxmlformats.org/drawingml/2006/diagram" xmlns:o="urn:schemas-microsoft-com:office:office" xmlns:v="urn:schemas-microsoft-com:vml" xmlns:pvml="urn:schemas-microsoft-com:office:powerpoint" xmlns:com="http://schemas.openxmlformats.org/drawingml/2006/compatibility" xmlns:p14="http://schemas.microsoft.com/office/powerpoint/2010/main" xmlns:p15="http://schemas.microsoft.com/office/powerpoint/2012/main" xmlns:ahyp="http://schemas.microsoft.com/office/drawing/2018/hyperlinkcolor" showMasterPhAnim="0" showMasterSp="0">
   <p:cSld>
     <p:spTree>
       <p:nvGrpSpPr>
-        <p:cNvPr id="68" name="Shape 68"/>
+        <p:cNvPr id="64" name="Shape 64"/>
         <p:cNvGrpSpPr/>
         <p:nvPr/>
       </p:nvGrpSpPr>
@@ -2510,7 +2511,7 @@
       </p:grpSpPr>
       <p:sp>
         <p:nvSpPr>
-          <p:cNvPr id="69" name="Google Shape;69;gab2a81e2db_0_6:notes"/>
+          <p:cNvPr id="65" name="Google Shape;65;gab2a81e2db_0_0:notes"/>
           <p:cNvSpPr/>
           <p:nvPr>
             <p:ph idx="2" type="sldImg"/>
@@ -2545,7 +2546,7 @@
       </p:sp>
       <p:sp>
         <p:nvSpPr>
-          <p:cNvPr id="70" name="Google Shape;70;gab2a81e2db_0_6:notes"/>
+          <p:cNvPr id="66" name="Google Shape;66;gab2a81e2db_0_0:notes"/>
           <p:cNvSpPr txBox="1"/>
           <p:nvPr>
             <p:ph idx="1" type="body"/>
@@ -2590,12 +2591,12 @@
 </p:notes>
 </file>
 
-<file path=ppt/notesSlides/notesSlide5.xml><?xml version="1.0" encoding="utf-8"?>
+<file path=ppt/notesSlides/notesSlide4.xml><?xml version="1.0" encoding="utf-8"?>
 <p:notes xmlns:a="http://schemas.openxmlformats.org/drawingml/2006/main" xmlns:r="http://schemas.openxmlformats.org/officeDocument/2006/relationships" xmlns:mc="http://schemas.openxmlformats.org/markup-compatibility/2006" xmlns:mv="urn:schemas-microsoft-com:mac:vml" xmlns:p="http://schemas.openxmlformats.org/presentationml/2006/main" xmlns:c="http://schemas.openxmlformats.org/drawingml/2006/chart" xmlns:dgm="http://schemas.openxmlformats.org/drawingml/2006/diagram" xmlns:o="urn:schemas-microsoft-com:office:office" xmlns:v="urn:schemas-microsoft-com:vml" xmlns:pvml="urn:schemas-microsoft-com:office:powerpoint" xmlns:com="http://schemas.openxmlformats.org/drawingml/2006/compatibility" xmlns:p14="http://schemas.microsoft.com/office/powerpoint/2010/main" xmlns:p15="http://schemas.microsoft.com/office/powerpoint/2012/main" xmlns:ahyp="http://schemas.microsoft.com/office/drawing/2018/hyperlinkcolor" showMasterPhAnim="0" showMasterSp="0">
   <p:cSld>
     <p:spTree>
       <p:nvGrpSpPr>
-        <p:cNvPr id="99" name="Shape 99"/>
+        <p:cNvPr id="71" name="Shape 71"/>
         <p:cNvGrpSpPr/>
         <p:nvPr/>
       </p:nvGrpSpPr>
@@ -2609,7 +2610,7 @@
       </p:grpSpPr>
       <p:sp>
         <p:nvSpPr>
-          <p:cNvPr id="100" name="Google Shape;100;gab2a81e2db_0_39:notes"/>
+          <p:cNvPr id="72" name="Google Shape;72;gab2a81e2db_0_6:notes"/>
           <p:cNvSpPr/>
           <p:nvPr>
             <p:ph idx="2" type="sldImg"/>
@@ -2644,7 +2645,7 @@
       </p:sp>
       <p:sp>
         <p:nvSpPr>
-          <p:cNvPr id="101" name="Google Shape;101;gab2a81e2db_0_39:notes"/>
+          <p:cNvPr id="73" name="Google Shape;73;gab2a81e2db_0_6:notes"/>
           <p:cNvSpPr txBox="1"/>
           <p:nvPr>
             <p:ph idx="1" type="body"/>
@@ -2689,12 +2690,12 @@
 </p:notes>
 </file>
 
-<file path=ppt/notesSlides/notesSlide6.xml><?xml version="1.0" encoding="utf-8"?>
+<file path=ppt/notesSlides/notesSlide5.xml><?xml version="1.0" encoding="utf-8"?>
 <p:notes xmlns:a="http://schemas.openxmlformats.org/drawingml/2006/main" xmlns:r="http://schemas.openxmlformats.org/officeDocument/2006/relationships" xmlns:mc="http://schemas.openxmlformats.org/markup-compatibility/2006" xmlns:mv="urn:schemas-microsoft-com:mac:vml" xmlns:p="http://schemas.openxmlformats.org/presentationml/2006/main" xmlns:c="http://schemas.openxmlformats.org/drawingml/2006/chart" xmlns:dgm="http://schemas.openxmlformats.org/drawingml/2006/diagram" xmlns:o="urn:schemas-microsoft-com:office:office" xmlns:v="urn:schemas-microsoft-com:vml" xmlns:pvml="urn:schemas-microsoft-com:office:powerpoint" xmlns:com="http://schemas.openxmlformats.org/drawingml/2006/compatibility" xmlns:p14="http://schemas.microsoft.com/office/powerpoint/2010/main" xmlns:p15="http://schemas.microsoft.com/office/powerpoint/2012/main" xmlns:ahyp="http://schemas.microsoft.com/office/drawing/2018/hyperlinkcolor" showMasterPhAnim="0" showMasterSp="0">
   <p:cSld>
     <p:spTree>
       <p:nvGrpSpPr>
-        <p:cNvPr id="105" name="Shape 105"/>
+        <p:cNvPr id="103" name="Shape 103"/>
         <p:cNvGrpSpPr/>
         <p:nvPr/>
       </p:nvGrpSpPr>
@@ -2708,7 +2709,7 @@
       </p:grpSpPr>
       <p:sp>
         <p:nvSpPr>
-          <p:cNvPr id="106" name="Google Shape;106;gab2a81e2db_1_0:notes"/>
+          <p:cNvPr id="104" name="Google Shape;104;gab2a81e2db_0_39:notes"/>
           <p:cNvSpPr/>
           <p:nvPr>
             <p:ph idx="2" type="sldImg"/>
@@ -2743,7 +2744,7 @@
       </p:sp>
       <p:sp>
         <p:nvSpPr>
-          <p:cNvPr id="107" name="Google Shape;107;gab2a81e2db_1_0:notes"/>
+          <p:cNvPr id="105" name="Google Shape;105;gab2a81e2db_0_39:notes"/>
           <p:cNvSpPr txBox="1"/>
           <p:nvPr>
             <p:ph idx="1" type="body"/>
@@ -2788,12 +2789,12 @@
 </p:notes>
 </file>
 
-<file path=ppt/notesSlides/notesSlide7.xml><?xml version="1.0" encoding="utf-8"?>
+<file path=ppt/notesSlides/notesSlide6.xml><?xml version="1.0" encoding="utf-8"?>
 <p:notes xmlns:a="http://schemas.openxmlformats.org/drawingml/2006/main" xmlns:r="http://schemas.openxmlformats.org/officeDocument/2006/relationships" xmlns:mc="http://schemas.openxmlformats.org/markup-compatibility/2006" xmlns:mv="urn:schemas-microsoft-com:mac:vml" xmlns:p="http://schemas.openxmlformats.org/presentationml/2006/main" xmlns:c="http://schemas.openxmlformats.org/drawingml/2006/chart" xmlns:dgm="http://schemas.openxmlformats.org/drawingml/2006/diagram" xmlns:o="urn:schemas-microsoft-com:office:office" xmlns:v="urn:schemas-microsoft-com:vml" xmlns:pvml="urn:schemas-microsoft-com:office:powerpoint" xmlns:com="http://schemas.openxmlformats.org/drawingml/2006/compatibility" xmlns:p14="http://schemas.microsoft.com/office/powerpoint/2010/main" xmlns:p15="http://schemas.microsoft.com/office/powerpoint/2012/main" xmlns:ahyp="http://schemas.microsoft.com/office/drawing/2018/hyperlinkcolor" showMasterPhAnim="0" showMasterSp="0">
   <p:cSld>
     <p:spTree>
       <p:nvGrpSpPr>
-        <p:cNvPr id="111" name="Shape 111"/>
+        <p:cNvPr id="110" name="Shape 110"/>
         <p:cNvGrpSpPr/>
         <p:nvPr/>
       </p:nvGrpSpPr>
@@ -2807,7 +2808,7 @@
       </p:grpSpPr>
       <p:sp>
         <p:nvSpPr>
-          <p:cNvPr id="112" name="Google Shape;112;gab2a81e2db_1_31:notes"/>
+          <p:cNvPr id="111" name="Google Shape;111;gab2a81e2db_1_0:notes"/>
           <p:cNvSpPr/>
           <p:nvPr>
             <p:ph idx="2" type="sldImg"/>
@@ -2842,7 +2843,7 @@
       </p:sp>
       <p:sp>
         <p:nvSpPr>
-          <p:cNvPr id="113" name="Google Shape;113;gab2a81e2db_1_31:notes"/>
+          <p:cNvPr id="112" name="Google Shape;112;gab2a81e2db_1_0:notes"/>
           <p:cNvSpPr txBox="1"/>
           <p:nvPr>
             <p:ph idx="1" type="body"/>
@@ -2887,7 +2888,7 @@
 </p:notes>
 </file>
 
-<file path=ppt/notesSlides/notesSlide8.xml><?xml version="1.0" encoding="utf-8"?>
+<file path=ppt/notesSlides/notesSlide7.xml><?xml version="1.0" encoding="utf-8"?>
 <p:notes xmlns:a="http://schemas.openxmlformats.org/drawingml/2006/main" xmlns:r="http://schemas.openxmlformats.org/officeDocument/2006/relationships" xmlns:mc="http://schemas.openxmlformats.org/markup-compatibility/2006" xmlns:mv="urn:schemas-microsoft-com:mac:vml" xmlns:p="http://schemas.openxmlformats.org/presentationml/2006/main" xmlns:c="http://schemas.openxmlformats.org/drawingml/2006/chart" xmlns:dgm="http://schemas.openxmlformats.org/drawingml/2006/diagram" xmlns:o="urn:schemas-microsoft-com:office:office" xmlns:v="urn:schemas-microsoft-com:vml" xmlns:pvml="urn:schemas-microsoft-com:office:powerpoint" xmlns:com="http://schemas.openxmlformats.org/drawingml/2006/compatibility" xmlns:p14="http://schemas.microsoft.com/office/powerpoint/2010/main" xmlns:p15="http://schemas.microsoft.com/office/powerpoint/2012/main" xmlns:ahyp="http://schemas.microsoft.com/office/drawing/2018/hyperlinkcolor" showMasterPhAnim="0" showMasterSp="0">
   <p:cSld>
     <p:spTree>
@@ -2906,7 +2907,7 @@
       </p:grpSpPr>
       <p:sp>
         <p:nvSpPr>
-          <p:cNvPr id="118" name="Google Shape;118;gab2a81e2db_1_8:notes"/>
+          <p:cNvPr id="118" name="Google Shape;118;gab2a81e2db_1_31:notes"/>
           <p:cNvSpPr/>
           <p:nvPr>
             <p:ph idx="2" type="sldImg"/>
@@ -2941,7 +2942,7 @@
       </p:sp>
       <p:sp>
         <p:nvSpPr>
-          <p:cNvPr id="119" name="Google Shape;119;gab2a81e2db_1_8:notes"/>
+          <p:cNvPr id="119" name="Google Shape;119;gab2a81e2db_1_31:notes"/>
           <p:cNvSpPr txBox="1"/>
           <p:nvPr>
             <p:ph idx="1" type="body"/>
@@ -2986,12 +2987,12 @@
 </p:notes>
 </file>
 
-<file path=ppt/notesSlides/notesSlide9.xml><?xml version="1.0" encoding="utf-8"?>
+<file path=ppt/notesSlides/notesSlide8.xml><?xml version="1.0" encoding="utf-8"?>
 <p:notes xmlns:a="http://schemas.openxmlformats.org/drawingml/2006/main" xmlns:r="http://schemas.openxmlformats.org/officeDocument/2006/relationships" xmlns:mc="http://schemas.openxmlformats.org/markup-compatibility/2006" xmlns:mv="urn:schemas-microsoft-com:mac:vml" xmlns:p="http://schemas.openxmlformats.org/presentationml/2006/main" xmlns:c="http://schemas.openxmlformats.org/drawingml/2006/chart" xmlns:dgm="http://schemas.openxmlformats.org/drawingml/2006/diagram" xmlns:o="urn:schemas-microsoft-com:office:office" xmlns:v="urn:schemas-microsoft-com:vml" xmlns:pvml="urn:schemas-microsoft-com:office:powerpoint" xmlns:com="http://schemas.openxmlformats.org/drawingml/2006/compatibility" xmlns:p14="http://schemas.microsoft.com/office/powerpoint/2010/main" xmlns:p15="http://schemas.microsoft.com/office/powerpoint/2012/main" xmlns:ahyp="http://schemas.microsoft.com/office/drawing/2018/hyperlinkcolor" showMasterPhAnim="0" showMasterSp="0">
   <p:cSld>
     <p:spTree>
       <p:nvGrpSpPr>
-        <p:cNvPr id="123" name="Shape 123"/>
+        <p:cNvPr id="124" name="Shape 124"/>
         <p:cNvGrpSpPr/>
         <p:nvPr/>
       </p:nvGrpSpPr>
@@ -3005,7 +3006,7 @@
       </p:grpSpPr>
       <p:sp>
         <p:nvSpPr>
-          <p:cNvPr id="124" name="Google Shape;124;gab2a81e2db_1_39:notes"/>
+          <p:cNvPr id="125" name="Google Shape;125;gab2a81e2db_1_8:notes"/>
           <p:cNvSpPr/>
           <p:nvPr>
             <p:ph idx="2" type="sldImg"/>
@@ -3040,7 +3041,106 @@
       </p:sp>
       <p:sp>
         <p:nvSpPr>
-          <p:cNvPr id="125" name="Google Shape;125;gab2a81e2db_1_39:notes"/>
+          <p:cNvPr id="126" name="Google Shape;126;gab2a81e2db_1_8:notes"/>
+          <p:cNvSpPr txBox="1"/>
+          <p:nvPr>
+            <p:ph idx="1" type="body"/>
+          </p:nvPr>
+        </p:nvSpPr>
+        <p:spPr>
+          <a:xfrm>
+            <a:off x="685800" y="4343400"/>
+            <a:ext cx="5486400" cy="4114800"/>
+          </a:xfrm>
+          <a:prstGeom prst="rect">
+            <a:avLst/>
+          </a:prstGeom>
+        </p:spPr>
+        <p:txBody>
+          <a:bodyPr anchorCtr="0" anchor="t" bIns="91425" lIns="91425" spcFirstLastPara="1" rIns="91425" wrap="square" tIns="91425">
+            <a:noAutofit/>
+          </a:bodyPr>
+          <a:lstStyle/>
+          <a:p>
+            <a:pPr indent="0" lvl="0" marL="0" rtl="0" algn="l">
+              <a:spcBef>
+                <a:spcPts val="0"/>
+              </a:spcBef>
+              <a:spcAft>
+                <a:spcPts val="0"/>
+              </a:spcAft>
+              <a:buNone/>
+            </a:pPr>
+            <a:r>
+              <a:t/>
+            </a:r>
+            <a:endParaRPr/>
+          </a:p>
+        </p:txBody>
+      </p:sp>
+    </p:spTree>
+  </p:cSld>
+  <p:clrMapOvr>
+    <a:masterClrMapping/>
+  </p:clrMapOvr>
+</p:notes>
+</file>
+
+<file path=ppt/notesSlides/notesSlide9.xml><?xml version="1.0" encoding="utf-8"?>
+<p:notes xmlns:a="http://schemas.openxmlformats.org/drawingml/2006/main" xmlns:r="http://schemas.openxmlformats.org/officeDocument/2006/relationships" xmlns:mc="http://schemas.openxmlformats.org/markup-compatibility/2006" xmlns:mv="urn:schemas-microsoft-com:mac:vml" xmlns:p="http://schemas.openxmlformats.org/presentationml/2006/main" xmlns:c="http://schemas.openxmlformats.org/drawingml/2006/chart" xmlns:dgm="http://schemas.openxmlformats.org/drawingml/2006/diagram" xmlns:o="urn:schemas-microsoft-com:office:office" xmlns:v="urn:schemas-microsoft-com:vml" xmlns:pvml="urn:schemas-microsoft-com:office:powerpoint" xmlns:com="http://schemas.openxmlformats.org/drawingml/2006/compatibility" xmlns:p14="http://schemas.microsoft.com/office/powerpoint/2010/main" xmlns:p15="http://schemas.microsoft.com/office/powerpoint/2012/main" xmlns:ahyp="http://schemas.microsoft.com/office/drawing/2018/hyperlinkcolor" showMasterPhAnim="0" showMasterSp="0">
+  <p:cSld>
+    <p:spTree>
+      <p:nvGrpSpPr>
+        <p:cNvPr id="131" name="Shape 131"/>
+        <p:cNvGrpSpPr/>
+        <p:nvPr/>
+      </p:nvGrpSpPr>
+      <p:grpSpPr>
+        <a:xfrm>
+          <a:off x="0" y="0"/>
+          <a:ext cx="0" cy="0"/>
+          <a:chOff x="0" y="0"/>
+          <a:chExt cx="0" cy="0"/>
+        </a:xfrm>
+      </p:grpSpPr>
+      <p:sp>
+        <p:nvSpPr>
+          <p:cNvPr id="132" name="Google Shape;132;gab2a81e2db_1_39:notes"/>
+          <p:cNvSpPr/>
+          <p:nvPr>
+            <p:ph idx="2" type="sldImg"/>
+          </p:nvPr>
+        </p:nvSpPr>
+        <p:spPr>
+          <a:xfrm>
+            <a:off x="381300" y="685800"/>
+            <a:ext cx="6096000" cy="3429000"/>
+          </a:xfrm>
+          <a:custGeom>
+            <a:rect b="b" l="l" r="r" t="t"/>
+            <a:pathLst>
+              <a:path extrusionOk="0" h="120000" w="120000">
+                <a:moveTo>
+                  <a:pt x="0" y="0"/>
+                </a:moveTo>
+                <a:lnTo>
+                  <a:pt x="120000" y="0"/>
+                </a:lnTo>
+                <a:lnTo>
+                  <a:pt x="120000" y="120000"/>
+                </a:lnTo>
+                <a:lnTo>
+                  <a:pt x="0" y="120000"/>
+                </a:lnTo>
+                <a:close/>
+              </a:path>
+            </a:pathLst>
+          </a:custGeom>
+        </p:spPr>
+      </p:sp>
+      <p:sp>
+        <p:nvSpPr>
+          <p:cNvPr id="133" name="Google Shape;133;gab2a81e2db_1_39:notes"/>
           <p:cNvSpPr txBox="1"/>
           <p:nvPr>
             <p:ph idx="1" type="body"/>
@@ -7041,7 +7141,7 @@
     <p:sldLayoutId id="2147483657" r:id="rId10"/>
     <p:sldLayoutId id="2147483658" r:id="rId11"/>
   </p:sldLayoutIdLst>
-  <p:hf dt="0" ftr="0" hdr="0" sldNum="0"/>
+  <p:hf dt="0" ftr="0" hdr="0"/>
   <p:txStyles>
     <p:titleStyle>
       <a:defPPr lvl="0" marR="0" rtl="0" algn="l">
@@ -7830,10 +7930,53 @@
             <a:br>
               <a:rPr lang="en"/>
             </a:br>
-            <a:r>
+            <a:br>
               <a:rPr lang="en"/>
-              <a:t>Nov 2020</a:t>
-            </a:r>
+            </a:br>
+            <a:r>
+              <a:rPr lang="en"/>
+              <a:t>November 2020</a:t>
+            </a:r>
+            <a:endParaRPr/>
+          </a:p>
+        </p:txBody>
+      </p:sp>
+      <p:sp>
+        <p:nvSpPr>
+          <p:cNvPr id="56" name="Google Shape;56;p13"/>
+          <p:cNvSpPr txBox="1"/>
+          <p:nvPr>
+            <p:ph idx="12" type="sldNum"/>
+          </p:nvPr>
+        </p:nvSpPr>
+        <p:spPr>
+          <a:xfrm>
+            <a:off x="8472458" y="4663217"/>
+            <a:ext cx="548700" cy="393600"/>
+          </a:xfrm>
+          <a:prstGeom prst="rect">
+            <a:avLst/>
+          </a:prstGeom>
+        </p:spPr>
+        <p:txBody>
+          <a:bodyPr anchorCtr="0" anchor="ctr" bIns="91425" lIns="91425" spcFirstLastPara="1" rIns="91425" wrap="square" tIns="91425">
+            <a:noAutofit/>
+          </a:bodyPr>
+          <a:lstStyle/>
+          <a:p>
+            <a:pPr indent="0" lvl="0" marL="0" rtl="0" algn="r">
+              <a:spcBef>
+                <a:spcPts val="0"/>
+              </a:spcBef>
+              <a:spcAft>
+                <a:spcPts val="0"/>
+              </a:spcAft>
+              <a:buNone/>
+            </a:pPr>
+            <a:fld id="{00000000-1234-1234-1234-123412341234}" type="slidenum">
+              <a:rPr lang="en"/>
+              <a:t>‹#›</a:t>
+            </a:fld>
             <a:endParaRPr/>
           </a:p>
         </p:txBody>
@@ -7851,7 +7994,7 @@
   <p:cSld>
     <p:spTree>
       <p:nvGrpSpPr>
-        <p:cNvPr id="133" name="Shape 133"/>
+        <p:cNvPr id="142" name="Shape 142"/>
         <p:cNvGrpSpPr/>
         <p:nvPr/>
       </p:nvGrpSpPr>
@@ -7865,7 +8008,7 @@
       </p:grpSpPr>
       <p:sp>
         <p:nvSpPr>
-          <p:cNvPr id="134" name="Google Shape;134;p22"/>
+          <p:cNvPr id="143" name="Google Shape;143;p22"/>
           <p:cNvSpPr txBox="1"/>
           <p:nvPr>
             <p:ph type="title"/>
@@ -7925,7 +8068,7 @@
       </p:sp>
       <p:sp>
         <p:nvSpPr>
-          <p:cNvPr id="135" name="Google Shape;135;p22"/>
+          <p:cNvPr id="144" name="Google Shape;144;p22"/>
           <p:cNvSpPr txBox="1"/>
           <p:nvPr>
             <p:ph idx="1" type="body"/>
@@ -7957,7 +8100,7 @@
             </a:pPr>
             <a:r>
               <a:rPr lang="en"/>
-              <a:t>There is date column (created_date) in the dataset that include information about the time of the application. However there are 32 unique values across the entire over 94,000 observations. </a:t>
+              <a:t>There is a date column (created_date) in the dataset that includes information about the time of the click. However there are only 32 unique values across the entire 94,000+ observations. </a:t>
             </a:r>
             <a:endParaRPr/>
           </a:p>
@@ -8012,7 +8155,7 @@
             </a:pPr>
             <a:r>
               <a:rPr lang="en"/>
-              <a:t>2- As a continuous number from 0 to 1 (named as ‘time_index’): </a:t>
+              <a:t>2- As a continuous scaled number from 0 to 1 (named as ‘time_index’): </a:t>
             </a:r>
             <a:br>
               <a:rPr lang="en"/>
@@ -8027,7 +8170,7 @@
       </p:sp>
       <p:pic>
         <p:nvPicPr>
-          <p:cNvPr id="136" name="Google Shape;136;p22"/>
+          <p:cNvPr id="145" name="Google Shape;145;p22"/>
           <p:cNvPicPr preferRelativeResize="0"/>
           <p:nvPr/>
         </p:nvPicPr>
@@ -8053,6 +8196,46 @@
           </a:ln>
         </p:spPr>
       </p:pic>
+      <p:sp>
+        <p:nvSpPr>
+          <p:cNvPr id="146" name="Google Shape;146;p22"/>
+          <p:cNvSpPr txBox="1"/>
+          <p:nvPr>
+            <p:ph idx="12" type="sldNum"/>
+          </p:nvPr>
+        </p:nvSpPr>
+        <p:spPr>
+          <a:xfrm>
+            <a:off x="8472458" y="4663217"/>
+            <a:ext cx="548700" cy="393600"/>
+          </a:xfrm>
+          <a:prstGeom prst="rect">
+            <a:avLst/>
+          </a:prstGeom>
+        </p:spPr>
+        <p:txBody>
+          <a:bodyPr anchorCtr="0" anchor="ctr" bIns="91425" lIns="91425" spcFirstLastPara="1" rIns="91425" wrap="square" tIns="91425">
+            <a:noAutofit/>
+          </a:bodyPr>
+          <a:lstStyle/>
+          <a:p>
+            <a:pPr indent="0" lvl="0" marL="0" rtl="0" algn="r">
+              <a:spcBef>
+                <a:spcPts val="0"/>
+              </a:spcBef>
+              <a:spcAft>
+                <a:spcPts val="0"/>
+              </a:spcAft>
+              <a:buNone/>
+            </a:pPr>
+            <a:fld id="{00000000-1234-1234-1234-123412341234}" type="slidenum">
+              <a:rPr lang="en"/>
+              <a:t>‹#›</a:t>
+            </a:fld>
+            <a:endParaRPr/>
+          </a:p>
+        </p:txBody>
+      </p:sp>
     </p:spTree>
   </p:cSld>
   <p:clrMapOvr>
@@ -8066,7 +8249,7 @@
   <p:cSld>
     <p:spTree>
       <p:nvGrpSpPr>
-        <p:cNvPr id="140" name="Shape 140"/>
+        <p:cNvPr id="150" name="Shape 150"/>
         <p:cNvGrpSpPr/>
         <p:nvPr/>
       </p:nvGrpSpPr>
@@ -8080,7 +8263,7 @@
       </p:grpSpPr>
       <p:sp>
         <p:nvSpPr>
-          <p:cNvPr id="141" name="Google Shape;141;p23"/>
+          <p:cNvPr id="151" name="Google Shape;151;p23"/>
           <p:cNvSpPr txBox="1"/>
           <p:nvPr>
             <p:ph type="title"/>
@@ -8125,7 +8308,7 @@
       </p:sp>
       <p:sp>
         <p:nvSpPr>
-          <p:cNvPr id="142" name="Google Shape;142;p23"/>
+          <p:cNvPr id="152" name="Google Shape;152;p23"/>
           <p:cNvSpPr txBox="1"/>
           <p:nvPr>
             <p:ph idx="1" type="body"/>
@@ -8157,7 +8340,7 @@
             </a:pPr>
             <a:r>
               <a:rPr lang="en"/>
-              <a:t>As the features include numerical, binary and categorical data we need to make the ready for our model. </a:t>
+              <a:t>As the features include numerical, binary and categorical data, I needed to make them ready for my model. </a:t>
             </a:r>
             <a:endParaRPr/>
           </a:p>
@@ -8173,7 +8356,23 @@
             </a:pPr>
             <a:r>
               <a:rPr lang="en"/>
-              <a:t>To accomplish this, I used the feature_column module from tensorflow and converted all variables either to numerical vectors, multi-dimensional embedded matrices, and crossed hashed data, as follows:</a:t>
+              <a:t>To accomplish this, I used the </a:t>
+            </a:r>
+            <a:r>
+              <a:rPr i="1" lang="en"/>
+              <a:t>feature_column</a:t>
+            </a:r>
+            <a:r>
+              <a:rPr lang="en"/>
+              <a:t> module from </a:t>
+            </a:r>
+            <a:r>
+              <a:rPr i="1" lang="en"/>
+              <a:t>tensorflow</a:t>
+            </a:r>
+            <a:r>
+              <a:rPr lang="en"/>
+              <a:t> and converted all variables either to numerical vectors, multi-dimensional embedded matrices, or crossed hashed data, as follows:</a:t>
             </a:r>
             <a:endParaRPr/>
           </a:p>
@@ -8524,6 +8723,46 @@
               <a:cs typeface="Courier New"/>
               <a:sym typeface="Courier New"/>
             </a:endParaRPr>
+          </a:p>
+        </p:txBody>
+      </p:sp>
+      <p:sp>
+        <p:nvSpPr>
+          <p:cNvPr id="153" name="Google Shape;153;p23"/>
+          <p:cNvSpPr txBox="1"/>
+          <p:nvPr>
+            <p:ph idx="12" type="sldNum"/>
+          </p:nvPr>
+        </p:nvSpPr>
+        <p:spPr>
+          <a:xfrm>
+            <a:off x="8472458" y="4663217"/>
+            <a:ext cx="548700" cy="393600"/>
+          </a:xfrm>
+          <a:prstGeom prst="rect">
+            <a:avLst/>
+          </a:prstGeom>
+        </p:spPr>
+        <p:txBody>
+          <a:bodyPr anchorCtr="0" anchor="ctr" bIns="91425" lIns="91425" spcFirstLastPara="1" rIns="91425" wrap="square" tIns="91425">
+            <a:noAutofit/>
+          </a:bodyPr>
+          <a:lstStyle/>
+          <a:p>
+            <a:pPr indent="0" lvl="0" marL="0" rtl="0" algn="r">
+              <a:spcBef>
+                <a:spcPts val="0"/>
+              </a:spcBef>
+              <a:spcAft>
+                <a:spcPts val="0"/>
+              </a:spcAft>
+              <a:buNone/>
+            </a:pPr>
+            <a:fld id="{00000000-1234-1234-1234-123412341234}" type="slidenum">
+              <a:rPr lang="en"/>
+              <a:t>‹#›</a:t>
+            </a:fld>
+            <a:endParaRPr/>
           </a:p>
         </p:txBody>
       </p:sp>
@@ -8540,7 +8779,7 @@
   <p:cSld>
     <p:spTree>
       <p:nvGrpSpPr>
-        <p:cNvPr id="146" name="Shape 146"/>
+        <p:cNvPr id="157" name="Shape 157"/>
         <p:cNvGrpSpPr/>
         <p:nvPr/>
       </p:nvGrpSpPr>
@@ -8554,7 +8793,7 @@
       </p:grpSpPr>
       <p:sp>
         <p:nvSpPr>
-          <p:cNvPr id="147" name="Google Shape;147;p24"/>
+          <p:cNvPr id="158" name="Google Shape;158;p24"/>
           <p:cNvSpPr txBox="1"/>
           <p:nvPr>
             <p:ph type="title"/>
@@ -8594,7 +8833,7 @@
       </p:sp>
       <p:sp>
         <p:nvSpPr>
-          <p:cNvPr id="148" name="Google Shape;148;p24"/>
+          <p:cNvPr id="159" name="Google Shape;159;p24"/>
           <p:cNvSpPr txBox="1"/>
           <p:nvPr>
             <p:ph idx="1" type="body"/>
@@ -8633,7 +8872,7 @@
       </p:sp>
       <p:pic>
         <p:nvPicPr>
-          <p:cNvPr id="149" name="Google Shape;149;p24"/>
+          <p:cNvPr id="160" name="Google Shape;160;p24"/>
           <p:cNvPicPr preferRelativeResize="0"/>
           <p:nvPr/>
         </p:nvPicPr>
@@ -8659,6 +8898,46 @@
           </a:ln>
         </p:spPr>
       </p:pic>
+      <p:sp>
+        <p:nvSpPr>
+          <p:cNvPr id="161" name="Google Shape;161;p24"/>
+          <p:cNvSpPr txBox="1"/>
+          <p:nvPr>
+            <p:ph idx="12" type="sldNum"/>
+          </p:nvPr>
+        </p:nvSpPr>
+        <p:spPr>
+          <a:xfrm>
+            <a:off x="8472458" y="4663217"/>
+            <a:ext cx="548700" cy="393600"/>
+          </a:xfrm>
+          <a:prstGeom prst="rect">
+            <a:avLst/>
+          </a:prstGeom>
+        </p:spPr>
+        <p:txBody>
+          <a:bodyPr anchorCtr="0" anchor="ctr" bIns="91425" lIns="91425" spcFirstLastPara="1" rIns="91425" wrap="square" tIns="91425">
+            <a:noAutofit/>
+          </a:bodyPr>
+          <a:lstStyle/>
+          <a:p>
+            <a:pPr indent="0" lvl="0" marL="0" rtl="0" algn="r">
+              <a:spcBef>
+                <a:spcPts val="0"/>
+              </a:spcBef>
+              <a:spcAft>
+                <a:spcPts val="0"/>
+              </a:spcAft>
+              <a:buNone/>
+            </a:pPr>
+            <a:fld id="{00000000-1234-1234-1234-123412341234}" type="slidenum">
+              <a:rPr lang="en"/>
+              <a:t>‹#›</a:t>
+            </a:fld>
+            <a:endParaRPr/>
+          </a:p>
+        </p:txBody>
+      </p:sp>
     </p:spTree>
   </p:cSld>
   <p:clrMapOvr>
@@ -8672,7 +8951,7 @@
   <p:cSld>
     <p:spTree>
       <p:nvGrpSpPr>
-        <p:cNvPr id="153" name="Shape 153"/>
+        <p:cNvPr id="165" name="Shape 165"/>
         <p:cNvGrpSpPr/>
         <p:nvPr/>
       </p:nvGrpSpPr>
@@ -8686,7 +8965,7 @@
       </p:grpSpPr>
       <p:sp>
         <p:nvSpPr>
-          <p:cNvPr id="154" name="Google Shape;154;p25"/>
+          <p:cNvPr id="166" name="Google Shape;166;p25"/>
           <p:cNvSpPr txBox="1"/>
           <p:nvPr>
             <p:ph type="title"/>
@@ -8726,7 +9005,7 @@
       </p:sp>
       <p:sp>
         <p:nvSpPr>
-          <p:cNvPr id="155" name="Google Shape;155;p25"/>
+          <p:cNvPr id="167" name="Google Shape;167;p25"/>
           <p:cNvSpPr txBox="1"/>
           <p:nvPr>
             <p:ph idx="1" type="body"/>
@@ -8832,7 +9111,7 @@
       </p:sp>
       <p:pic>
         <p:nvPicPr>
-          <p:cNvPr id="156" name="Google Shape;156;p25"/>
+          <p:cNvPr id="168" name="Google Shape;168;p25"/>
           <p:cNvPicPr preferRelativeResize="0"/>
           <p:nvPr/>
         </p:nvPicPr>
@@ -8858,6 +9137,46 @@
           </a:ln>
         </p:spPr>
       </p:pic>
+      <p:sp>
+        <p:nvSpPr>
+          <p:cNvPr id="169" name="Google Shape;169;p25"/>
+          <p:cNvSpPr txBox="1"/>
+          <p:nvPr>
+            <p:ph idx="12" type="sldNum"/>
+          </p:nvPr>
+        </p:nvSpPr>
+        <p:spPr>
+          <a:xfrm>
+            <a:off x="8472458" y="4663217"/>
+            <a:ext cx="548700" cy="393600"/>
+          </a:xfrm>
+          <a:prstGeom prst="rect">
+            <a:avLst/>
+          </a:prstGeom>
+        </p:spPr>
+        <p:txBody>
+          <a:bodyPr anchorCtr="0" anchor="ctr" bIns="91425" lIns="91425" spcFirstLastPara="1" rIns="91425" wrap="square" tIns="91425">
+            <a:noAutofit/>
+          </a:bodyPr>
+          <a:lstStyle/>
+          <a:p>
+            <a:pPr indent="0" lvl="0" marL="0" rtl="0" algn="r">
+              <a:spcBef>
+                <a:spcPts val="0"/>
+              </a:spcBef>
+              <a:spcAft>
+                <a:spcPts val="0"/>
+              </a:spcAft>
+              <a:buNone/>
+            </a:pPr>
+            <a:fld id="{00000000-1234-1234-1234-123412341234}" type="slidenum">
+              <a:rPr lang="en"/>
+              <a:t>‹#›</a:t>
+            </a:fld>
+            <a:endParaRPr/>
+          </a:p>
+        </p:txBody>
+      </p:sp>
     </p:spTree>
   </p:cSld>
   <p:clrMapOvr>
@@ -8871,7 +9190,7 @@
   <p:cSld>
     <p:spTree>
       <p:nvGrpSpPr>
-        <p:cNvPr id="160" name="Shape 160"/>
+        <p:cNvPr id="173" name="Shape 173"/>
         <p:cNvGrpSpPr/>
         <p:nvPr/>
       </p:nvGrpSpPr>
@@ -8885,7 +9204,7 @@
       </p:grpSpPr>
       <p:sp>
         <p:nvSpPr>
-          <p:cNvPr id="161" name="Google Shape;161;p26"/>
+          <p:cNvPr id="174" name="Google Shape;174;p26"/>
           <p:cNvSpPr txBox="1"/>
           <p:nvPr>
             <p:ph type="title"/>
@@ -8925,7 +9244,7 @@
       </p:sp>
       <p:sp>
         <p:nvSpPr>
-          <p:cNvPr id="162" name="Google Shape;162;p26"/>
+          <p:cNvPr id="175" name="Google Shape;175;p26"/>
           <p:cNvSpPr txBox="1"/>
           <p:nvPr>
             <p:ph idx="1" type="body"/>
@@ -8965,7 +9284,7 @@
       </p:sp>
       <p:pic>
         <p:nvPicPr>
-          <p:cNvPr id="163" name="Google Shape;163;p26"/>
+          <p:cNvPr id="176" name="Google Shape;176;p26"/>
           <p:cNvPicPr preferRelativeResize="0"/>
           <p:nvPr/>
         </p:nvPicPr>
@@ -8991,6 +9310,46 @@
           </a:ln>
         </p:spPr>
       </p:pic>
+      <p:sp>
+        <p:nvSpPr>
+          <p:cNvPr id="177" name="Google Shape;177;p26"/>
+          <p:cNvSpPr txBox="1"/>
+          <p:nvPr>
+            <p:ph idx="12" type="sldNum"/>
+          </p:nvPr>
+        </p:nvSpPr>
+        <p:spPr>
+          <a:xfrm>
+            <a:off x="8472458" y="4663217"/>
+            <a:ext cx="548700" cy="393600"/>
+          </a:xfrm>
+          <a:prstGeom prst="rect">
+            <a:avLst/>
+          </a:prstGeom>
+        </p:spPr>
+        <p:txBody>
+          <a:bodyPr anchorCtr="0" anchor="ctr" bIns="91425" lIns="91425" spcFirstLastPara="1" rIns="91425" wrap="square" tIns="91425">
+            <a:noAutofit/>
+          </a:bodyPr>
+          <a:lstStyle/>
+          <a:p>
+            <a:pPr indent="0" lvl="0" marL="0" rtl="0" algn="r">
+              <a:spcBef>
+                <a:spcPts val="0"/>
+              </a:spcBef>
+              <a:spcAft>
+                <a:spcPts val="0"/>
+              </a:spcAft>
+              <a:buNone/>
+            </a:pPr>
+            <a:fld id="{00000000-1234-1234-1234-123412341234}" type="slidenum">
+              <a:rPr lang="en"/>
+              <a:t>‹#›</a:t>
+            </a:fld>
+            <a:endParaRPr/>
+          </a:p>
+        </p:txBody>
+      </p:sp>
     </p:spTree>
   </p:cSld>
   <p:clrMapOvr>
@@ -9000,423 +9359,6 @@
 </file>
 
 <file path=ppt/slides/slide15.xml><?xml version="1.0" encoding="utf-8"?>
-<p:sld xmlns:a="http://schemas.openxmlformats.org/drawingml/2006/main" xmlns:r="http://schemas.openxmlformats.org/officeDocument/2006/relationships" xmlns:mc="http://schemas.openxmlformats.org/markup-compatibility/2006" xmlns:mv="urn:schemas-microsoft-com:mac:vml" xmlns:p="http://schemas.openxmlformats.org/presentationml/2006/main" xmlns:c="http://schemas.openxmlformats.org/drawingml/2006/chart" xmlns:dgm="http://schemas.openxmlformats.org/drawingml/2006/diagram" xmlns:o="urn:schemas-microsoft-com:office:office" xmlns:v="urn:schemas-microsoft-com:vml" xmlns:pvml="urn:schemas-microsoft-com:office:powerpoint" xmlns:com="http://schemas.openxmlformats.org/drawingml/2006/compatibility" xmlns:p14="http://schemas.microsoft.com/office/powerpoint/2010/main" xmlns:p15="http://schemas.microsoft.com/office/powerpoint/2012/main" xmlns:ahyp="http://schemas.microsoft.com/office/drawing/2018/hyperlinkcolor">
-  <p:cSld>
-    <p:spTree>
-      <p:nvGrpSpPr>
-        <p:cNvPr id="167" name="Shape 167"/>
-        <p:cNvGrpSpPr/>
-        <p:nvPr/>
-      </p:nvGrpSpPr>
-      <p:grpSpPr>
-        <a:xfrm>
-          <a:off x="0" y="0"/>
-          <a:ext cx="0" cy="0"/>
-          <a:chOff x="0" y="0"/>
-          <a:chExt cx="0" cy="0"/>
-        </a:xfrm>
-      </p:grpSpPr>
-      <p:sp>
-        <p:nvSpPr>
-          <p:cNvPr id="168" name="Google Shape;168;p27"/>
-          <p:cNvSpPr txBox="1"/>
-          <p:nvPr>
-            <p:ph type="title"/>
-          </p:nvPr>
-        </p:nvSpPr>
-        <p:spPr>
-          <a:xfrm>
-            <a:off x="311700" y="445025"/>
-            <a:ext cx="8520600" cy="572700"/>
-          </a:xfrm>
-          <a:prstGeom prst="rect">
-            <a:avLst/>
-          </a:prstGeom>
-        </p:spPr>
-        <p:txBody>
-          <a:bodyPr anchorCtr="0" anchor="t" bIns="91425" lIns="91425" spcFirstLastPara="1" rIns="91425" wrap="square" tIns="91425">
-            <a:noAutofit/>
-          </a:bodyPr>
-          <a:lstStyle/>
-          <a:p>
-            <a:pPr indent="0" lvl="0" marL="0" rtl="0" algn="l">
-              <a:spcBef>
-                <a:spcPts val="0"/>
-              </a:spcBef>
-              <a:spcAft>
-                <a:spcPts val="0"/>
-              </a:spcAft>
-              <a:buNone/>
-            </a:pPr>
-            <a:r>
-              <a:rPr lang="en"/>
-              <a:t>Processing - Model Structure</a:t>
-            </a:r>
-            <a:endParaRPr/>
-          </a:p>
-        </p:txBody>
-      </p:sp>
-      <p:sp>
-        <p:nvSpPr>
-          <p:cNvPr id="169" name="Google Shape;169;p27"/>
-          <p:cNvSpPr txBox="1"/>
-          <p:nvPr>
-            <p:ph idx="1" type="body"/>
-          </p:nvPr>
-        </p:nvSpPr>
-        <p:spPr>
-          <a:xfrm>
-            <a:off x="311700" y="1152475"/>
-            <a:ext cx="8520600" cy="3416400"/>
-          </a:xfrm>
-          <a:prstGeom prst="rect">
-            <a:avLst/>
-          </a:prstGeom>
-        </p:spPr>
-        <p:txBody>
-          <a:bodyPr anchorCtr="0" anchor="t" bIns="91425" lIns="91425" spcFirstLastPara="1" rIns="91425" wrap="square" tIns="91425">
-            <a:noAutofit/>
-          </a:bodyPr>
-          <a:lstStyle/>
-          <a:p>
-            <a:pPr indent="0" lvl="0" marL="0" rtl="0" algn="l">
-              <a:spcBef>
-                <a:spcPts val="0"/>
-              </a:spcBef>
-              <a:spcAft>
-                <a:spcPts val="0"/>
-              </a:spcAft>
-              <a:buNone/>
-            </a:pPr>
-            <a:r>
-              <a:rPr lang="en"/>
-              <a:t>I used a neural network model with four main layers:</a:t>
-            </a:r>
-            <a:endParaRPr/>
-          </a:p>
-          <a:p>
-            <a:pPr indent="-342900" lvl="0" marL="457200" rtl="0" algn="l">
-              <a:spcBef>
-                <a:spcPts val="1600"/>
-              </a:spcBef>
-              <a:spcAft>
-                <a:spcPts val="0"/>
-              </a:spcAft>
-              <a:buSzPts val="1800"/>
-              <a:buChar char="-"/>
-            </a:pPr>
-            <a:r>
-              <a:rPr lang="en"/>
-              <a:t>An input layer of all features</a:t>
-            </a:r>
-            <a:endParaRPr/>
-          </a:p>
-          <a:p>
-            <a:pPr indent="-342900" lvl="0" marL="457200" rtl="0" algn="l">
-              <a:spcBef>
-                <a:spcPts val="0"/>
-              </a:spcBef>
-              <a:spcAft>
-                <a:spcPts val="0"/>
-              </a:spcAft>
-              <a:buSzPts val="1800"/>
-              <a:buChar char="-"/>
-            </a:pPr>
-            <a:r>
-              <a:rPr lang="en"/>
-              <a:t>A dense layer of 1024 neurons with 50% dropout and ‘ReLU’ activation</a:t>
-            </a:r>
-            <a:endParaRPr/>
-          </a:p>
-          <a:p>
-            <a:pPr indent="-342900" lvl="0" marL="457200" rtl="0" algn="l">
-              <a:spcBef>
-                <a:spcPts val="0"/>
-              </a:spcBef>
-              <a:spcAft>
-                <a:spcPts val="0"/>
-              </a:spcAft>
-              <a:buSzPts val="1800"/>
-              <a:buChar char="-"/>
-            </a:pPr>
-            <a:r>
-              <a:rPr lang="en"/>
-              <a:t>A dense layer of 128 neurons with 50% dropout and ‘ReLU’ activation</a:t>
-            </a:r>
-            <a:endParaRPr/>
-          </a:p>
-          <a:p>
-            <a:pPr indent="-342900" lvl="0" marL="457200" rtl="0" algn="l">
-              <a:spcBef>
-                <a:spcPts val="0"/>
-              </a:spcBef>
-              <a:spcAft>
-                <a:spcPts val="0"/>
-              </a:spcAft>
-              <a:buSzPts val="1800"/>
-              <a:buChar char="-"/>
-            </a:pPr>
-            <a:r>
-              <a:rPr lang="en"/>
-              <a:t>A final single neuron layer of outputs with ‘sigmoid’ activation</a:t>
-            </a:r>
-            <a:endParaRPr/>
-          </a:p>
-          <a:p>
-            <a:pPr indent="0" lvl="0" marL="457200" rtl="0" algn="l">
-              <a:spcBef>
-                <a:spcPts val="1600"/>
-              </a:spcBef>
-              <a:spcAft>
-                <a:spcPts val="1600"/>
-              </a:spcAft>
-              <a:buNone/>
-            </a:pPr>
-            <a:r>
-              <a:t/>
-            </a:r>
-            <a:endParaRPr/>
-          </a:p>
-        </p:txBody>
-      </p:sp>
-      <p:pic>
-        <p:nvPicPr>
-          <p:cNvPr id="170" name="Google Shape;170;p27"/>
-          <p:cNvPicPr preferRelativeResize="0"/>
-          <p:nvPr/>
-        </p:nvPicPr>
-        <p:blipFill>
-          <a:blip r:embed="rId3">
-            <a:alphaModFix/>
-          </a:blip>
-          <a:stretch>
-            <a:fillRect/>
-          </a:stretch>
-        </p:blipFill>
-        <p:spPr>
-          <a:xfrm>
-            <a:off x="929450" y="3030200"/>
-            <a:ext cx="3800025" cy="1912475"/>
-          </a:xfrm>
-          <a:prstGeom prst="rect">
-            <a:avLst/>
-          </a:prstGeom>
-          <a:noFill/>
-          <a:ln>
-            <a:noFill/>
-          </a:ln>
-        </p:spPr>
-      </p:pic>
-    </p:spTree>
-  </p:cSld>
-  <p:clrMapOvr>
-    <a:masterClrMapping/>
-  </p:clrMapOvr>
-</p:sld>
-</file>
-
-<file path=ppt/slides/slide16.xml><?xml version="1.0" encoding="utf-8"?>
-<p:sld xmlns:a="http://schemas.openxmlformats.org/drawingml/2006/main" xmlns:r="http://schemas.openxmlformats.org/officeDocument/2006/relationships" xmlns:mc="http://schemas.openxmlformats.org/markup-compatibility/2006" xmlns:mv="urn:schemas-microsoft-com:mac:vml" xmlns:p="http://schemas.openxmlformats.org/presentationml/2006/main" xmlns:c="http://schemas.openxmlformats.org/drawingml/2006/chart" xmlns:dgm="http://schemas.openxmlformats.org/drawingml/2006/diagram" xmlns:o="urn:schemas-microsoft-com:office:office" xmlns:v="urn:schemas-microsoft-com:vml" xmlns:pvml="urn:schemas-microsoft-com:office:powerpoint" xmlns:com="http://schemas.openxmlformats.org/drawingml/2006/compatibility" xmlns:p14="http://schemas.microsoft.com/office/powerpoint/2010/main" xmlns:p15="http://schemas.microsoft.com/office/powerpoint/2012/main" xmlns:ahyp="http://schemas.microsoft.com/office/drawing/2018/hyperlinkcolor">
-  <p:cSld>
-    <p:spTree>
-      <p:nvGrpSpPr>
-        <p:cNvPr id="174" name="Shape 174"/>
-        <p:cNvGrpSpPr/>
-        <p:nvPr/>
-      </p:nvGrpSpPr>
-      <p:grpSpPr>
-        <a:xfrm>
-          <a:off x="0" y="0"/>
-          <a:ext cx="0" cy="0"/>
-          <a:chOff x="0" y="0"/>
-          <a:chExt cx="0" cy="0"/>
-        </a:xfrm>
-      </p:grpSpPr>
-      <p:sp>
-        <p:nvSpPr>
-          <p:cNvPr id="175" name="Google Shape;175;p28"/>
-          <p:cNvSpPr txBox="1"/>
-          <p:nvPr>
-            <p:ph type="title"/>
-          </p:nvPr>
-        </p:nvSpPr>
-        <p:spPr>
-          <a:xfrm>
-            <a:off x="311700" y="445025"/>
-            <a:ext cx="8520600" cy="572700"/>
-          </a:xfrm>
-          <a:prstGeom prst="rect">
-            <a:avLst/>
-          </a:prstGeom>
-        </p:spPr>
-        <p:txBody>
-          <a:bodyPr anchorCtr="0" anchor="t" bIns="91425" lIns="91425" spcFirstLastPara="1" rIns="91425" wrap="square" tIns="91425">
-            <a:noAutofit/>
-          </a:bodyPr>
-          <a:lstStyle/>
-          <a:p>
-            <a:pPr indent="0" lvl="0" marL="0" rtl="0" algn="l">
-              <a:spcBef>
-                <a:spcPts val="0"/>
-              </a:spcBef>
-              <a:spcAft>
-                <a:spcPts val="0"/>
-              </a:spcAft>
-              <a:buNone/>
-            </a:pPr>
-            <a:r>
-              <a:rPr lang="en"/>
-              <a:t>Processing - Model Evaluation</a:t>
-            </a:r>
-            <a:endParaRPr/>
-          </a:p>
-        </p:txBody>
-      </p:sp>
-      <p:sp>
-        <p:nvSpPr>
-          <p:cNvPr id="176" name="Google Shape;176;p28"/>
-          <p:cNvSpPr txBox="1"/>
-          <p:nvPr>
-            <p:ph idx="1" type="body"/>
-          </p:nvPr>
-        </p:nvSpPr>
-        <p:spPr>
-          <a:xfrm>
-            <a:off x="311700" y="1152475"/>
-            <a:ext cx="8520600" cy="3416400"/>
-          </a:xfrm>
-          <a:prstGeom prst="rect">
-            <a:avLst/>
-          </a:prstGeom>
-        </p:spPr>
-        <p:txBody>
-          <a:bodyPr anchorCtr="0" anchor="t" bIns="91425" lIns="91425" spcFirstLastPara="1" rIns="91425" wrap="square" tIns="91425">
-            <a:noAutofit/>
-          </a:bodyPr>
-          <a:lstStyle/>
-          <a:p>
-            <a:pPr indent="0" lvl="0" marL="0" rtl="0" algn="l">
-              <a:spcBef>
-                <a:spcPts val="0"/>
-              </a:spcBef>
-              <a:spcAft>
-                <a:spcPts val="0"/>
-              </a:spcAft>
-              <a:buNone/>
-            </a:pPr>
-            <a:r>
-              <a:rPr lang="en"/>
-              <a:t>I used four main evaluation metrics to monitor the model performance:</a:t>
-            </a:r>
-            <a:endParaRPr/>
-          </a:p>
-          <a:p>
-            <a:pPr indent="-342900" lvl="0" marL="457200" rtl="0" algn="l">
-              <a:spcBef>
-                <a:spcPts val="1600"/>
-              </a:spcBef>
-              <a:spcAft>
-                <a:spcPts val="0"/>
-              </a:spcAft>
-              <a:buSzPts val="1800"/>
-              <a:buChar char="-"/>
-            </a:pPr>
-            <a:r>
-              <a:rPr lang="en"/>
-              <a:t>Accuracy: To observe the overall accuracy of the model</a:t>
-            </a:r>
-            <a:endParaRPr/>
-          </a:p>
-          <a:p>
-            <a:pPr indent="-342900" lvl="0" marL="457200" rtl="0" algn="l">
-              <a:spcBef>
-                <a:spcPts val="0"/>
-              </a:spcBef>
-              <a:spcAft>
-                <a:spcPts val="0"/>
-              </a:spcAft>
-              <a:buSzPts val="1800"/>
-              <a:buChar char="-"/>
-            </a:pPr>
-            <a:r>
-              <a:rPr lang="en"/>
-              <a:t>AUC: To evaluate the classification of the model</a:t>
-            </a:r>
-            <a:endParaRPr/>
-          </a:p>
-          <a:p>
-            <a:pPr indent="-342900" lvl="0" marL="457200" rtl="0" algn="l">
-              <a:spcBef>
-                <a:spcPts val="0"/>
-              </a:spcBef>
-              <a:spcAft>
-                <a:spcPts val="0"/>
-              </a:spcAft>
-              <a:buSzPts val="1800"/>
-              <a:buChar char="-"/>
-            </a:pPr>
-            <a:r>
-              <a:rPr lang="en"/>
-              <a:t>Precision: To evaluate True-Positive vs False-Negative</a:t>
-            </a:r>
-            <a:endParaRPr/>
-          </a:p>
-          <a:p>
-            <a:pPr indent="-342900" lvl="0" marL="457200" rtl="0" algn="l">
-              <a:spcBef>
-                <a:spcPts val="0"/>
-              </a:spcBef>
-              <a:spcAft>
-                <a:spcPts val="0"/>
-              </a:spcAft>
-              <a:buSzPts val="1800"/>
-              <a:buChar char="-"/>
-            </a:pPr>
-            <a:r>
-              <a:rPr lang="en"/>
-              <a:t>Recall: To evaluate how the model performed in identifying relevant class.</a:t>
-            </a:r>
-            <a:endParaRPr/>
-          </a:p>
-        </p:txBody>
-      </p:sp>
-      <p:pic>
-        <p:nvPicPr>
-          <p:cNvPr id="177" name="Google Shape;177;p28"/>
-          <p:cNvPicPr preferRelativeResize="0"/>
-          <p:nvPr/>
-        </p:nvPicPr>
-        <p:blipFill>
-          <a:blip r:embed="rId3">
-            <a:alphaModFix/>
-          </a:blip>
-          <a:stretch>
-            <a:fillRect/>
-          </a:stretch>
-        </p:blipFill>
-        <p:spPr>
-          <a:xfrm>
-            <a:off x="644963" y="3350725"/>
-            <a:ext cx="5743575" cy="1628775"/>
-          </a:xfrm>
-          <a:prstGeom prst="rect">
-            <a:avLst/>
-          </a:prstGeom>
-          <a:noFill/>
-          <a:ln>
-            <a:noFill/>
-          </a:ln>
-        </p:spPr>
-      </p:pic>
-    </p:spTree>
-  </p:cSld>
-  <p:clrMapOvr>
-    <a:masterClrMapping/>
-  </p:clrMapOvr>
-</p:sld>
-</file>
-
-<file path=ppt/slides/slide17.xml><?xml version="1.0" encoding="utf-8"?>
 <p:sld xmlns:a="http://schemas.openxmlformats.org/drawingml/2006/main" xmlns:r="http://schemas.openxmlformats.org/officeDocument/2006/relationships" xmlns:mc="http://schemas.openxmlformats.org/markup-compatibility/2006" xmlns:mv="urn:schemas-microsoft-com:mac:vml" xmlns:p="http://schemas.openxmlformats.org/presentationml/2006/main" xmlns:c="http://schemas.openxmlformats.org/drawingml/2006/chart" xmlns:dgm="http://schemas.openxmlformats.org/drawingml/2006/diagram" xmlns:o="urn:schemas-microsoft-com:office:office" xmlns:v="urn:schemas-microsoft-com:vml" xmlns:pvml="urn:schemas-microsoft-com:office:powerpoint" xmlns:com="http://schemas.openxmlformats.org/drawingml/2006/compatibility" xmlns:p14="http://schemas.microsoft.com/office/powerpoint/2010/main" xmlns:p15="http://schemas.microsoft.com/office/powerpoint/2012/main" xmlns:ahyp="http://schemas.microsoft.com/office/drawing/2018/hyperlinkcolor">
   <p:cSld>
     <p:spTree>
@@ -9435,7 +9377,7 @@
       </p:grpSpPr>
       <p:sp>
         <p:nvSpPr>
-          <p:cNvPr id="182" name="Google Shape;182;p29"/>
+          <p:cNvPr id="182" name="Google Shape;182;p27"/>
           <p:cNvSpPr txBox="1"/>
           <p:nvPr>
             <p:ph type="title"/>
@@ -9467,7 +9409,7 @@
             </a:pPr>
             <a:r>
               <a:rPr lang="en"/>
-              <a:t>Processing- Modeling Approach</a:t>
+              <a:t>Processing - Model Structure</a:t>
             </a:r>
             <a:endParaRPr/>
           </a:p>
@@ -9475,7 +9417,7 @@
       </p:sp>
       <p:sp>
         <p:nvSpPr>
-          <p:cNvPr id="183" name="Google Shape;183;p29"/>
+          <p:cNvPr id="183" name="Google Shape;183;p27"/>
           <p:cNvSpPr txBox="1"/>
           <p:nvPr>
             <p:ph idx="1" type="body"/>
@@ -9496,23 +9438,53 @@
           </a:bodyPr>
           <a:lstStyle/>
           <a:p>
+            <a:pPr indent="0" lvl="0" marL="0" rtl="0" algn="l">
+              <a:spcBef>
+                <a:spcPts val="0"/>
+              </a:spcBef>
+              <a:spcAft>
+                <a:spcPts val="0"/>
+              </a:spcAft>
+              <a:buNone/>
+            </a:pPr>
+            <a:r>
+              <a:rPr lang="en"/>
+              <a:t>I used a neural network model with four main layers:</a:t>
+            </a:r>
+            <a:endParaRPr/>
+          </a:p>
+          <a:p>
             <a:pPr indent="-342900" lvl="0" marL="457200" rtl="0" algn="l">
               <a:spcBef>
-                <a:spcPts val="0"/>
+                <a:spcPts val="1600"/>
               </a:spcBef>
               <a:spcAft>
                 <a:spcPts val="0"/>
               </a:spcAft>
               <a:buSzPts val="1800"/>
-              <a:buChar char="●"/>
+              <a:buChar char="-"/>
             </a:pPr>
             <a:r>
               <a:rPr lang="en"/>
-              <a:t>I used the binary cross entropy function as my loss function that should be optimized.</a:t>
-            </a:r>
-            <a:br>
+              <a:t>An input layer of all features</a:t>
+            </a:r>
+            <a:endParaRPr/>
+          </a:p>
+          <a:p>
+            <a:pPr indent="-342900" lvl="0" marL="457200" rtl="0" algn="l">
+              <a:spcBef>
+                <a:spcPts val="0"/>
+              </a:spcBef>
+              <a:spcAft>
+                <a:spcPts val="0"/>
+              </a:spcAft>
+              <a:buSzPts val="1800"/>
+              <a:buChar char="-"/>
+            </a:pPr>
+            <a:r>
               <a:rPr lang="en"/>
-            </a:br>
+              <a:t>A dense layer of 1024 neurons with 50% dropout and ‘ReLU’ activation</a:t>
+            </a:r>
             <a:endParaRPr/>
           </a:p>
           <a:p>
@@ -9524,31 +9496,43 @@
                 <a:spcPts val="0"/>
               </a:spcAft>
               <a:buSzPts val="1800"/>
-              <a:buChar char="●"/>
+              <a:buChar char="-"/>
             </a:pPr>
             <a:r>
               <a:rPr lang="en"/>
-              <a:t>Because this is a binary classification, the Adam (Adaptive Moment Estimation) optimizer function should perform better than the generic SGD (Stochastic Gradient Descent).</a:t>
-            </a:r>
-            <a:br>
+              <a:t>A dense layer of 128 neurons with 50% dropout and ‘ReLU’ activation</a:t>
+            </a:r>
+            <a:endParaRPr/>
+          </a:p>
+          <a:p>
+            <a:pPr indent="-342900" lvl="0" marL="457200" rtl="0" algn="l">
+              <a:spcBef>
+                <a:spcPts val="0"/>
+              </a:spcBef>
+              <a:spcAft>
+                <a:spcPts val="0"/>
+              </a:spcAft>
+              <a:buSzPts val="1800"/>
+              <a:buChar char="-"/>
+            </a:pPr>
+            <a:r>
               <a:rPr lang="en"/>
-            </a:br>
+              <a:t>A final single neuron layer of outputs with ‘sigmoid’ activation</a:t>
+            </a:r>
             <a:endParaRPr/>
           </a:p>
           <a:p>
-            <a:pPr indent="-342900" lvl="0" marL="457200" rtl="0" algn="l">
-              <a:spcBef>
-                <a:spcPts val="0"/>
-              </a:spcBef>
-              <a:spcAft>
-                <a:spcPts val="0"/>
-              </a:spcAft>
-              <a:buSzPts val="1800"/>
-              <a:buChar char="●"/>
-            </a:pPr>
-            <a:r>
-              <a:rPr lang="en"/>
-              <a:t>After tuning the 0.001 learning rate showed a reasonable performance</a:t>
+            <a:pPr indent="0" lvl="0" marL="457200" rtl="0" algn="l">
+              <a:spcBef>
+                <a:spcPts val="1600"/>
+              </a:spcBef>
+              <a:spcAft>
+                <a:spcPts val="1600"/>
+              </a:spcAft>
+              <a:buNone/>
+            </a:pPr>
+            <a:r>
+              <a:t/>
             </a:r>
             <a:endParaRPr/>
           </a:p>
@@ -9556,7 +9540,7 @@
       </p:sp>
       <p:pic>
         <p:nvPicPr>
-          <p:cNvPr id="184" name="Google Shape;184;p29"/>
+          <p:cNvPr id="184" name="Google Shape;184;p27"/>
           <p:cNvPicPr preferRelativeResize="0"/>
           <p:nvPr/>
         </p:nvPicPr>
@@ -9570,8 +9554,8 @@
         </p:blipFill>
         <p:spPr>
           <a:xfrm>
-            <a:off x="889513" y="3954638"/>
-            <a:ext cx="6143625" cy="809625"/>
+            <a:off x="929450" y="3030200"/>
+            <a:ext cx="3800025" cy="1912475"/>
           </a:xfrm>
           <a:prstGeom prst="rect">
             <a:avLst/>
@@ -9582,6 +9566,501 @@
           </a:ln>
         </p:spPr>
       </p:pic>
+      <p:sp>
+        <p:nvSpPr>
+          <p:cNvPr id="185" name="Google Shape;185;p27"/>
+          <p:cNvSpPr txBox="1"/>
+          <p:nvPr>
+            <p:ph idx="12" type="sldNum"/>
+          </p:nvPr>
+        </p:nvSpPr>
+        <p:spPr>
+          <a:xfrm>
+            <a:off x="8472458" y="4663217"/>
+            <a:ext cx="548700" cy="393600"/>
+          </a:xfrm>
+          <a:prstGeom prst="rect">
+            <a:avLst/>
+          </a:prstGeom>
+        </p:spPr>
+        <p:txBody>
+          <a:bodyPr anchorCtr="0" anchor="ctr" bIns="91425" lIns="91425" spcFirstLastPara="1" rIns="91425" wrap="square" tIns="91425">
+            <a:noAutofit/>
+          </a:bodyPr>
+          <a:lstStyle/>
+          <a:p>
+            <a:pPr indent="0" lvl="0" marL="0" rtl="0" algn="r">
+              <a:spcBef>
+                <a:spcPts val="0"/>
+              </a:spcBef>
+              <a:spcAft>
+                <a:spcPts val="0"/>
+              </a:spcAft>
+              <a:buNone/>
+            </a:pPr>
+            <a:fld id="{00000000-1234-1234-1234-123412341234}" type="slidenum">
+              <a:rPr lang="en"/>
+              <a:t>‹#›</a:t>
+            </a:fld>
+            <a:endParaRPr/>
+          </a:p>
+        </p:txBody>
+      </p:sp>
+    </p:spTree>
+  </p:cSld>
+  <p:clrMapOvr>
+    <a:masterClrMapping/>
+  </p:clrMapOvr>
+</p:sld>
+</file>
+
+<file path=ppt/slides/slide16.xml><?xml version="1.0" encoding="utf-8"?>
+<p:sld xmlns:a="http://schemas.openxmlformats.org/drawingml/2006/main" xmlns:r="http://schemas.openxmlformats.org/officeDocument/2006/relationships" xmlns:mc="http://schemas.openxmlformats.org/markup-compatibility/2006" xmlns:mv="urn:schemas-microsoft-com:mac:vml" xmlns:p="http://schemas.openxmlformats.org/presentationml/2006/main" xmlns:c="http://schemas.openxmlformats.org/drawingml/2006/chart" xmlns:dgm="http://schemas.openxmlformats.org/drawingml/2006/diagram" xmlns:o="urn:schemas-microsoft-com:office:office" xmlns:v="urn:schemas-microsoft-com:vml" xmlns:pvml="urn:schemas-microsoft-com:office:powerpoint" xmlns:com="http://schemas.openxmlformats.org/drawingml/2006/compatibility" xmlns:p14="http://schemas.microsoft.com/office/powerpoint/2010/main" xmlns:p15="http://schemas.microsoft.com/office/powerpoint/2012/main" xmlns:ahyp="http://schemas.microsoft.com/office/drawing/2018/hyperlinkcolor">
+  <p:cSld>
+    <p:spTree>
+      <p:nvGrpSpPr>
+        <p:cNvPr id="189" name="Shape 189"/>
+        <p:cNvGrpSpPr/>
+        <p:nvPr/>
+      </p:nvGrpSpPr>
+      <p:grpSpPr>
+        <a:xfrm>
+          <a:off x="0" y="0"/>
+          <a:ext cx="0" cy="0"/>
+          <a:chOff x="0" y="0"/>
+          <a:chExt cx="0" cy="0"/>
+        </a:xfrm>
+      </p:grpSpPr>
+      <p:sp>
+        <p:nvSpPr>
+          <p:cNvPr id="190" name="Google Shape;190;p28"/>
+          <p:cNvSpPr txBox="1"/>
+          <p:nvPr>
+            <p:ph type="title"/>
+          </p:nvPr>
+        </p:nvSpPr>
+        <p:spPr>
+          <a:xfrm>
+            <a:off x="311700" y="445025"/>
+            <a:ext cx="8520600" cy="572700"/>
+          </a:xfrm>
+          <a:prstGeom prst="rect">
+            <a:avLst/>
+          </a:prstGeom>
+        </p:spPr>
+        <p:txBody>
+          <a:bodyPr anchorCtr="0" anchor="t" bIns="91425" lIns="91425" spcFirstLastPara="1" rIns="91425" wrap="square" tIns="91425">
+            <a:noAutofit/>
+          </a:bodyPr>
+          <a:lstStyle/>
+          <a:p>
+            <a:pPr indent="0" lvl="0" marL="0" rtl="0" algn="l">
+              <a:spcBef>
+                <a:spcPts val="0"/>
+              </a:spcBef>
+              <a:spcAft>
+                <a:spcPts val="0"/>
+              </a:spcAft>
+              <a:buNone/>
+            </a:pPr>
+            <a:r>
+              <a:rPr lang="en"/>
+              <a:t>Processing - Model Evaluation</a:t>
+            </a:r>
+            <a:endParaRPr/>
+          </a:p>
+        </p:txBody>
+      </p:sp>
+      <p:sp>
+        <p:nvSpPr>
+          <p:cNvPr id="191" name="Google Shape;191;p28"/>
+          <p:cNvSpPr txBox="1"/>
+          <p:nvPr>
+            <p:ph idx="1" type="body"/>
+          </p:nvPr>
+        </p:nvSpPr>
+        <p:spPr>
+          <a:xfrm>
+            <a:off x="311700" y="1152475"/>
+            <a:ext cx="8520600" cy="3416400"/>
+          </a:xfrm>
+          <a:prstGeom prst="rect">
+            <a:avLst/>
+          </a:prstGeom>
+        </p:spPr>
+        <p:txBody>
+          <a:bodyPr anchorCtr="0" anchor="t" bIns="91425" lIns="91425" spcFirstLastPara="1" rIns="91425" wrap="square" tIns="91425">
+            <a:noAutofit/>
+          </a:bodyPr>
+          <a:lstStyle/>
+          <a:p>
+            <a:pPr indent="0" lvl="0" marL="0" rtl="0" algn="l">
+              <a:spcBef>
+                <a:spcPts val="0"/>
+              </a:spcBef>
+              <a:spcAft>
+                <a:spcPts val="0"/>
+              </a:spcAft>
+              <a:buNone/>
+            </a:pPr>
+            <a:r>
+              <a:rPr lang="en"/>
+              <a:t>I used four main evaluation metrics to monitor the model performance:</a:t>
+            </a:r>
+            <a:endParaRPr/>
+          </a:p>
+          <a:p>
+            <a:pPr indent="-342900" lvl="0" marL="457200" rtl="0" algn="l">
+              <a:spcBef>
+                <a:spcPts val="1600"/>
+              </a:spcBef>
+              <a:spcAft>
+                <a:spcPts val="0"/>
+              </a:spcAft>
+              <a:buSzPts val="1800"/>
+              <a:buChar char="-"/>
+            </a:pPr>
+            <a:r>
+              <a:rPr lang="en"/>
+              <a:t>Accuracy: To observe the overall accuracy of the model</a:t>
+            </a:r>
+            <a:endParaRPr/>
+          </a:p>
+          <a:p>
+            <a:pPr indent="-342900" lvl="0" marL="457200" rtl="0" algn="l">
+              <a:spcBef>
+                <a:spcPts val="0"/>
+              </a:spcBef>
+              <a:spcAft>
+                <a:spcPts val="0"/>
+              </a:spcAft>
+              <a:buSzPts val="1800"/>
+              <a:buChar char="-"/>
+            </a:pPr>
+            <a:r>
+              <a:rPr lang="en"/>
+              <a:t>AUC: To evaluate the classification power of the model</a:t>
+            </a:r>
+            <a:endParaRPr/>
+          </a:p>
+          <a:p>
+            <a:pPr indent="-342900" lvl="0" marL="457200" rtl="0" algn="l">
+              <a:spcBef>
+                <a:spcPts val="0"/>
+              </a:spcBef>
+              <a:spcAft>
+                <a:spcPts val="0"/>
+              </a:spcAft>
+              <a:buSzPts val="1800"/>
+              <a:buChar char="-"/>
+            </a:pPr>
+            <a:r>
+              <a:rPr lang="en"/>
+              <a:t>Precision: To evaluate True-Positive vs False-Negative values</a:t>
+            </a:r>
+            <a:endParaRPr/>
+          </a:p>
+          <a:p>
+            <a:pPr indent="-342900" lvl="0" marL="457200" rtl="0" algn="l">
+              <a:spcBef>
+                <a:spcPts val="0"/>
+              </a:spcBef>
+              <a:spcAft>
+                <a:spcPts val="0"/>
+              </a:spcAft>
+              <a:buSzPts val="1800"/>
+              <a:buChar char="-"/>
+            </a:pPr>
+            <a:r>
+              <a:rPr lang="en"/>
+              <a:t>Recall: To evaluate how the model performed in identifying relevant class.</a:t>
+            </a:r>
+            <a:endParaRPr/>
+          </a:p>
+        </p:txBody>
+      </p:sp>
+      <p:pic>
+        <p:nvPicPr>
+          <p:cNvPr id="192" name="Google Shape;192;p28"/>
+          <p:cNvPicPr preferRelativeResize="0"/>
+          <p:nvPr/>
+        </p:nvPicPr>
+        <p:blipFill>
+          <a:blip r:embed="rId3">
+            <a:alphaModFix/>
+          </a:blip>
+          <a:stretch>
+            <a:fillRect/>
+          </a:stretch>
+        </p:blipFill>
+        <p:spPr>
+          <a:xfrm>
+            <a:off x="644963" y="3350725"/>
+            <a:ext cx="5743575" cy="1628775"/>
+          </a:xfrm>
+          <a:prstGeom prst="rect">
+            <a:avLst/>
+          </a:prstGeom>
+          <a:noFill/>
+          <a:ln>
+            <a:noFill/>
+          </a:ln>
+        </p:spPr>
+      </p:pic>
+      <p:sp>
+        <p:nvSpPr>
+          <p:cNvPr id="193" name="Google Shape;193;p28"/>
+          <p:cNvSpPr txBox="1"/>
+          <p:nvPr>
+            <p:ph idx="12" type="sldNum"/>
+          </p:nvPr>
+        </p:nvSpPr>
+        <p:spPr>
+          <a:xfrm>
+            <a:off x="8472458" y="4663217"/>
+            <a:ext cx="548700" cy="393600"/>
+          </a:xfrm>
+          <a:prstGeom prst="rect">
+            <a:avLst/>
+          </a:prstGeom>
+        </p:spPr>
+        <p:txBody>
+          <a:bodyPr anchorCtr="0" anchor="ctr" bIns="91425" lIns="91425" spcFirstLastPara="1" rIns="91425" wrap="square" tIns="91425">
+            <a:noAutofit/>
+          </a:bodyPr>
+          <a:lstStyle/>
+          <a:p>
+            <a:pPr indent="0" lvl="0" marL="0" rtl="0" algn="r">
+              <a:spcBef>
+                <a:spcPts val="0"/>
+              </a:spcBef>
+              <a:spcAft>
+                <a:spcPts val="0"/>
+              </a:spcAft>
+              <a:buNone/>
+            </a:pPr>
+            <a:fld id="{00000000-1234-1234-1234-123412341234}" type="slidenum">
+              <a:rPr lang="en"/>
+              <a:t>‹#›</a:t>
+            </a:fld>
+            <a:endParaRPr/>
+          </a:p>
+        </p:txBody>
+      </p:sp>
+    </p:spTree>
+  </p:cSld>
+  <p:clrMapOvr>
+    <a:masterClrMapping/>
+  </p:clrMapOvr>
+</p:sld>
+</file>
+
+<file path=ppt/slides/slide17.xml><?xml version="1.0" encoding="utf-8"?>
+<p:sld xmlns:a="http://schemas.openxmlformats.org/drawingml/2006/main" xmlns:r="http://schemas.openxmlformats.org/officeDocument/2006/relationships" xmlns:mc="http://schemas.openxmlformats.org/markup-compatibility/2006" xmlns:mv="urn:schemas-microsoft-com:mac:vml" xmlns:p="http://schemas.openxmlformats.org/presentationml/2006/main" xmlns:c="http://schemas.openxmlformats.org/drawingml/2006/chart" xmlns:dgm="http://schemas.openxmlformats.org/drawingml/2006/diagram" xmlns:o="urn:schemas-microsoft-com:office:office" xmlns:v="urn:schemas-microsoft-com:vml" xmlns:pvml="urn:schemas-microsoft-com:office:powerpoint" xmlns:com="http://schemas.openxmlformats.org/drawingml/2006/compatibility" xmlns:p14="http://schemas.microsoft.com/office/powerpoint/2010/main" xmlns:p15="http://schemas.microsoft.com/office/powerpoint/2012/main" xmlns:ahyp="http://schemas.microsoft.com/office/drawing/2018/hyperlinkcolor">
+  <p:cSld>
+    <p:spTree>
+      <p:nvGrpSpPr>
+        <p:cNvPr id="197" name="Shape 197"/>
+        <p:cNvGrpSpPr/>
+        <p:nvPr/>
+      </p:nvGrpSpPr>
+      <p:grpSpPr>
+        <a:xfrm>
+          <a:off x="0" y="0"/>
+          <a:ext cx="0" cy="0"/>
+          <a:chOff x="0" y="0"/>
+          <a:chExt cx="0" cy="0"/>
+        </a:xfrm>
+      </p:grpSpPr>
+      <p:sp>
+        <p:nvSpPr>
+          <p:cNvPr id="198" name="Google Shape;198;p29"/>
+          <p:cNvSpPr txBox="1"/>
+          <p:nvPr>
+            <p:ph type="title"/>
+          </p:nvPr>
+        </p:nvSpPr>
+        <p:spPr>
+          <a:xfrm>
+            <a:off x="311700" y="445025"/>
+            <a:ext cx="8520600" cy="572700"/>
+          </a:xfrm>
+          <a:prstGeom prst="rect">
+            <a:avLst/>
+          </a:prstGeom>
+        </p:spPr>
+        <p:txBody>
+          <a:bodyPr anchorCtr="0" anchor="t" bIns="91425" lIns="91425" spcFirstLastPara="1" rIns="91425" wrap="square" tIns="91425">
+            <a:noAutofit/>
+          </a:bodyPr>
+          <a:lstStyle/>
+          <a:p>
+            <a:pPr indent="0" lvl="0" marL="0" rtl="0" algn="l">
+              <a:spcBef>
+                <a:spcPts val="0"/>
+              </a:spcBef>
+              <a:spcAft>
+                <a:spcPts val="0"/>
+              </a:spcAft>
+              <a:buNone/>
+            </a:pPr>
+            <a:r>
+              <a:rPr lang="en"/>
+              <a:t>Processing- Modeling Approach</a:t>
+            </a:r>
+            <a:endParaRPr/>
+          </a:p>
+        </p:txBody>
+      </p:sp>
+      <p:sp>
+        <p:nvSpPr>
+          <p:cNvPr id="199" name="Google Shape;199;p29"/>
+          <p:cNvSpPr txBox="1"/>
+          <p:nvPr>
+            <p:ph idx="1" type="body"/>
+          </p:nvPr>
+        </p:nvSpPr>
+        <p:spPr>
+          <a:xfrm>
+            <a:off x="311700" y="1152475"/>
+            <a:ext cx="8520600" cy="3416400"/>
+          </a:xfrm>
+          <a:prstGeom prst="rect">
+            <a:avLst/>
+          </a:prstGeom>
+        </p:spPr>
+        <p:txBody>
+          <a:bodyPr anchorCtr="0" anchor="t" bIns="91425" lIns="91425" spcFirstLastPara="1" rIns="91425" wrap="square" tIns="91425">
+            <a:noAutofit/>
+          </a:bodyPr>
+          <a:lstStyle/>
+          <a:p>
+            <a:pPr indent="-342900" lvl="0" marL="457200" rtl="0" algn="l">
+              <a:spcBef>
+                <a:spcPts val="0"/>
+              </a:spcBef>
+              <a:spcAft>
+                <a:spcPts val="0"/>
+              </a:spcAft>
+              <a:buSzPts val="1800"/>
+              <a:buChar char="●"/>
+            </a:pPr>
+            <a:r>
+              <a:rPr lang="en"/>
+              <a:t>I used the binary cross entropy function as my loss function that should be optimized.</a:t>
+            </a:r>
+            <a:br>
+              <a:rPr lang="en"/>
+            </a:br>
+            <a:endParaRPr/>
+          </a:p>
+          <a:p>
+            <a:pPr indent="-342900" lvl="0" marL="457200" rtl="0" algn="l">
+              <a:spcBef>
+                <a:spcPts val="0"/>
+              </a:spcBef>
+              <a:spcAft>
+                <a:spcPts val="0"/>
+              </a:spcAft>
+              <a:buSzPts val="1800"/>
+              <a:buChar char="●"/>
+            </a:pPr>
+            <a:r>
+              <a:rPr lang="en"/>
+              <a:t>Because this is a binary classification, the Adam (Adaptive Moment Estimation) optimizer function should perform better than the generic SGD (Stochastic Gradient Descent).</a:t>
+            </a:r>
+            <a:br>
+              <a:rPr lang="en"/>
+            </a:br>
+            <a:endParaRPr/>
+          </a:p>
+          <a:p>
+            <a:pPr indent="-342900" lvl="0" marL="457200" rtl="0" algn="l">
+              <a:spcBef>
+                <a:spcPts val="0"/>
+              </a:spcBef>
+              <a:spcAft>
+                <a:spcPts val="0"/>
+              </a:spcAft>
+              <a:buSzPts val="1800"/>
+              <a:buChar char="●"/>
+            </a:pPr>
+            <a:r>
+              <a:rPr lang="en"/>
+              <a:t>After tuning, the 0.001 learning rate showed a reasonable performance</a:t>
+            </a:r>
+            <a:endParaRPr/>
+          </a:p>
+        </p:txBody>
+      </p:sp>
+      <p:pic>
+        <p:nvPicPr>
+          <p:cNvPr id="200" name="Google Shape;200;p29"/>
+          <p:cNvPicPr preferRelativeResize="0"/>
+          <p:nvPr/>
+        </p:nvPicPr>
+        <p:blipFill>
+          <a:blip r:embed="rId3">
+            <a:alphaModFix/>
+          </a:blip>
+          <a:stretch>
+            <a:fillRect/>
+          </a:stretch>
+        </p:blipFill>
+        <p:spPr>
+          <a:xfrm>
+            <a:off x="889513" y="3954638"/>
+            <a:ext cx="6143625" cy="809625"/>
+          </a:xfrm>
+          <a:prstGeom prst="rect">
+            <a:avLst/>
+          </a:prstGeom>
+          <a:noFill/>
+          <a:ln>
+            <a:noFill/>
+          </a:ln>
+        </p:spPr>
+      </p:pic>
+      <p:sp>
+        <p:nvSpPr>
+          <p:cNvPr id="201" name="Google Shape;201;p29"/>
+          <p:cNvSpPr txBox="1"/>
+          <p:nvPr>
+            <p:ph idx="12" type="sldNum"/>
+          </p:nvPr>
+        </p:nvSpPr>
+        <p:spPr>
+          <a:xfrm>
+            <a:off x="8472458" y="4663217"/>
+            <a:ext cx="548700" cy="393600"/>
+          </a:xfrm>
+          <a:prstGeom prst="rect">
+            <a:avLst/>
+          </a:prstGeom>
+        </p:spPr>
+        <p:txBody>
+          <a:bodyPr anchorCtr="0" anchor="ctr" bIns="91425" lIns="91425" spcFirstLastPara="1" rIns="91425" wrap="square" tIns="91425">
+            <a:noAutofit/>
+          </a:bodyPr>
+          <a:lstStyle/>
+          <a:p>
+            <a:pPr indent="0" lvl="0" marL="0" rtl="0" algn="r">
+              <a:spcBef>
+                <a:spcPts val="0"/>
+              </a:spcBef>
+              <a:spcAft>
+                <a:spcPts val="0"/>
+              </a:spcAft>
+              <a:buNone/>
+            </a:pPr>
+            <a:fld id="{00000000-1234-1234-1234-123412341234}" type="slidenum">
+              <a:rPr lang="en"/>
+              <a:t>‹#›</a:t>
+            </a:fld>
+            <a:endParaRPr/>
+          </a:p>
+        </p:txBody>
+      </p:sp>
     </p:spTree>
   </p:cSld>
   <p:clrMapOvr>
@@ -9595,7 +10074,7 @@
   <p:cSld>
     <p:spTree>
       <p:nvGrpSpPr>
-        <p:cNvPr id="188" name="Shape 188"/>
+        <p:cNvPr id="205" name="Shape 205"/>
         <p:cNvGrpSpPr/>
         <p:nvPr/>
       </p:nvGrpSpPr>
@@ -9609,7 +10088,7 @@
       </p:grpSpPr>
       <p:sp>
         <p:nvSpPr>
-          <p:cNvPr id="189" name="Google Shape;189;p30"/>
+          <p:cNvPr id="206" name="Google Shape;206;p30"/>
           <p:cNvSpPr txBox="1"/>
           <p:nvPr>
             <p:ph type="title"/>
@@ -9649,7 +10128,7 @@
       </p:sp>
       <p:sp>
         <p:nvSpPr>
-          <p:cNvPr id="190" name="Google Shape;190;p30"/>
+          <p:cNvPr id="207" name="Google Shape;207;p30"/>
           <p:cNvSpPr txBox="1"/>
           <p:nvPr>
             <p:ph idx="1" type="body"/>
@@ -9681,11 +10160,11 @@
             </a:pPr>
             <a:r>
               <a:rPr lang="en"/>
-              <a:t>I used class weights to give more importance to `recall` over precision. This helps the model to start with higher recall and then it converges to higher </a:t>
+              <a:t>I used class weights to give more importance to ‘recall’ over ‘precision’. This helps the model to start with higher ‘recall’ and then it converges to high ‘</a:t>
             </a:r>
             <a:r>
               <a:rPr lang="en"/>
-              <a:t>precision</a:t>
+              <a:t>precision’</a:t>
             </a:r>
             <a:r>
               <a:rPr lang="en"/>
@@ -9697,7 +10176,7 @@
       </p:sp>
       <p:pic>
         <p:nvPicPr>
-          <p:cNvPr id="191" name="Google Shape;191;p30"/>
+          <p:cNvPr id="208" name="Google Shape;208;p30"/>
           <p:cNvPicPr preferRelativeResize="0"/>
           <p:nvPr/>
         </p:nvPicPr>
@@ -9723,6 +10202,46 @@
           </a:ln>
         </p:spPr>
       </p:pic>
+      <p:sp>
+        <p:nvSpPr>
+          <p:cNvPr id="209" name="Google Shape;209;p30"/>
+          <p:cNvSpPr txBox="1"/>
+          <p:nvPr>
+            <p:ph idx="12" type="sldNum"/>
+          </p:nvPr>
+        </p:nvSpPr>
+        <p:spPr>
+          <a:xfrm>
+            <a:off x="8472458" y="4663217"/>
+            <a:ext cx="548700" cy="393600"/>
+          </a:xfrm>
+          <a:prstGeom prst="rect">
+            <a:avLst/>
+          </a:prstGeom>
+        </p:spPr>
+        <p:txBody>
+          <a:bodyPr anchorCtr="0" anchor="ctr" bIns="91425" lIns="91425" spcFirstLastPara="1" rIns="91425" wrap="square" tIns="91425">
+            <a:noAutofit/>
+          </a:bodyPr>
+          <a:lstStyle/>
+          <a:p>
+            <a:pPr indent="0" lvl="0" marL="0" rtl="0" algn="r">
+              <a:spcBef>
+                <a:spcPts val="0"/>
+              </a:spcBef>
+              <a:spcAft>
+                <a:spcPts val="0"/>
+              </a:spcAft>
+              <a:buNone/>
+            </a:pPr>
+            <a:fld id="{00000000-1234-1234-1234-123412341234}" type="slidenum">
+              <a:rPr lang="en"/>
+              <a:t>‹#›</a:t>
+            </a:fld>
+            <a:endParaRPr/>
+          </a:p>
+        </p:txBody>
+      </p:sp>
     </p:spTree>
   </p:cSld>
   <p:clrMapOvr>
@@ -9736,7 +10255,7 @@
   <p:cSld>
     <p:spTree>
       <p:nvGrpSpPr>
-        <p:cNvPr id="195" name="Shape 195"/>
+        <p:cNvPr id="213" name="Shape 213"/>
         <p:cNvGrpSpPr/>
         <p:nvPr/>
       </p:nvGrpSpPr>
@@ -9750,7 +10269,7 @@
       </p:grpSpPr>
       <p:sp>
         <p:nvSpPr>
-          <p:cNvPr id="196" name="Google Shape;196;p31"/>
+          <p:cNvPr id="214" name="Google Shape;214;p31"/>
           <p:cNvSpPr txBox="1"/>
           <p:nvPr>
             <p:ph type="title"/>
@@ -9790,7 +10309,7 @@
       </p:sp>
       <p:sp>
         <p:nvSpPr>
-          <p:cNvPr id="197" name="Google Shape;197;p31"/>
+          <p:cNvPr id="215" name="Google Shape;215;p31"/>
           <p:cNvSpPr txBox="1"/>
           <p:nvPr>
             <p:ph idx="1" type="body"/>
@@ -9914,6 +10433,46 @@
               <a:rPr lang="en"/>
               <a:t>Instead of just relying on the loss and accuracy values, I also quantified recall, precision and AUC to make sure the model is on the right track.</a:t>
             </a:r>
+            <a:endParaRPr/>
+          </a:p>
+        </p:txBody>
+      </p:sp>
+      <p:sp>
+        <p:nvSpPr>
+          <p:cNvPr id="216" name="Google Shape;216;p31"/>
+          <p:cNvSpPr txBox="1"/>
+          <p:nvPr>
+            <p:ph idx="12" type="sldNum"/>
+          </p:nvPr>
+        </p:nvSpPr>
+        <p:spPr>
+          <a:xfrm>
+            <a:off x="8472458" y="4663217"/>
+            <a:ext cx="548700" cy="393600"/>
+          </a:xfrm>
+          <a:prstGeom prst="rect">
+            <a:avLst/>
+          </a:prstGeom>
+        </p:spPr>
+        <p:txBody>
+          <a:bodyPr anchorCtr="0" anchor="ctr" bIns="91425" lIns="91425" spcFirstLastPara="1" rIns="91425" wrap="square" tIns="91425">
+            <a:noAutofit/>
+          </a:bodyPr>
+          <a:lstStyle/>
+          <a:p>
+            <a:pPr indent="0" lvl="0" marL="0" rtl="0" algn="r">
+              <a:spcBef>
+                <a:spcPts val="0"/>
+              </a:spcBef>
+              <a:spcAft>
+                <a:spcPts val="0"/>
+              </a:spcAft>
+              <a:buNone/>
+            </a:pPr>
+            <a:fld id="{00000000-1234-1234-1234-123412341234}" type="slidenum">
+              <a:rPr lang="en"/>
+              <a:t>‹#›</a:t>
+            </a:fld>
             <a:endParaRPr/>
           </a:p>
         </p:txBody>
@@ -9931,7 +10490,7 @@
   <p:cSld>
     <p:spTree>
       <p:nvGrpSpPr>
-        <p:cNvPr id="59" name="Shape 59"/>
+        <p:cNvPr id="60" name="Shape 60"/>
         <p:cNvGrpSpPr/>
         <p:nvPr/>
       </p:nvGrpSpPr>
@@ -9945,7 +10504,7 @@
       </p:grpSpPr>
       <p:sp>
         <p:nvSpPr>
-          <p:cNvPr id="60" name="Google Shape;60;p14"/>
+          <p:cNvPr id="61" name="Google Shape;61;p14"/>
           <p:cNvSpPr txBox="1"/>
           <p:nvPr>
             <p:ph type="title"/>
@@ -9985,7 +10544,7 @@
       </p:sp>
       <p:sp>
         <p:nvSpPr>
-          <p:cNvPr id="61" name="Google Shape;61;p14"/>
+          <p:cNvPr id="62" name="Google Shape;62;p14"/>
           <p:cNvSpPr txBox="1"/>
           <p:nvPr>
             <p:ph idx="1" type="body"/>
@@ -10007,6 +10566,9 @@
           <a:lstStyle/>
           <a:p>
             <a:pPr indent="-342900" lvl="0" marL="457200" rtl="0" algn="l">
+              <a:lnSpc>
+                <a:spcPct val="150000"/>
+              </a:lnSpc>
               <a:spcBef>
                 <a:spcPts val="0"/>
               </a:spcBef>
@@ -10014,7 +10576,7 @@
                 <a:spcPts val="0"/>
               </a:spcAft>
               <a:buSzPts val="1800"/>
-              <a:buChar char="-"/>
+              <a:buChar char="●"/>
             </a:pPr>
             <a:r>
               <a:rPr lang="en"/>
@@ -10024,6 +10586,9 @@
           </a:p>
           <a:p>
             <a:pPr indent="-342900" lvl="0" marL="457200" rtl="0" algn="l">
+              <a:lnSpc>
+                <a:spcPct val="150000"/>
+              </a:lnSpc>
               <a:spcBef>
                 <a:spcPts val="0"/>
               </a:spcBef>
@@ -10031,7 +10596,7 @@
                 <a:spcPts val="0"/>
               </a:spcAft>
               <a:buSzPts val="1800"/>
-              <a:buChar char="-"/>
+              <a:buChar char="●"/>
             </a:pPr>
             <a:r>
               <a:rPr lang="en"/>
@@ -10041,6 +10606,9 @@
           </a:p>
           <a:p>
             <a:pPr indent="-342900" lvl="0" marL="457200" rtl="0" algn="l">
+              <a:lnSpc>
+                <a:spcPct val="150000"/>
+              </a:lnSpc>
               <a:spcBef>
                 <a:spcPts val="0"/>
               </a:spcBef>
@@ -10048,7 +10616,7 @@
                 <a:spcPts val="0"/>
               </a:spcAft>
               <a:buSzPts val="1800"/>
-              <a:buChar char="-"/>
+              <a:buChar char="●"/>
             </a:pPr>
             <a:r>
               <a:rPr lang="en"/>
@@ -10058,6 +10626,9 @@
           </a:p>
           <a:p>
             <a:pPr indent="-342900" lvl="0" marL="457200" rtl="0" algn="l">
+              <a:lnSpc>
+                <a:spcPct val="150000"/>
+              </a:lnSpc>
               <a:spcBef>
                 <a:spcPts val="0"/>
               </a:spcBef>
@@ -10065,7 +10636,7 @@
                 <a:spcPts val="0"/>
               </a:spcAft>
               <a:buSzPts val="1800"/>
-              <a:buChar char="-"/>
+              <a:buChar char="●"/>
             </a:pPr>
             <a:r>
               <a:rPr lang="en"/>
@@ -10075,6 +10646,9 @@
           </a:p>
           <a:p>
             <a:pPr indent="-342900" lvl="0" marL="457200" rtl="0" algn="l">
+              <a:lnSpc>
+                <a:spcPct val="150000"/>
+              </a:lnSpc>
               <a:spcBef>
                 <a:spcPts val="0"/>
               </a:spcBef>
@@ -10082,7 +10656,7 @@
                 <a:spcPts val="0"/>
               </a:spcAft>
               <a:buSzPts val="1800"/>
-              <a:buChar char="-"/>
+              <a:buChar char="●"/>
             </a:pPr>
             <a:r>
               <a:rPr lang="en"/>
@@ -10092,6 +10666,9 @@
           </a:p>
           <a:p>
             <a:pPr indent="-342900" lvl="0" marL="457200" rtl="0" algn="l">
+              <a:lnSpc>
+                <a:spcPct val="150000"/>
+              </a:lnSpc>
               <a:spcBef>
                 <a:spcPts val="0"/>
               </a:spcBef>
@@ -10099,7 +10676,7 @@
                 <a:spcPts val="0"/>
               </a:spcAft>
               <a:buSzPts val="1800"/>
-              <a:buChar char="-"/>
+              <a:buChar char="●"/>
             </a:pPr>
             <a:r>
               <a:rPr lang="en"/>
@@ -10109,6 +10686,9 @@
           </a:p>
           <a:p>
             <a:pPr indent="-342900" lvl="0" marL="457200" rtl="0" algn="l">
+              <a:lnSpc>
+                <a:spcPct val="150000"/>
+              </a:lnSpc>
               <a:spcBef>
                 <a:spcPts val="0"/>
               </a:spcBef>
@@ -10116,12 +10696,52 @@
                 <a:spcPts val="0"/>
               </a:spcAft>
               <a:buSzPts val="1800"/>
-              <a:buChar char="-"/>
+              <a:buChar char="●"/>
             </a:pPr>
             <a:r>
               <a:rPr lang="en"/>
               <a:t>Business Performance and ROI</a:t>
             </a:r>
+            <a:endParaRPr/>
+          </a:p>
+        </p:txBody>
+      </p:sp>
+      <p:sp>
+        <p:nvSpPr>
+          <p:cNvPr id="63" name="Google Shape;63;p14"/>
+          <p:cNvSpPr txBox="1"/>
+          <p:nvPr>
+            <p:ph idx="12" type="sldNum"/>
+          </p:nvPr>
+        </p:nvSpPr>
+        <p:spPr>
+          <a:xfrm>
+            <a:off x="8472458" y="4663217"/>
+            <a:ext cx="548700" cy="393600"/>
+          </a:xfrm>
+          <a:prstGeom prst="rect">
+            <a:avLst/>
+          </a:prstGeom>
+        </p:spPr>
+        <p:txBody>
+          <a:bodyPr anchorCtr="0" anchor="ctr" bIns="91425" lIns="91425" spcFirstLastPara="1" rIns="91425" wrap="square" tIns="91425">
+            <a:noAutofit/>
+          </a:bodyPr>
+          <a:lstStyle/>
+          <a:p>
+            <a:pPr indent="0" lvl="0" marL="0" rtl="0" algn="r">
+              <a:spcBef>
+                <a:spcPts val="0"/>
+              </a:spcBef>
+              <a:spcAft>
+                <a:spcPts val="0"/>
+              </a:spcAft>
+              <a:buNone/>
+            </a:pPr>
+            <a:fld id="{00000000-1234-1234-1234-123412341234}" type="slidenum">
+              <a:rPr lang="en"/>
+              <a:t>‹#›</a:t>
+            </a:fld>
             <a:endParaRPr/>
           </a:p>
         </p:txBody>
@@ -10139,7 +10759,7 @@
   <p:cSld>
     <p:spTree>
       <p:nvGrpSpPr>
-        <p:cNvPr id="201" name="Shape 201"/>
+        <p:cNvPr id="220" name="Shape 220"/>
         <p:cNvGrpSpPr/>
         <p:nvPr/>
       </p:nvGrpSpPr>
@@ -10153,7 +10773,7 @@
       </p:grpSpPr>
       <p:sp>
         <p:nvSpPr>
-          <p:cNvPr id="202" name="Google Shape;202;p32"/>
+          <p:cNvPr id="221" name="Google Shape;221;p32"/>
           <p:cNvSpPr txBox="1"/>
           <p:nvPr>
             <p:ph type="title"/>
@@ -10193,7 +10813,7 @@
       </p:sp>
       <p:sp>
         <p:nvSpPr>
-          <p:cNvPr id="203" name="Google Shape;203;p32"/>
+          <p:cNvPr id="222" name="Google Shape;222;p32"/>
           <p:cNvSpPr txBox="1"/>
           <p:nvPr>
             <p:ph idx="1" type="body"/>
@@ -10233,7 +10853,7 @@
       </p:sp>
       <p:pic>
         <p:nvPicPr>
-          <p:cNvPr id="204" name="Google Shape;204;p32"/>
+          <p:cNvPr id="223" name="Google Shape;223;p32"/>
           <p:cNvPicPr preferRelativeResize="0"/>
           <p:nvPr/>
         </p:nvPicPr>
@@ -10259,6 +10879,46 @@
           </a:ln>
         </p:spPr>
       </p:pic>
+      <p:sp>
+        <p:nvSpPr>
+          <p:cNvPr id="224" name="Google Shape;224;p32"/>
+          <p:cNvSpPr txBox="1"/>
+          <p:nvPr>
+            <p:ph idx="12" type="sldNum"/>
+          </p:nvPr>
+        </p:nvSpPr>
+        <p:spPr>
+          <a:xfrm>
+            <a:off x="8472458" y="4663217"/>
+            <a:ext cx="548700" cy="393600"/>
+          </a:xfrm>
+          <a:prstGeom prst="rect">
+            <a:avLst/>
+          </a:prstGeom>
+        </p:spPr>
+        <p:txBody>
+          <a:bodyPr anchorCtr="0" anchor="ctr" bIns="91425" lIns="91425" spcFirstLastPara="1" rIns="91425" wrap="square" tIns="91425">
+            <a:noAutofit/>
+          </a:bodyPr>
+          <a:lstStyle/>
+          <a:p>
+            <a:pPr indent="0" lvl="0" marL="0" rtl="0" algn="r">
+              <a:spcBef>
+                <a:spcPts val="0"/>
+              </a:spcBef>
+              <a:spcAft>
+                <a:spcPts val="0"/>
+              </a:spcAft>
+              <a:buNone/>
+            </a:pPr>
+            <a:fld id="{00000000-1234-1234-1234-123412341234}" type="slidenum">
+              <a:rPr lang="en"/>
+              <a:t>‹#›</a:t>
+            </a:fld>
+            <a:endParaRPr/>
+          </a:p>
+        </p:txBody>
+      </p:sp>
     </p:spTree>
   </p:cSld>
   <p:clrMapOvr>
@@ -10272,7 +10932,7 @@
   <p:cSld>
     <p:spTree>
       <p:nvGrpSpPr>
-        <p:cNvPr id="208" name="Shape 208"/>
+        <p:cNvPr id="228" name="Shape 228"/>
         <p:cNvGrpSpPr/>
         <p:nvPr/>
       </p:nvGrpSpPr>
@@ -10286,7 +10946,7 @@
       </p:grpSpPr>
       <p:sp>
         <p:nvSpPr>
-          <p:cNvPr id="209" name="Google Shape;209;p33"/>
+          <p:cNvPr id="229" name="Google Shape;229;p33"/>
           <p:cNvSpPr txBox="1"/>
           <p:nvPr>
             <p:ph type="title"/>
@@ -10323,7 +10983,7 @@
             </a:pPr>
             <a:r>
               <a:rPr lang="en"/>
-              <a:t>Post-processing: Initial Performance</a:t>
+              <a:t>Post-processing: Main approach</a:t>
             </a:r>
             <a:endParaRPr/>
           </a:p>
@@ -10346,7 +11006,7 @@
       </p:sp>
       <p:sp>
         <p:nvSpPr>
-          <p:cNvPr id="210" name="Google Shape;210;p33"/>
+          <p:cNvPr id="230" name="Google Shape;230;p33"/>
           <p:cNvSpPr txBox="1"/>
           <p:nvPr>
             <p:ph idx="1" type="body"/>
@@ -10372,7 +11032,7 @@
                 <a:spcPts val="0"/>
               </a:spcBef>
               <a:spcAft>
-                <a:spcPts val="1600"/>
+                <a:spcPts val="0"/>
               </a:spcAft>
               <a:buClr>
                 <a:schemeClr val="dk1"/>
@@ -10383,7 +11043,196 @@
             </a:pPr>
             <a:r>
               <a:rPr lang="en"/>
-              <a:t>I ran the model for a total of 200 epochs. The model run is relatively fast.</a:t>
+              <a:t>While I assigned a slightly higher weight to the `is_activated=1` class to enhance the initial recall and improve the convergence, I used the AUC (area under curve) metric to optimize the relationship between precision and recall. I let the model run until it converged to a satisfying AUC while (&gt;0.80) and it went up to 0.86.</a:t>
+            </a:r>
+            <a:endParaRPr/>
+          </a:p>
+          <a:p>
+            <a:pPr indent="0" lvl="0" marL="0" rtl="0" algn="l">
+              <a:spcBef>
+                <a:spcPts val="1600"/>
+              </a:spcBef>
+              <a:spcAft>
+                <a:spcPts val="1600"/>
+              </a:spcAft>
+              <a:buClr>
+                <a:schemeClr val="dk1"/>
+              </a:buClr>
+              <a:buSzPts val="1100"/>
+              <a:buFont typeface="Arial"/>
+              <a:buNone/>
+            </a:pPr>
+            <a:r>
+              <a:rPr lang="en"/>
+              <a:t>This approach ensures while the model has the overall high accuracy, it is also powerful in identifying all relevant (</a:t>
+            </a:r>
+            <a:r>
+              <a:rPr lang="en"/>
+              <a:t>is_activated=1</a:t>
+            </a:r>
+            <a:r>
+              <a:rPr lang="en"/>
+              <a:t>) data points.</a:t>
+            </a:r>
+            <a:endParaRPr/>
+          </a:p>
+        </p:txBody>
+      </p:sp>
+      <p:sp>
+        <p:nvSpPr>
+          <p:cNvPr id="231" name="Google Shape;231;p33"/>
+          <p:cNvSpPr txBox="1"/>
+          <p:nvPr>
+            <p:ph idx="12" type="sldNum"/>
+          </p:nvPr>
+        </p:nvSpPr>
+        <p:spPr>
+          <a:xfrm>
+            <a:off x="8472458" y="4663217"/>
+            <a:ext cx="548700" cy="393600"/>
+          </a:xfrm>
+          <a:prstGeom prst="rect">
+            <a:avLst/>
+          </a:prstGeom>
+        </p:spPr>
+        <p:txBody>
+          <a:bodyPr anchorCtr="0" anchor="ctr" bIns="91425" lIns="91425" spcFirstLastPara="1" rIns="91425" wrap="square" tIns="91425">
+            <a:noAutofit/>
+          </a:bodyPr>
+          <a:lstStyle/>
+          <a:p>
+            <a:pPr indent="0" lvl="0" marL="0" rtl="0" algn="r">
+              <a:spcBef>
+                <a:spcPts val="0"/>
+              </a:spcBef>
+              <a:spcAft>
+                <a:spcPts val="0"/>
+              </a:spcAft>
+              <a:buNone/>
+            </a:pPr>
+            <a:fld id="{00000000-1234-1234-1234-123412341234}" type="slidenum">
+              <a:rPr lang="en"/>
+              <a:t>‹#›</a:t>
+            </a:fld>
+            <a:endParaRPr/>
+          </a:p>
+        </p:txBody>
+      </p:sp>
+    </p:spTree>
+  </p:cSld>
+  <p:clrMapOvr>
+    <a:masterClrMapping/>
+  </p:clrMapOvr>
+</p:sld>
+</file>
+
+<file path=ppt/slides/slide22.xml><?xml version="1.0" encoding="utf-8"?>
+<p:sld xmlns:a="http://schemas.openxmlformats.org/drawingml/2006/main" xmlns:r="http://schemas.openxmlformats.org/officeDocument/2006/relationships" xmlns:mc="http://schemas.openxmlformats.org/markup-compatibility/2006" xmlns:mv="urn:schemas-microsoft-com:mac:vml" xmlns:p="http://schemas.openxmlformats.org/presentationml/2006/main" xmlns:c="http://schemas.openxmlformats.org/drawingml/2006/chart" xmlns:dgm="http://schemas.openxmlformats.org/drawingml/2006/diagram" xmlns:o="urn:schemas-microsoft-com:office:office" xmlns:v="urn:schemas-microsoft-com:vml" xmlns:pvml="urn:schemas-microsoft-com:office:powerpoint" xmlns:com="http://schemas.openxmlformats.org/drawingml/2006/compatibility" xmlns:p14="http://schemas.microsoft.com/office/powerpoint/2010/main" xmlns:p15="http://schemas.microsoft.com/office/powerpoint/2012/main" xmlns:ahyp="http://schemas.microsoft.com/office/drawing/2018/hyperlinkcolor">
+  <p:cSld>
+    <p:spTree>
+      <p:nvGrpSpPr>
+        <p:cNvPr id="235" name="Shape 235"/>
+        <p:cNvGrpSpPr/>
+        <p:nvPr/>
+      </p:nvGrpSpPr>
+      <p:grpSpPr>
+        <a:xfrm>
+          <a:off x="0" y="0"/>
+          <a:ext cx="0" cy="0"/>
+          <a:chOff x="0" y="0"/>
+          <a:chExt cx="0" cy="0"/>
+        </a:xfrm>
+      </p:grpSpPr>
+      <p:sp>
+        <p:nvSpPr>
+          <p:cNvPr id="236" name="Google Shape;236;p34"/>
+          <p:cNvSpPr txBox="1"/>
+          <p:nvPr>
+            <p:ph type="title"/>
+          </p:nvPr>
+        </p:nvSpPr>
+        <p:spPr>
+          <a:xfrm>
+            <a:off x="311700" y="445025"/>
+            <a:ext cx="8520600" cy="572700"/>
+          </a:xfrm>
+          <a:prstGeom prst="rect">
+            <a:avLst/>
+          </a:prstGeom>
+        </p:spPr>
+        <p:txBody>
+          <a:bodyPr anchorCtr="0" anchor="t" bIns="91425" lIns="91425" spcFirstLastPara="1" rIns="91425" wrap="square" tIns="91425">
+            <a:noAutofit/>
+          </a:bodyPr>
+          <a:lstStyle/>
+          <a:p>
+            <a:pPr indent="0" lvl="0" marL="0" rtl="0" algn="l">
+              <a:spcBef>
+                <a:spcPts val="0"/>
+              </a:spcBef>
+              <a:spcAft>
+                <a:spcPts val="0"/>
+              </a:spcAft>
+              <a:buNone/>
+            </a:pPr>
+            <a:r>
+              <a:rPr lang="en"/>
+              <a:t>Post-processing: Overall Performance</a:t>
+            </a:r>
+            <a:endParaRPr/>
+          </a:p>
+          <a:p>
+            <a:pPr indent="0" lvl="0" marL="0" rtl="0" algn="l">
+              <a:spcBef>
+                <a:spcPts val="0"/>
+              </a:spcBef>
+              <a:spcAft>
+                <a:spcPts val="0"/>
+              </a:spcAft>
+              <a:buNone/>
+            </a:pPr>
+            <a:r>
+              <a:t/>
+            </a:r>
+            <a:endParaRPr/>
+          </a:p>
+        </p:txBody>
+      </p:sp>
+      <p:sp>
+        <p:nvSpPr>
+          <p:cNvPr id="237" name="Google Shape;237;p34"/>
+          <p:cNvSpPr txBox="1"/>
+          <p:nvPr>
+            <p:ph idx="1" type="body"/>
+          </p:nvPr>
+        </p:nvSpPr>
+        <p:spPr>
+          <a:xfrm>
+            <a:off x="311700" y="1152475"/>
+            <a:ext cx="8520600" cy="3416400"/>
+          </a:xfrm>
+          <a:prstGeom prst="rect">
+            <a:avLst/>
+          </a:prstGeom>
+        </p:spPr>
+        <p:txBody>
+          <a:bodyPr anchorCtr="0" anchor="t" bIns="91425" lIns="91425" spcFirstLastPara="1" rIns="91425" wrap="square" tIns="91425">
+            <a:noAutofit/>
+          </a:bodyPr>
+          <a:lstStyle/>
+          <a:p>
+            <a:pPr indent="0" lvl="0" marL="0" rtl="0" algn="l">
+              <a:spcBef>
+                <a:spcPts val="0"/>
+              </a:spcBef>
+              <a:spcAft>
+                <a:spcPts val="1600"/>
+              </a:spcAft>
+              <a:buNone/>
+            </a:pPr>
+            <a:r>
+              <a:rPr lang="en"/>
+              <a:t>I ran the model for a total of 500 epochs. The model run is relatively fast.</a:t>
             </a:r>
             <a:endParaRPr/>
           </a:p>
@@ -10391,12 +11240,12 @@
       </p:sp>
       <p:graphicFrame>
         <p:nvGraphicFramePr>
-          <p:cNvPr id="211" name="Google Shape;211;p33"/>
+          <p:cNvPr id="238" name="Google Shape;238;p34"/>
           <p:cNvGraphicFramePr/>
           <p:nvPr/>
         </p:nvGraphicFramePr>
         <p:xfrm>
-          <a:off x="952500" y="1809750"/>
+          <a:off x="401425" y="1758475"/>
           <a:ext cx="3000000" cy="3000000"/>
         </p:xfrm>
         <a:graphic>
@@ -10404,16 +11253,16 @@
             <a:tbl>
               <a:tblPr>
                 <a:noFill/>
-                <a:tableStyleId>{13804201-1CCC-4311-845A-E5E3E4F878C3}</a:tableStyleId>
+                <a:tableStyleId>{18485418-B890-48D1-B60B-79E1ED3F6D7A}</a:tableStyleId>
               </a:tblPr>
               <a:tblGrid>
-                <a:gridCol w="1447800"/>
-                <a:gridCol w="1447800"/>
-                <a:gridCol w="1447800"/>
-                <a:gridCol w="1447800"/>
-                <a:gridCol w="1447800"/>
+                <a:gridCol w="1009500"/>
+                <a:gridCol w="1009500"/>
+                <a:gridCol w="1009500"/>
+                <a:gridCol w="1009500"/>
+                <a:gridCol w="1009500"/>
               </a:tblGrid>
-              <a:tr h="381000">
+              <a:tr h="363475">
                 <a:tc>
                   <a:txBody>
                     <a:bodyPr/>
@@ -10429,14 +11278,116 @@
                         <a:buNone/>
                       </a:pPr>
                       <a:r>
-                        <a:rPr b="1" lang="en"/>
+                        <a:rPr b="1" lang="en" sz="1200"/>
                         <a:t>Data</a:t>
                       </a:r>
-                      <a:endParaRPr b="1"/>
+                      <a:endParaRPr b="1" sz="1200"/>
                     </a:p>
                   </a:txBody>
                   <a:tcPr marT="91425" marB="91425" marR="91425" marL="91425"/>
                 </a:tc>
+                <a:tc>
+                  <a:txBody>
+                    <a:bodyPr/>
+                    <a:lstStyle/>
+                    <a:p>
+                      <a:pPr indent="0" lvl="0" marL="0" rtl="0" algn="ctr">
+                        <a:spcBef>
+                          <a:spcPts val="0"/>
+                        </a:spcBef>
+                        <a:spcAft>
+                          <a:spcPts val="0"/>
+                        </a:spcAft>
+                        <a:buNone/>
+                      </a:pPr>
+                      <a:r>
+                        <a:rPr b="1" lang="en" sz="1200"/>
+                        <a:t>Accuracy</a:t>
+                      </a:r>
+                      <a:endParaRPr b="1" sz="1200"/>
+                    </a:p>
+                  </a:txBody>
+                  <a:tcPr marT="91425" marB="91425" marR="91425" marL="91425"/>
+                </a:tc>
+                <a:tc>
+                  <a:txBody>
+                    <a:bodyPr/>
+                    <a:lstStyle/>
+                    <a:p>
+                      <a:pPr indent="0" lvl="0" marL="0" rtl="0" algn="ctr">
+                        <a:spcBef>
+                          <a:spcPts val="0"/>
+                        </a:spcBef>
+                        <a:spcAft>
+                          <a:spcPts val="0"/>
+                        </a:spcAft>
+                        <a:buNone/>
+                      </a:pPr>
+                      <a:r>
+                        <a:rPr b="1" lang="en" sz="1200"/>
+                        <a:t>AUC</a:t>
+                      </a:r>
+                      <a:endParaRPr b="1" sz="1200"/>
+                    </a:p>
+                  </a:txBody>
+                  <a:tcPr marT="91425" marB="91425" marR="91425" marL="91425"/>
+                </a:tc>
+                <a:tc>
+                  <a:txBody>
+                    <a:bodyPr/>
+                    <a:lstStyle/>
+                    <a:p>
+                      <a:pPr indent="0" lvl="0" marL="0" rtl="0" algn="ctr">
+                        <a:spcBef>
+                          <a:spcPts val="0"/>
+                        </a:spcBef>
+                        <a:spcAft>
+                          <a:spcPts val="0"/>
+                        </a:spcAft>
+                        <a:buNone/>
+                      </a:pPr>
+                      <a:r>
+                        <a:rPr b="1" lang="en" sz="1200">
+                          <a:solidFill>
+                            <a:schemeClr val="dk1"/>
+                          </a:solidFill>
+                        </a:rPr>
+                        <a:t>Precision</a:t>
+                      </a:r>
+                      <a:endParaRPr b="1" sz="1200"/>
+                    </a:p>
+                  </a:txBody>
+                  <a:tcPr marT="91425" marB="91425" marR="91425" marL="91425"/>
+                </a:tc>
+                <a:tc>
+                  <a:txBody>
+                    <a:bodyPr/>
+                    <a:lstStyle/>
+                    <a:p>
+                      <a:pPr indent="0" lvl="0" marL="0" rtl="0" algn="ctr">
+                        <a:spcBef>
+                          <a:spcPts val="0"/>
+                        </a:spcBef>
+                        <a:spcAft>
+                          <a:spcPts val="0"/>
+                        </a:spcAft>
+                        <a:buNone/>
+                      </a:pPr>
+                      <a:r>
+                        <a:rPr b="1" lang="en" sz="1200">
+                          <a:solidFill>
+                            <a:schemeClr val="dk1"/>
+                          </a:solidFill>
+                        </a:rPr>
+                        <a:t>Recall</a:t>
+                      </a:r>
+                      <a:endParaRPr b="1" sz="1200"/>
+                    </a:p>
+                  </a:txBody>
+                  <a:tcPr marT="91425" marB="91425" marR="91425" marL="91425"/>
+                </a:tc>
+              </a:tr>
+              <a:tr h="363475">
                 <a:tc>
                   <a:txBody>
                     <a:bodyPr/>
@@ -10452,14 +11403,108 @@
                         <a:buNone/>
                       </a:pPr>
                       <a:r>
-                        <a:rPr b="1" lang="en"/>
-                        <a:t>Accuracy</a:t>
+                        <a:rPr b="1" lang="en" sz="1200"/>
+                        <a:t>Training</a:t>
                       </a:r>
-                      <a:endParaRPr b="1"/>
+                      <a:endParaRPr b="1" sz="1200"/>
                     </a:p>
                   </a:txBody>
                   <a:tcPr marT="91425" marB="91425" marR="91425" marL="91425"/>
                 </a:tc>
+                <a:tc>
+                  <a:txBody>
+                    <a:bodyPr/>
+                    <a:lstStyle/>
+                    <a:p>
+                      <a:pPr indent="0" lvl="0" marL="0" rtl="0" algn="ctr">
+                        <a:spcBef>
+                          <a:spcPts val="0"/>
+                        </a:spcBef>
+                        <a:spcAft>
+                          <a:spcPts val="0"/>
+                        </a:spcAft>
+                        <a:buNone/>
+                      </a:pPr>
+                      <a:r>
+                        <a:rPr lang="en" sz="1200"/>
+                        <a:t>75.0%</a:t>
+                      </a:r>
+                      <a:endParaRPr sz="1200"/>
+                    </a:p>
+                  </a:txBody>
+                  <a:tcPr marT="91425" marB="91425" marR="91425" marL="91425"/>
+                </a:tc>
+                <a:tc>
+                  <a:txBody>
+                    <a:bodyPr/>
+                    <a:lstStyle/>
+                    <a:p>
+                      <a:pPr indent="0" lvl="0" marL="0" rtl="0" algn="ctr">
+                        <a:spcBef>
+                          <a:spcPts val="0"/>
+                        </a:spcBef>
+                        <a:spcAft>
+                          <a:spcPts val="0"/>
+                        </a:spcAft>
+                        <a:buNone/>
+                      </a:pPr>
+                      <a:r>
+                        <a:rPr lang="en" sz="1200"/>
+                        <a:t>86.0%</a:t>
+                      </a:r>
+                      <a:endParaRPr sz="1200"/>
+                    </a:p>
+                  </a:txBody>
+                  <a:tcPr marT="91425" marB="91425" marR="91425" marL="91425"/>
+                </a:tc>
+                <a:tc>
+                  <a:txBody>
+                    <a:bodyPr/>
+                    <a:lstStyle/>
+                    <a:p>
+                      <a:pPr indent="0" lvl="0" marL="0" rtl="0" algn="ctr">
+                        <a:spcBef>
+                          <a:spcPts val="0"/>
+                        </a:spcBef>
+                        <a:spcAft>
+                          <a:spcPts val="0"/>
+                        </a:spcAft>
+                        <a:buNone/>
+                      </a:pPr>
+                      <a:r>
+                        <a:rPr lang="en" sz="1200"/>
+                        <a:t>72.2%</a:t>
+                      </a:r>
+                      <a:endParaRPr sz="1200"/>
+                    </a:p>
+                  </a:txBody>
+                  <a:tcPr marT="91425" marB="91425" marR="91425" marL="91425"/>
+                </a:tc>
+                <a:tc>
+                  <a:txBody>
+                    <a:bodyPr/>
+                    <a:lstStyle/>
+                    <a:p>
+                      <a:pPr indent="0" lvl="0" marL="0" rtl="0" algn="ctr">
+                        <a:spcBef>
+                          <a:spcPts val="0"/>
+                        </a:spcBef>
+                        <a:spcAft>
+                          <a:spcPts val="0"/>
+                        </a:spcAft>
+                        <a:buNone/>
+                      </a:pPr>
+                      <a:r>
+                        <a:rPr lang="en" sz="1200"/>
+                        <a:t>79.8%</a:t>
+                      </a:r>
+                      <a:endParaRPr sz="1200"/>
+                    </a:p>
+                  </a:txBody>
+                  <a:tcPr marT="91425" marB="91425" marR="91425" marL="91425"/>
+                </a:tc>
+              </a:tr>
+              <a:tr h="363475">
                 <a:tc>
                   <a:txBody>
                     <a:bodyPr/>
@@ -10475,14 +11520,108 @@
                         <a:buNone/>
                       </a:pPr>
                       <a:r>
-                        <a:rPr b="1" lang="en"/>
-                        <a:t>AUC</a:t>
+                        <a:rPr b="1" lang="en" sz="1200"/>
+                        <a:t>Validation</a:t>
                       </a:r>
-                      <a:endParaRPr b="1"/>
+                      <a:endParaRPr b="1" sz="1200"/>
                     </a:p>
                   </a:txBody>
                   <a:tcPr marT="91425" marB="91425" marR="91425" marL="91425"/>
                 </a:tc>
+                <a:tc>
+                  <a:txBody>
+                    <a:bodyPr/>
+                    <a:lstStyle/>
+                    <a:p>
+                      <a:pPr indent="0" lvl="0" marL="0" rtl="0" algn="ctr">
+                        <a:spcBef>
+                          <a:spcPts val="0"/>
+                        </a:spcBef>
+                        <a:spcAft>
+                          <a:spcPts val="0"/>
+                        </a:spcAft>
+                        <a:buNone/>
+                      </a:pPr>
+                      <a:r>
+                        <a:rPr lang="en" sz="1200"/>
+                        <a:t>72.7%</a:t>
+                      </a:r>
+                      <a:endParaRPr sz="1200"/>
+                    </a:p>
+                  </a:txBody>
+                  <a:tcPr marT="91425" marB="91425" marR="91425" marL="91425"/>
+                </a:tc>
+                <a:tc>
+                  <a:txBody>
+                    <a:bodyPr/>
+                    <a:lstStyle/>
+                    <a:p>
+                      <a:pPr indent="0" lvl="0" marL="0" rtl="0" algn="ctr">
+                        <a:spcBef>
+                          <a:spcPts val="0"/>
+                        </a:spcBef>
+                        <a:spcAft>
+                          <a:spcPts val="0"/>
+                        </a:spcAft>
+                        <a:buNone/>
+                      </a:pPr>
+                      <a:r>
+                        <a:rPr lang="en" sz="1200"/>
+                        <a:t>83.3%</a:t>
+                      </a:r>
+                      <a:endParaRPr sz="1200"/>
+                    </a:p>
+                  </a:txBody>
+                  <a:tcPr marT="91425" marB="91425" marR="91425" marL="91425"/>
+                </a:tc>
+                <a:tc>
+                  <a:txBody>
+                    <a:bodyPr/>
+                    <a:lstStyle/>
+                    <a:p>
+                      <a:pPr indent="0" lvl="0" marL="0" rtl="0" algn="ctr">
+                        <a:spcBef>
+                          <a:spcPts val="0"/>
+                        </a:spcBef>
+                        <a:spcAft>
+                          <a:spcPts val="0"/>
+                        </a:spcAft>
+                        <a:buNone/>
+                      </a:pPr>
+                      <a:r>
+                        <a:rPr lang="en" sz="1200"/>
+                        <a:t>70.6%</a:t>
+                      </a:r>
+                      <a:endParaRPr sz="1200"/>
+                    </a:p>
+                  </a:txBody>
+                  <a:tcPr marT="91425" marB="91425" marR="91425" marL="91425"/>
+                </a:tc>
+                <a:tc>
+                  <a:txBody>
+                    <a:bodyPr/>
+                    <a:lstStyle/>
+                    <a:p>
+                      <a:pPr indent="0" lvl="0" marL="0" rtl="0" algn="ctr">
+                        <a:spcBef>
+                          <a:spcPts val="0"/>
+                        </a:spcBef>
+                        <a:spcAft>
+                          <a:spcPts val="0"/>
+                        </a:spcAft>
+                        <a:buNone/>
+                      </a:pPr>
+                      <a:r>
+                        <a:rPr lang="en" sz="1200"/>
+                        <a:t>78.4%</a:t>
+                      </a:r>
+                      <a:endParaRPr sz="1200"/>
+                    </a:p>
+                  </a:txBody>
+                  <a:tcPr marT="91425" marB="91425" marR="91425" marL="91425"/>
+                </a:tc>
+              </a:tr>
+              <a:tr h="363475">
                 <a:tc>
                   <a:txBody>
                     <a:bodyPr/>
@@ -10498,10 +11637,10 @@
                         <a:buNone/>
                       </a:pPr>
                       <a:r>
-                        <a:rPr b="1" lang="en"/>
-                        <a:t>Recall</a:t>
+                        <a:rPr b="1" lang="en" sz="1200"/>
+                        <a:t>Test</a:t>
                       </a:r>
-                      <a:endParaRPr b="1"/>
+                      <a:endParaRPr b="1" sz="1200"/>
                     </a:p>
                   </a:txBody>
                   <a:tcPr marT="91425" marB="91425" marR="91425" marL="91425"/>
@@ -10511,7 +11650,7 @@
                     <a:bodyPr/>
                     <a:lstStyle/>
                     <a:p>
-                      <a:pPr indent="0" lvl="0" marL="0" rtl="0" algn="l">
+                      <a:pPr indent="0" lvl="0" marL="0" rtl="0" algn="ctr">
                         <a:spcBef>
                           <a:spcPts val="0"/>
                         </a:spcBef>
@@ -10521,22 +11660,20 @@
                         <a:buNone/>
                       </a:pPr>
                       <a:r>
-                        <a:rPr b="1" lang="en"/>
-                        <a:t>Precision</a:t>
+                        <a:rPr lang="en" sz="1200"/>
+                        <a:t>72.6%</a:t>
                       </a:r>
-                      <a:endParaRPr b="1"/>
+                      <a:endParaRPr sz="1200"/>
                     </a:p>
                   </a:txBody>
                   <a:tcPr marT="91425" marB="91425" marR="91425" marL="91425"/>
                 </a:tc>
-              </a:tr>
-              <a:tr h="381000">
                 <a:tc>
                   <a:txBody>
                     <a:bodyPr/>
                     <a:lstStyle/>
                     <a:p>
-                      <a:pPr indent="0" lvl="0" marL="0" rtl="0" algn="l">
+                      <a:pPr indent="0" lvl="0" marL="0" rtl="0" algn="ctr">
                         <a:spcBef>
                           <a:spcPts val="0"/>
                         </a:spcBef>
@@ -10546,10 +11683,10 @@
                         <a:buNone/>
                       </a:pPr>
                       <a:r>
-                        <a:rPr b="1" lang="en"/>
-                        <a:t>Training</a:t>
+                        <a:rPr lang="en" sz="1200"/>
+                        <a:t>82.9%</a:t>
                       </a:r>
-                      <a:endParaRPr b="1"/>
+                      <a:endParaRPr sz="1200"/>
                     </a:p>
                   </a:txBody>
                   <a:tcPr marT="91425" marB="91425" marR="91425" marL="91425"/>
@@ -10559,7 +11696,7 @@
                     <a:bodyPr/>
                     <a:lstStyle/>
                     <a:p>
-                      <a:pPr indent="0" lvl="0" marL="0" rtl="0" algn="l">
+                      <a:pPr indent="0" lvl="0" marL="0" rtl="0" algn="ctr">
                         <a:spcBef>
                           <a:spcPts val="0"/>
                         </a:spcBef>
@@ -10569,9 +11706,10 @@
                         <a:buNone/>
                       </a:pPr>
                       <a:r>
-                        <a:t/>
+                        <a:rPr lang="en" sz="1200"/>
+                        <a:t>70.2%</a:t>
                       </a:r>
-                      <a:endParaRPr/>
+                      <a:endParaRPr sz="1200"/>
                     </a:p>
                   </a:txBody>
                   <a:tcPr marT="91425" marB="91425" marR="91425" marL="91425"/>
@@ -10581,7 +11719,7 @@
                     <a:bodyPr/>
                     <a:lstStyle/>
                     <a:p>
-                      <a:pPr indent="0" lvl="0" marL="0" rtl="0" algn="l">
+                      <a:pPr indent="0" lvl="0" marL="0" rtl="0" algn="ctr">
                         <a:spcBef>
                           <a:spcPts val="0"/>
                         </a:spcBef>
@@ -10591,279 +11729,10 @@
                         <a:buNone/>
                       </a:pPr>
                       <a:r>
-                        <a:t/>
+                        <a:rPr lang="en" sz="1200"/>
+                        <a:t>78.5%</a:t>
                       </a:r>
-                      <a:endParaRPr/>
-                    </a:p>
-                  </a:txBody>
-                  <a:tcPr marT="91425" marB="91425" marR="91425" marL="91425"/>
-                </a:tc>
-                <a:tc>
-                  <a:txBody>
-                    <a:bodyPr/>
-                    <a:lstStyle/>
-                    <a:p>
-                      <a:pPr indent="0" lvl="0" marL="0" rtl="0" algn="l">
-                        <a:spcBef>
-                          <a:spcPts val="0"/>
-                        </a:spcBef>
-                        <a:spcAft>
-                          <a:spcPts val="0"/>
-                        </a:spcAft>
-                        <a:buNone/>
-                      </a:pPr>
-                      <a:r>
-                        <a:t/>
-                      </a:r>
-                      <a:endParaRPr/>
-                    </a:p>
-                  </a:txBody>
-                  <a:tcPr marT="91425" marB="91425" marR="91425" marL="91425"/>
-                </a:tc>
-                <a:tc>
-                  <a:txBody>
-                    <a:bodyPr/>
-                    <a:lstStyle/>
-                    <a:p>
-                      <a:pPr indent="0" lvl="0" marL="0" rtl="0" algn="l">
-                        <a:spcBef>
-                          <a:spcPts val="0"/>
-                        </a:spcBef>
-                        <a:spcAft>
-                          <a:spcPts val="0"/>
-                        </a:spcAft>
-                        <a:buNone/>
-                      </a:pPr>
-                      <a:r>
-                        <a:t/>
-                      </a:r>
-                      <a:endParaRPr/>
-                    </a:p>
-                  </a:txBody>
-                  <a:tcPr marT="91425" marB="91425" marR="91425" marL="91425"/>
-                </a:tc>
-              </a:tr>
-              <a:tr h="381000">
-                <a:tc>
-                  <a:txBody>
-                    <a:bodyPr/>
-                    <a:lstStyle/>
-                    <a:p>
-                      <a:pPr indent="0" lvl="0" marL="0" rtl="0" algn="l">
-                        <a:spcBef>
-                          <a:spcPts val="0"/>
-                        </a:spcBef>
-                        <a:spcAft>
-                          <a:spcPts val="0"/>
-                        </a:spcAft>
-                        <a:buNone/>
-                      </a:pPr>
-                      <a:r>
-                        <a:rPr b="1" lang="en"/>
-                        <a:t>Validation</a:t>
-                      </a:r>
-                      <a:endParaRPr b="1"/>
-                    </a:p>
-                  </a:txBody>
-                  <a:tcPr marT="91425" marB="91425" marR="91425" marL="91425"/>
-                </a:tc>
-                <a:tc>
-                  <a:txBody>
-                    <a:bodyPr/>
-                    <a:lstStyle/>
-                    <a:p>
-                      <a:pPr indent="0" lvl="0" marL="0" rtl="0" algn="l">
-                        <a:spcBef>
-                          <a:spcPts val="0"/>
-                        </a:spcBef>
-                        <a:spcAft>
-                          <a:spcPts val="0"/>
-                        </a:spcAft>
-                        <a:buNone/>
-                      </a:pPr>
-                      <a:r>
-                        <a:t/>
-                      </a:r>
-                      <a:endParaRPr/>
-                    </a:p>
-                  </a:txBody>
-                  <a:tcPr marT="91425" marB="91425" marR="91425" marL="91425"/>
-                </a:tc>
-                <a:tc>
-                  <a:txBody>
-                    <a:bodyPr/>
-                    <a:lstStyle/>
-                    <a:p>
-                      <a:pPr indent="0" lvl="0" marL="0" rtl="0" algn="l">
-                        <a:spcBef>
-                          <a:spcPts val="0"/>
-                        </a:spcBef>
-                        <a:spcAft>
-                          <a:spcPts val="0"/>
-                        </a:spcAft>
-                        <a:buNone/>
-                      </a:pPr>
-                      <a:r>
-                        <a:t/>
-                      </a:r>
-                      <a:endParaRPr/>
-                    </a:p>
-                  </a:txBody>
-                  <a:tcPr marT="91425" marB="91425" marR="91425" marL="91425"/>
-                </a:tc>
-                <a:tc>
-                  <a:txBody>
-                    <a:bodyPr/>
-                    <a:lstStyle/>
-                    <a:p>
-                      <a:pPr indent="0" lvl="0" marL="0" rtl="0" algn="l">
-                        <a:spcBef>
-                          <a:spcPts val="0"/>
-                        </a:spcBef>
-                        <a:spcAft>
-                          <a:spcPts val="0"/>
-                        </a:spcAft>
-                        <a:buNone/>
-                      </a:pPr>
-                      <a:r>
-                        <a:t/>
-                      </a:r>
-                      <a:endParaRPr/>
-                    </a:p>
-                  </a:txBody>
-                  <a:tcPr marT="91425" marB="91425" marR="91425" marL="91425"/>
-                </a:tc>
-                <a:tc>
-                  <a:txBody>
-                    <a:bodyPr/>
-                    <a:lstStyle/>
-                    <a:p>
-                      <a:pPr indent="0" lvl="0" marL="0" rtl="0" algn="l">
-                        <a:spcBef>
-                          <a:spcPts val="0"/>
-                        </a:spcBef>
-                        <a:spcAft>
-                          <a:spcPts val="0"/>
-                        </a:spcAft>
-                        <a:buNone/>
-                      </a:pPr>
-                      <a:r>
-                        <a:t/>
-                      </a:r>
-                      <a:endParaRPr/>
-                    </a:p>
-                  </a:txBody>
-                  <a:tcPr marT="91425" marB="91425" marR="91425" marL="91425"/>
-                </a:tc>
-              </a:tr>
-              <a:tr h="381000">
-                <a:tc>
-                  <a:txBody>
-                    <a:bodyPr/>
-                    <a:lstStyle/>
-                    <a:p>
-                      <a:pPr indent="0" lvl="0" marL="0" rtl="0" algn="l">
-                        <a:spcBef>
-                          <a:spcPts val="0"/>
-                        </a:spcBef>
-                        <a:spcAft>
-                          <a:spcPts val="0"/>
-                        </a:spcAft>
-                        <a:buNone/>
-                      </a:pPr>
-                      <a:r>
-                        <a:rPr b="1" lang="en"/>
-                        <a:t>Test</a:t>
-                      </a:r>
-                      <a:endParaRPr b="1"/>
-                    </a:p>
-                  </a:txBody>
-                  <a:tcPr marT="91425" marB="91425" marR="91425" marL="91425"/>
-                </a:tc>
-                <a:tc>
-                  <a:txBody>
-                    <a:bodyPr/>
-                    <a:lstStyle/>
-                    <a:p>
-                      <a:pPr indent="0" lvl="0" marL="0" rtl="0" algn="l">
-                        <a:spcBef>
-                          <a:spcPts val="0"/>
-                        </a:spcBef>
-                        <a:spcAft>
-                          <a:spcPts val="0"/>
-                        </a:spcAft>
-                        <a:buNone/>
-                      </a:pPr>
-                      <a:r>
-                        <a:t/>
-                      </a:r>
-                      <a:endParaRPr/>
-                    </a:p>
-                  </a:txBody>
-                  <a:tcPr marT="91425" marB="91425" marR="91425" marL="91425"/>
-                </a:tc>
-                <a:tc>
-                  <a:txBody>
-                    <a:bodyPr/>
-                    <a:lstStyle/>
-                    <a:p>
-                      <a:pPr indent="0" lvl="0" marL="0" rtl="0" algn="l">
-                        <a:spcBef>
-                          <a:spcPts val="0"/>
-                        </a:spcBef>
-                        <a:spcAft>
-                          <a:spcPts val="0"/>
-                        </a:spcAft>
-                        <a:buNone/>
-                      </a:pPr>
-                      <a:r>
-                        <a:t/>
-                      </a:r>
-                      <a:endParaRPr/>
-                    </a:p>
-                  </a:txBody>
-                  <a:tcPr marT="91425" marB="91425" marR="91425" marL="91425"/>
-                </a:tc>
-                <a:tc>
-                  <a:txBody>
-                    <a:bodyPr/>
-                    <a:lstStyle/>
-                    <a:p>
-                      <a:pPr indent="0" lvl="0" marL="0" rtl="0" algn="l">
-                        <a:spcBef>
-                          <a:spcPts val="0"/>
-                        </a:spcBef>
-                        <a:spcAft>
-                          <a:spcPts val="0"/>
-                        </a:spcAft>
-                        <a:buNone/>
-                      </a:pPr>
-                      <a:r>
-                        <a:t/>
-                      </a:r>
-                      <a:endParaRPr/>
-                    </a:p>
-                  </a:txBody>
-                  <a:tcPr marT="91425" marB="91425" marR="91425" marL="91425"/>
-                </a:tc>
-                <a:tc>
-                  <a:txBody>
-                    <a:bodyPr/>
-                    <a:lstStyle/>
-                    <a:p>
-                      <a:pPr indent="0" lvl="0" marL="0" rtl="0" algn="l">
-                        <a:spcBef>
-                          <a:spcPts val="0"/>
-                        </a:spcBef>
-                        <a:spcAft>
-                          <a:spcPts val="0"/>
-                        </a:spcAft>
-                        <a:buNone/>
-                      </a:pPr>
-                      <a:r>
-                        <a:t/>
-                      </a:r>
-                      <a:endParaRPr/>
+                      <a:endParaRPr sz="1200"/>
                     </a:p>
                   </a:txBody>
                   <a:tcPr marT="91425" marB="91425" marR="91425" marL="91425"/>
@@ -10873,203 +11742,69 @@
           </a:graphicData>
         </a:graphic>
       </p:graphicFrame>
-    </p:spTree>
-  </p:cSld>
-  <p:clrMapOvr>
-    <a:masterClrMapping/>
-  </p:clrMapOvr>
-</p:sld>
-</file>
-
-<file path=ppt/slides/slide22.xml><?xml version="1.0" encoding="utf-8"?>
-<p:sld xmlns:a="http://schemas.openxmlformats.org/drawingml/2006/main" xmlns:r="http://schemas.openxmlformats.org/officeDocument/2006/relationships" xmlns:mc="http://schemas.openxmlformats.org/markup-compatibility/2006" xmlns:mv="urn:schemas-microsoft-com:mac:vml" xmlns:p="http://schemas.openxmlformats.org/presentationml/2006/main" xmlns:c="http://schemas.openxmlformats.org/drawingml/2006/chart" xmlns:dgm="http://schemas.openxmlformats.org/drawingml/2006/diagram" xmlns:o="urn:schemas-microsoft-com:office:office" xmlns:v="urn:schemas-microsoft-com:vml" xmlns:pvml="urn:schemas-microsoft-com:office:powerpoint" xmlns:com="http://schemas.openxmlformats.org/drawingml/2006/compatibility" xmlns:p14="http://schemas.microsoft.com/office/powerpoint/2010/main" xmlns:p15="http://schemas.microsoft.com/office/powerpoint/2012/main" xmlns:ahyp="http://schemas.microsoft.com/office/drawing/2018/hyperlinkcolor">
-  <p:cSld>
-    <p:spTree>
-      <p:nvGrpSpPr>
-        <p:cNvPr id="215" name="Shape 215"/>
-        <p:cNvGrpSpPr/>
-        <p:nvPr/>
-      </p:nvGrpSpPr>
-      <p:grpSpPr>
-        <a:xfrm>
-          <a:off x="0" y="0"/>
-          <a:ext cx="0" cy="0"/>
-          <a:chOff x="0" y="0"/>
-          <a:chExt cx="0" cy="0"/>
-        </a:xfrm>
-      </p:grpSpPr>
-      <p:sp>
-        <p:nvSpPr>
-          <p:cNvPr id="216" name="Google Shape;216;p34"/>
-          <p:cNvSpPr txBox="1"/>
-          <p:nvPr>
-            <p:ph type="title"/>
-          </p:nvPr>
-        </p:nvSpPr>
-        <p:spPr>
-          <a:xfrm>
-            <a:off x="311700" y="216425"/>
-            <a:ext cx="8520600" cy="572700"/>
+      <p:pic>
+        <p:nvPicPr>
+          <p:cNvPr id="239" name="Google Shape;239;p34"/>
+          <p:cNvPicPr preferRelativeResize="0"/>
+          <p:nvPr/>
+        </p:nvPicPr>
+        <p:blipFill rotWithShape="1">
+          <a:blip r:embed="rId3">
+            <a:alphaModFix/>
+          </a:blip>
+          <a:srcRect b="0" l="50000" r="0" t="0"/>
+          <a:stretch/>
+        </p:blipFill>
+        <p:spPr>
+          <a:xfrm>
+            <a:off x="5790202" y="2486128"/>
+            <a:ext cx="3143624" cy="2408579"/>
           </a:xfrm>
           <a:prstGeom prst="rect">
             <a:avLst/>
           </a:prstGeom>
+          <a:noFill/>
+          <a:ln>
+            <a:noFill/>
+          </a:ln>
+        </p:spPr>
+      </p:pic>
+      <p:sp>
+        <p:nvSpPr>
+          <p:cNvPr id="240" name="Google Shape;240;p34"/>
+          <p:cNvSpPr txBox="1"/>
+          <p:nvPr>
+            <p:ph idx="12" type="sldNum"/>
+          </p:nvPr>
+        </p:nvSpPr>
+        <p:spPr>
+          <a:xfrm>
+            <a:off x="8472458" y="4663217"/>
+            <a:ext cx="548700" cy="393600"/>
+          </a:xfrm>
+          <a:prstGeom prst="rect">
+            <a:avLst/>
+          </a:prstGeom>
         </p:spPr>
         <p:txBody>
-          <a:bodyPr anchorCtr="0" anchor="t" bIns="91425" lIns="91425" spcFirstLastPara="1" rIns="91425" wrap="square" tIns="91425">
+          <a:bodyPr anchorCtr="0" anchor="ctr" bIns="91425" lIns="91425" spcFirstLastPara="1" rIns="91425" wrap="square" tIns="91425">
             <a:noAutofit/>
           </a:bodyPr>
           <a:lstStyle/>
           <a:p>
-            <a:pPr indent="0" lvl="0" marL="0" rtl="0" algn="l">
-              <a:lnSpc>
-                <a:spcPct val="115000"/>
-              </a:lnSpc>
-              <a:spcBef>
-                <a:spcPts val="0"/>
-              </a:spcBef>
-              <a:spcAft>
-                <a:spcPts val="1600"/>
-              </a:spcAft>
-              <a:buClr>
-                <a:schemeClr val="dk1"/>
-              </a:buClr>
-              <a:buSzPts val="1100"/>
-              <a:buFont typeface="Arial"/>
-              <a:buNone/>
-            </a:pPr>
-            <a:r>
-              <a:rPr b="1" lang="en" sz="1800">
-                <a:solidFill>
-                  <a:schemeClr val="dk2"/>
-                </a:solidFill>
-              </a:rPr>
-              <a:t>E</a:t>
-            </a:r>
-            <a:r>
-              <a:rPr b="1" lang="en" sz="1800">
-                <a:solidFill>
-                  <a:schemeClr val="dk2"/>
-                </a:solidFill>
-              </a:rPr>
-              <a:t>ngineering Architecture and Trade-Offs:</a:t>
-            </a:r>
-            <a:endParaRPr b="1"/>
-          </a:p>
-        </p:txBody>
-      </p:sp>
-      <p:sp>
-        <p:nvSpPr>
-          <p:cNvPr id="217" name="Google Shape;217;p34"/>
-          <p:cNvSpPr txBox="1"/>
-          <p:nvPr>
-            <p:ph idx="1" type="body"/>
-          </p:nvPr>
-        </p:nvSpPr>
-        <p:spPr>
-          <a:xfrm>
-            <a:off x="311700" y="818100"/>
-            <a:ext cx="8520600" cy="3750900"/>
-          </a:xfrm>
-          <a:prstGeom prst="rect">
-            <a:avLst/>
-          </a:prstGeom>
-        </p:spPr>
-        <p:txBody>
-          <a:bodyPr anchorCtr="0" anchor="t" bIns="91425" lIns="91425" spcFirstLastPara="1" rIns="91425" wrap="square" tIns="91425">
-            <a:noAutofit/>
-          </a:bodyPr>
-          <a:lstStyle/>
-          <a:p>
-            <a:pPr indent="0" lvl="0" marL="0" rtl="0" algn="l">
-              <a:spcBef>
-                <a:spcPts val="0"/>
-              </a:spcBef>
-              <a:spcAft>
-                <a:spcPts val="0"/>
-              </a:spcAft>
-              <a:buNone/>
-            </a:pPr>
-            <a:r>
-              <a:rPr b="1" lang="en">
-                <a:solidFill>
-                  <a:schemeClr val="accent4"/>
-                </a:solidFill>
-              </a:rPr>
-              <a:t>Question:</a:t>
-            </a:r>
-            <a:r>
-              <a:rPr b="1" lang="en"/>
-              <a:t> </a:t>
-            </a:r>
-            <a:r>
+            <a:pPr indent="0" lvl="0" marL="0" rtl="0" algn="r">
+              <a:spcBef>
+                <a:spcPts val="0"/>
+              </a:spcBef>
+              <a:spcAft>
+                <a:spcPts val="0"/>
+              </a:spcAft>
+              <a:buNone/>
+            </a:pPr>
+            <a:fld id="{00000000-1234-1234-1234-123412341234}" type="slidenum">
               <a:rPr lang="en"/>
-              <a:t>What does the engineering architecture to productionize one of the solutions looks like? What trade-offs would you use to productionize promising algorithms faster?</a:t>
-            </a:r>
-            <a:endParaRPr/>
-          </a:p>
-          <a:p>
-            <a:pPr indent="0" lvl="0" marL="0" rtl="0" algn="l">
-              <a:spcBef>
-                <a:spcPts val="1600"/>
-              </a:spcBef>
-              <a:spcAft>
-                <a:spcPts val="0"/>
-              </a:spcAft>
-              <a:buClr>
-                <a:schemeClr val="dk1"/>
-              </a:buClr>
-              <a:buSzPts val="1100"/>
-              <a:buFont typeface="Arial"/>
-              <a:buNone/>
-            </a:pPr>
-            <a:r>
-              <a:rPr b="1" lang="en">
-                <a:solidFill>
-                  <a:schemeClr val="accent4"/>
-                </a:solidFill>
-              </a:rPr>
-              <a:t>Answer:</a:t>
-            </a:r>
-            <a:endParaRPr b="1">
-              <a:solidFill>
-                <a:schemeClr val="accent4"/>
-              </a:solidFill>
-            </a:endParaRPr>
-          </a:p>
-          <a:p>
-            <a:pPr indent="0" lvl="0" marL="0" rtl="0" algn="l">
-              <a:spcBef>
-                <a:spcPts val="1600"/>
-              </a:spcBef>
-              <a:spcAft>
-                <a:spcPts val="0"/>
-              </a:spcAft>
-              <a:buClr>
-                <a:schemeClr val="dk1"/>
-              </a:buClr>
-              <a:buSzPts val="1100"/>
-              <a:buFont typeface="Arial"/>
-              <a:buNone/>
-            </a:pPr>
-            <a:r>
-              <a:t/>
-            </a:r>
-            <a:endParaRPr/>
-          </a:p>
-          <a:p>
-            <a:pPr indent="0" lvl="0" marL="0" rtl="0" algn="l">
-              <a:spcBef>
-                <a:spcPts val="1600"/>
-              </a:spcBef>
-              <a:spcAft>
-                <a:spcPts val="1600"/>
-              </a:spcAft>
-              <a:buNone/>
-            </a:pPr>
-            <a:r>
-              <a:t/>
-            </a:r>
+              <a:t>‹#›</a:t>
+            </a:fld>
             <a:endParaRPr/>
           </a:p>
         </p:txBody>
@@ -11087,7 +11822,7 @@
   <p:cSld>
     <p:spTree>
       <p:nvGrpSpPr>
-        <p:cNvPr id="221" name="Shape 221"/>
+        <p:cNvPr id="244" name="Shape 244"/>
         <p:cNvGrpSpPr/>
         <p:nvPr/>
       </p:nvGrpSpPr>
@@ -11101,7 +11836,7 @@
       </p:grpSpPr>
       <p:sp>
         <p:nvSpPr>
-          <p:cNvPr id="222" name="Google Shape;222;p35"/>
+          <p:cNvPr id="245" name="Google Shape;245;p35"/>
           <p:cNvSpPr txBox="1"/>
           <p:nvPr>
             <p:ph type="title"/>
@@ -11145,7 +11880,7 @@
                   <a:schemeClr val="dk2"/>
                 </a:solidFill>
               </a:rPr>
-              <a:t>B</a:t>
+              <a:t>E</a:t>
             </a:r>
             <a:r>
               <a:rPr b="1" lang="en" sz="1800">
@@ -11153,7 +11888,7 @@
                   <a:schemeClr val="dk2"/>
                 </a:solidFill>
               </a:rPr>
-              <a:t>usiness Performance and ROI</a:t>
+              <a:t>ngineering Architecture and Trade-Offs:</a:t>
             </a:r>
             <a:endParaRPr b="1"/>
           </a:p>
@@ -11161,7 +11896,7 @@
       </p:sp>
       <p:sp>
         <p:nvSpPr>
-          <p:cNvPr id="223" name="Google Shape;223;p35"/>
+          <p:cNvPr id="246" name="Google Shape;246;p35"/>
           <p:cNvSpPr txBox="1"/>
           <p:nvPr>
             <p:ph idx="1" type="body"/>
@@ -11169,8 +11904,8 @@
         </p:nvSpPr>
         <p:spPr>
           <a:xfrm>
-            <a:off x="311700" y="757500"/>
-            <a:ext cx="8520600" cy="3811500"/>
+            <a:off x="311700" y="818100"/>
+            <a:ext cx="8633400" cy="3750900"/>
           </a:xfrm>
           <a:prstGeom prst="rect">
             <a:avLst/>
@@ -11183,88 +11918,40 @@
           <a:lstStyle/>
           <a:p>
             <a:pPr indent="0" lvl="0" marL="0" rtl="0" algn="l">
-              <a:spcBef>
-                <a:spcPts val="0"/>
-              </a:spcBef>
-              <a:spcAft>
-                <a:spcPts val="0"/>
-              </a:spcAft>
-              <a:buNone/>
-            </a:pPr>
-            <a:r>
-              <a:rPr b="1" lang="en">
+              <a:lnSpc>
+                <a:spcPct val="100000"/>
+              </a:lnSpc>
+              <a:spcBef>
+                <a:spcPts val="0"/>
+              </a:spcBef>
+              <a:spcAft>
+                <a:spcPts val="0"/>
+              </a:spcAft>
+              <a:buNone/>
+            </a:pPr>
+            <a:r>
+              <a:rPr b="1" lang="en" sz="1600">
                 <a:solidFill>
-                  <a:schemeClr val="accent1"/>
+                  <a:schemeClr val="accent4"/>
                 </a:solidFill>
               </a:rPr>
               <a:t>Question:</a:t>
             </a:r>
             <a:r>
-              <a:rPr b="1" lang="en"/>
+              <a:rPr b="1" lang="en" sz="1600"/>
               <a:t> </a:t>
             </a:r>
             <a:r>
-              <a:rPr lang="en"/>
-              <a:t>Discuss how will you analyze the business performance of the algorithm once in production using metrics such as marketing ROI etc.?</a:t>
-            </a:r>
-            <a:endParaRPr/>
+              <a:rPr b="1" lang="en" sz="1600"/>
+              <a:t>What does the engineering architecture to productionize one of the solutions looks like? What trade-offs would you use to productionize promising algorithms faster?</a:t>
+            </a:r>
+            <a:endParaRPr b="1" sz="1600"/>
           </a:p>
           <a:p>
             <a:pPr indent="0" lvl="0" marL="0" rtl="0" algn="l">
-              <a:spcBef>
-                <a:spcPts val="1600"/>
-              </a:spcBef>
-              <a:spcAft>
-                <a:spcPts val="0"/>
-              </a:spcAft>
-              <a:buNone/>
-            </a:pPr>
-            <a:r>
-              <a:rPr b="1" lang="en">
-                <a:solidFill>
-                  <a:schemeClr val="accent1"/>
-                </a:solidFill>
-              </a:rPr>
-              <a:t>Answer:</a:t>
-            </a:r>
-            <a:endParaRPr b="1">
-              <a:solidFill>
-                <a:schemeClr val="accent1"/>
-              </a:solidFill>
-            </a:endParaRPr>
-          </a:p>
-          <a:p>
-            <a:pPr indent="0" lvl="0" marL="0" rtl="0" algn="l">
-              <a:spcBef>
-                <a:spcPts val="1600"/>
-              </a:spcBef>
-              <a:spcAft>
-                <a:spcPts val="0"/>
-              </a:spcAft>
-              <a:buNone/>
-            </a:pPr>
-            <a:r>
-              <a:t/>
-            </a:r>
-            <a:endParaRPr/>
-          </a:p>
-          <a:p>
-            <a:pPr indent="0" lvl="0" marL="0" rtl="0" algn="l">
-              <a:spcBef>
-                <a:spcPts val="1600"/>
-              </a:spcBef>
-              <a:spcAft>
-                <a:spcPts val="0"/>
-              </a:spcAft>
-              <a:buNone/>
-            </a:pPr>
-            <a:r>
-              <a:t/>
-            </a:r>
-            <a:endParaRPr/>
-          </a:p>
-          <a:p>
-            <a:pPr indent="0" lvl="0" marL="0" rtl="0" algn="l">
+              <a:lnSpc>
+                <a:spcPct val="100000"/>
+              </a:lnSpc>
               <a:spcBef>
                 <a:spcPts val="1600"/>
               </a:spcBef>
@@ -11279,23 +11966,201 @@
               <a:buNone/>
             </a:pPr>
             <a:r>
-              <a:t/>
-            </a:r>
-            <a:endParaRPr/>
+              <a:rPr b="1" lang="en" sz="1600">
+                <a:solidFill>
+                  <a:schemeClr val="accent4"/>
+                </a:solidFill>
+              </a:rPr>
+              <a:t>Answer: </a:t>
+            </a:r>
+            <a:r>
+              <a:rPr lang="en" sz="1600">
+                <a:solidFill>
+                  <a:srgbClr val="666666"/>
+                </a:solidFill>
+              </a:rPr>
+              <a:t>The fitted model can be used in a number of ways and mostly to predict the </a:t>
+            </a:r>
+            <a:r>
+              <a:rPr lang="en" sz="1600">
+                <a:solidFill>
+                  <a:srgbClr val="666666"/>
+                </a:solidFill>
+              </a:rPr>
+              <a:t>probability</a:t>
+            </a:r>
+            <a:r>
+              <a:rPr lang="en" sz="1600">
+                <a:solidFill>
+                  <a:srgbClr val="666666"/>
+                </a:solidFill>
+              </a:rPr>
+              <a:t> of a search that eventually is activated. This way we </a:t>
+            </a:r>
+            <a:r>
+              <a:rPr lang="en" sz="1600">
+                <a:solidFill>
+                  <a:srgbClr val="666666"/>
+                </a:solidFill>
+              </a:rPr>
+              <a:t>customize</a:t>
+            </a:r>
+            <a:r>
+              <a:rPr lang="en" sz="1600">
+                <a:solidFill>
+                  <a:srgbClr val="666666"/>
+                </a:solidFill>
+              </a:rPr>
+              <a:t> when the ad should be shown to the user based on a </a:t>
+            </a:r>
+            <a:r>
+              <a:rPr lang="en" sz="1600">
+                <a:solidFill>
+                  <a:srgbClr val="666666"/>
+                </a:solidFill>
+              </a:rPr>
+              <a:t>probability</a:t>
+            </a:r>
+            <a:r>
+              <a:rPr lang="en" sz="1600">
+                <a:solidFill>
+                  <a:srgbClr val="666666"/>
+                </a:solidFill>
+              </a:rPr>
+              <a:t> threshold, and decide when to show the ad to the user (when </a:t>
+            </a:r>
+            <a:r>
+              <a:rPr lang="en" sz="1600">
+                <a:solidFill>
+                  <a:srgbClr val="666666"/>
+                </a:solidFill>
+              </a:rPr>
+              <a:t>probability</a:t>
+            </a:r>
+            <a:r>
+              <a:rPr lang="en" sz="1600">
+                <a:solidFill>
+                  <a:srgbClr val="666666"/>
+                </a:solidFill>
+              </a:rPr>
+              <a:t> is high) and when not (when the probability is low).</a:t>
+            </a:r>
+            <a:endParaRPr sz="1600">
+              <a:solidFill>
+                <a:srgbClr val="666666"/>
+              </a:solidFill>
+            </a:endParaRPr>
           </a:p>
           <a:p>
             <a:pPr indent="0" lvl="0" marL="0" rtl="0" algn="l">
+              <a:lnSpc>
+                <a:spcPct val="100000"/>
+              </a:lnSpc>
               <a:spcBef>
                 <a:spcPts val="1600"/>
               </a:spcBef>
               <a:spcAft>
+                <a:spcPts val="0"/>
+              </a:spcAft>
+              <a:buClr>
+                <a:schemeClr val="dk1"/>
+              </a:buClr>
+              <a:buSzPts val="1100"/>
+              <a:buFont typeface="Arial"/>
+              <a:buNone/>
+            </a:pPr>
+            <a:r>
+              <a:rPr lang="en" sz="1600">
+                <a:solidFill>
+                  <a:srgbClr val="666666"/>
+                </a:solidFill>
+              </a:rPr>
+              <a:t>By changing the model parameters and its layers, we may be able to make the model faster to be in the production but it should be noted that making the model faster may come in the expense of lower accuracy. </a:t>
+            </a:r>
+            <a:endParaRPr sz="1600">
+              <a:solidFill>
+                <a:srgbClr val="666666"/>
+              </a:solidFill>
+            </a:endParaRPr>
+          </a:p>
+          <a:p>
+            <a:pPr indent="0" lvl="0" marL="0" rtl="0" algn="l">
+              <a:lnSpc>
+                <a:spcPct val="100000"/>
+              </a:lnSpc>
+              <a:spcBef>
                 <a:spcPts val="1600"/>
-              </a:spcAft>
-              <a:buNone/>
-            </a:pPr>
-            <a:r>
-              <a:t/>
-            </a:r>
+              </a:spcBef>
+              <a:spcAft>
+                <a:spcPts val="1600"/>
+              </a:spcAft>
+              <a:buClr>
+                <a:schemeClr val="dk1"/>
+              </a:buClr>
+              <a:buSzPts val="1100"/>
+              <a:buFont typeface="Arial"/>
+              <a:buNone/>
+            </a:pPr>
+            <a:r>
+              <a:rPr lang="en" sz="1600">
+                <a:solidFill>
+                  <a:srgbClr val="666666"/>
+                </a:solidFill>
+              </a:rPr>
+              <a:t>Another important trade-off is to tune the model on an optimal bias-variance relationship. This model like any ML model has a bias and a variance. Fitting it on a very large dataset might be time-</a:t>
+            </a:r>
+            <a:r>
+              <a:rPr lang="en" sz="1600">
+                <a:solidFill>
+                  <a:srgbClr val="666666"/>
+                </a:solidFill>
+              </a:rPr>
+              <a:t>consuming. If we want to lower the variance, the bias may increase and vice versa. An optimal configuration is to consider this trade-off when we want to increase the speed.</a:t>
+            </a:r>
+            <a:endParaRPr sz="1600">
+              <a:solidFill>
+                <a:srgbClr val="666666"/>
+              </a:solidFill>
+            </a:endParaRPr>
+          </a:p>
+        </p:txBody>
+      </p:sp>
+      <p:sp>
+        <p:nvSpPr>
+          <p:cNvPr id="247" name="Google Shape;247;p35"/>
+          <p:cNvSpPr txBox="1"/>
+          <p:nvPr>
+            <p:ph idx="12" type="sldNum"/>
+          </p:nvPr>
+        </p:nvSpPr>
+        <p:spPr>
+          <a:xfrm>
+            <a:off x="8472458" y="4663217"/>
+            <a:ext cx="548700" cy="393600"/>
+          </a:xfrm>
+          <a:prstGeom prst="rect">
+            <a:avLst/>
+          </a:prstGeom>
+        </p:spPr>
+        <p:txBody>
+          <a:bodyPr anchorCtr="0" anchor="ctr" bIns="91425" lIns="91425" spcFirstLastPara="1" rIns="91425" wrap="square" tIns="91425">
+            <a:noAutofit/>
+          </a:bodyPr>
+          <a:lstStyle/>
+          <a:p>
+            <a:pPr indent="0" lvl="0" marL="0" rtl="0" algn="r">
+              <a:spcBef>
+                <a:spcPts val="0"/>
+              </a:spcBef>
+              <a:spcAft>
+                <a:spcPts val="0"/>
+              </a:spcAft>
+              <a:buNone/>
+            </a:pPr>
+            <a:fld id="{00000000-1234-1234-1234-123412341234}" type="slidenum">
+              <a:rPr lang="en"/>
+              <a:t>‹#›</a:t>
+            </a:fld>
             <a:endParaRPr/>
           </a:p>
         </p:txBody>
@@ -11313,7 +12178,7 @@
   <p:cSld>
     <p:spTree>
       <p:nvGrpSpPr>
-        <p:cNvPr id="227" name="Shape 227"/>
+        <p:cNvPr id="251" name="Shape 251"/>
         <p:cNvGrpSpPr/>
         <p:nvPr/>
       </p:nvGrpSpPr>
@@ -11327,7 +12192,298 @@
       </p:grpSpPr>
       <p:sp>
         <p:nvSpPr>
-          <p:cNvPr id="228" name="Google Shape;228;p36"/>
+          <p:cNvPr id="252" name="Google Shape;252;p36"/>
+          <p:cNvSpPr txBox="1"/>
+          <p:nvPr>
+            <p:ph type="title"/>
+          </p:nvPr>
+        </p:nvSpPr>
+        <p:spPr>
+          <a:xfrm>
+            <a:off x="311700" y="216425"/>
+            <a:ext cx="8520600" cy="572700"/>
+          </a:xfrm>
+          <a:prstGeom prst="rect">
+            <a:avLst/>
+          </a:prstGeom>
+        </p:spPr>
+        <p:txBody>
+          <a:bodyPr anchorCtr="0" anchor="t" bIns="91425" lIns="91425" spcFirstLastPara="1" rIns="91425" wrap="square" tIns="91425">
+            <a:noAutofit/>
+          </a:bodyPr>
+          <a:lstStyle/>
+          <a:p>
+            <a:pPr indent="0" lvl="0" marL="0" rtl="0" algn="l">
+              <a:lnSpc>
+                <a:spcPct val="115000"/>
+              </a:lnSpc>
+              <a:spcBef>
+                <a:spcPts val="0"/>
+              </a:spcBef>
+              <a:spcAft>
+                <a:spcPts val="1600"/>
+              </a:spcAft>
+              <a:buClr>
+                <a:schemeClr val="dk1"/>
+              </a:buClr>
+              <a:buSzPts val="1100"/>
+              <a:buFont typeface="Arial"/>
+              <a:buNone/>
+            </a:pPr>
+            <a:r>
+              <a:rPr b="1" lang="en" sz="1800">
+                <a:solidFill>
+                  <a:schemeClr val="dk2"/>
+                </a:solidFill>
+              </a:rPr>
+              <a:t>B</a:t>
+            </a:r>
+            <a:r>
+              <a:rPr b="1" lang="en" sz="1800">
+                <a:solidFill>
+                  <a:schemeClr val="dk2"/>
+                </a:solidFill>
+              </a:rPr>
+              <a:t>usiness Performance and ROI</a:t>
+            </a:r>
+            <a:endParaRPr b="1"/>
+          </a:p>
+        </p:txBody>
+      </p:sp>
+      <p:sp>
+        <p:nvSpPr>
+          <p:cNvPr id="253" name="Google Shape;253;p36"/>
+          <p:cNvSpPr txBox="1"/>
+          <p:nvPr>
+            <p:ph idx="1" type="body"/>
+          </p:nvPr>
+        </p:nvSpPr>
+        <p:spPr>
+          <a:xfrm>
+            <a:off x="311700" y="757500"/>
+            <a:ext cx="8520600" cy="3811500"/>
+          </a:xfrm>
+          <a:prstGeom prst="rect">
+            <a:avLst/>
+          </a:prstGeom>
+        </p:spPr>
+        <p:txBody>
+          <a:bodyPr anchorCtr="0" anchor="t" bIns="91425" lIns="91425" spcFirstLastPara="1" rIns="91425" wrap="square" tIns="91425">
+            <a:noAutofit/>
+          </a:bodyPr>
+          <a:lstStyle/>
+          <a:p>
+            <a:pPr indent="0" lvl="0" marL="0" rtl="0" algn="l">
+              <a:lnSpc>
+                <a:spcPct val="100000"/>
+              </a:lnSpc>
+              <a:spcBef>
+                <a:spcPts val="0"/>
+              </a:spcBef>
+              <a:spcAft>
+                <a:spcPts val="0"/>
+              </a:spcAft>
+              <a:buNone/>
+            </a:pPr>
+            <a:r>
+              <a:rPr b="1" lang="en" sz="1600">
+                <a:solidFill>
+                  <a:schemeClr val="accent1"/>
+                </a:solidFill>
+              </a:rPr>
+              <a:t>Question:</a:t>
+            </a:r>
+            <a:r>
+              <a:rPr b="1" lang="en" sz="1600"/>
+              <a:t> Discuss how will you analyze the business performance of the algorithm once in production using metrics such as marketing ROI etc.?</a:t>
+            </a:r>
+            <a:endParaRPr b="1" sz="1600"/>
+          </a:p>
+          <a:p>
+            <a:pPr indent="0" lvl="0" marL="0" rtl="0" algn="l">
+              <a:lnSpc>
+                <a:spcPct val="100000"/>
+              </a:lnSpc>
+              <a:spcBef>
+                <a:spcPts val="1600"/>
+              </a:spcBef>
+              <a:spcAft>
+                <a:spcPts val="1600"/>
+              </a:spcAft>
+              <a:buNone/>
+            </a:pPr>
+            <a:r>
+              <a:rPr b="1" lang="en" sz="1600">
+                <a:solidFill>
+                  <a:schemeClr val="accent1"/>
+                </a:solidFill>
+              </a:rPr>
+              <a:t>Answer: </a:t>
+            </a:r>
+            <a:r>
+              <a:rPr lang="en" sz="1600">
+                <a:solidFill>
+                  <a:srgbClr val="666666"/>
+                </a:solidFill>
+              </a:rPr>
+              <a:t>One main aspect of this model is to increase the profit. We should see the bigger picture like this: every time an ad is shown to a user there is a probability that the user clicks on it or not. On the one hand, if we show an ad and the user does not get activated for any number of reasons, we have lost the money associated to showing the ad. On the other hand, if an interested user submits a search query and we do not show them the ad because of miscalculation or no calculation at all, we have lost a potential client and therefore lost a potential benefit. So it is important to find the right probability threshold. </a:t>
+            </a:r>
+            <a:br>
+              <a:rPr lang="en" sz="1600">
+                <a:solidFill>
+                  <a:srgbClr val="666666"/>
+                </a:solidFill>
+              </a:rPr>
+            </a:br>
+            <a:r>
+              <a:rPr lang="en" sz="1600">
+                <a:solidFill>
+                  <a:srgbClr val="666666"/>
+                </a:solidFill>
+              </a:rPr>
+              <a:t>To put this in a marketing ROI (return of investment) framework, every ad is an </a:t>
+            </a:r>
+            <a:r>
+              <a:rPr i="1" lang="en" sz="1600">
+                <a:solidFill>
+                  <a:srgbClr val="666666"/>
+                </a:solidFill>
+              </a:rPr>
+              <a:t>‘investment’</a:t>
+            </a:r>
+            <a:r>
+              <a:rPr lang="en" sz="1600">
+                <a:solidFill>
+                  <a:srgbClr val="666666"/>
+                </a:solidFill>
+              </a:rPr>
+              <a:t> and an activated user is a </a:t>
+            </a:r>
+            <a:r>
+              <a:rPr i="1" lang="en" sz="1600">
+                <a:solidFill>
+                  <a:srgbClr val="666666"/>
+                </a:solidFill>
+              </a:rPr>
+              <a:t>‘gain’</a:t>
+            </a:r>
+            <a:r>
+              <a:rPr lang="en" sz="1600">
+                <a:solidFill>
+                  <a:srgbClr val="666666"/>
+                </a:solidFill>
+              </a:rPr>
+              <a:t>. </a:t>
+            </a:r>
+            <a:br>
+              <a:rPr lang="en" sz="1600">
+                <a:solidFill>
+                  <a:srgbClr val="666666"/>
+                </a:solidFill>
+              </a:rPr>
+            </a:br>
+            <a:br>
+              <a:rPr lang="en" sz="1600">
+                <a:solidFill>
+                  <a:srgbClr val="666666"/>
+                </a:solidFill>
+              </a:rPr>
+            </a:br>
+            <a:r>
+              <a:rPr lang="en" sz="1600">
+                <a:solidFill>
+                  <a:srgbClr val="666666"/>
+                </a:solidFill>
+              </a:rPr>
+              <a:t>Therefore, the final goal should be to maximize this ratio: </a:t>
+            </a:r>
+            <a:br>
+              <a:rPr lang="en" sz="1600">
+                <a:solidFill>
+                  <a:srgbClr val="666666"/>
+                </a:solidFill>
+              </a:rPr>
+            </a:br>
+            <a:r>
+              <a:rPr i="1" lang="en" sz="1600">
+                <a:solidFill>
+                  <a:srgbClr val="666666"/>
+                </a:solidFill>
+              </a:rPr>
+              <a:t>ROI = (total gain - total investment) / (total investment)</a:t>
+            </a:r>
+            <a:endParaRPr i="1" sz="1600"/>
+          </a:p>
+        </p:txBody>
+      </p:sp>
+      <p:sp>
+        <p:nvSpPr>
+          <p:cNvPr id="254" name="Google Shape;254;p36"/>
+          <p:cNvSpPr txBox="1"/>
+          <p:nvPr>
+            <p:ph idx="12" type="sldNum"/>
+          </p:nvPr>
+        </p:nvSpPr>
+        <p:spPr>
+          <a:xfrm>
+            <a:off x="8472458" y="4663217"/>
+            <a:ext cx="548700" cy="393600"/>
+          </a:xfrm>
+          <a:prstGeom prst="rect">
+            <a:avLst/>
+          </a:prstGeom>
+        </p:spPr>
+        <p:txBody>
+          <a:bodyPr anchorCtr="0" anchor="ctr" bIns="91425" lIns="91425" spcFirstLastPara="1" rIns="91425" wrap="square" tIns="91425">
+            <a:noAutofit/>
+          </a:bodyPr>
+          <a:lstStyle/>
+          <a:p>
+            <a:pPr indent="0" lvl="0" marL="0" rtl="0" algn="r">
+              <a:spcBef>
+                <a:spcPts val="0"/>
+              </a:spcBef>
+              <a:spcAft>
+                <a:spcPts val="0"/>
+              </a:spcAft>
+              <a:buNone/>
+            </a:pPr>
+            <a:fld id="{00000000-1234-1234-1234-123412341234}" type="slidenum">
+              <a:rPr lang="en"/>
+              <a:t>‹#›</a:t>
+            </a:fld>
+            <a:endParaRPr/>
+          </a:p>
+        </p:txBody>
+      </p:sp>
+    </p:spTree>
+  </p:cSld>
+  <p:clrMapOvr>
+    <a:masterClrMapping/>
+  </p:clrMapOvr>
+</p:sld>
+</file>
+
+<file path=ppt/slides/slide25.xml><?xml version="1.0" encoding="utf-8"?>
+<p:sld xmlns:a="http://schemas.openxmlformats.org/drawingml/2006/main" xmlns:r="http://schemas.openxmlformats.org/officeDocument/2006/relationships" xmlns:mc="http://schemas.openxmlformats.org/markup-compatibility/2006" xmlns:mv="urn:schemas-microsoft-com:mac:vml" xmlns:p="http://schemas.openxmlformats.org/presentationml/2006/main" xmlns:c="http://schemas.openxmlformats.org/drawingml/2006/chart" xmlns:dgm="http://schemas.openxmlformats.org/drawingml/2006/diagram" xmlns:o="urn:schemas-microsoft-com:office:office" xmlns:v="urn:schemas-microsoft-com:vml" xmlns:pvml="urn:schemas-microsoft-com:office:powerpoint" xmlns:com="http://schemas.openxmlformats.org/drawingml/2006/compatibility" xmlns:p14="http://schemas.microsoft.com/office/powerpoint/2010/main" xmlns:p15="http://schemas.microsoft.com/office/powerpoint/2012/main" xmlns:ahyp="http://schemas.microsoft.com/office/drawing/2018/hyperlinkcolor">
+  <p:cSld>
+    <p:spTree>
+      <p:nvGrpSpPr>
+        <p:cNvPr id="258" name="Shape 258"/>
+        <p:cNvGrpSpPr/>
+        <p:nvPr/>
+      </p:nvGrpSpPr>
+      <p:grpSpPr>
+        <a:xfrm>
+          <a:off x="0" y="0"/>
+          <a:ext cx="0" cy="0"/>
+          <a:chOff x="0" y="0"/>
+          <a:chExt cx="0" cy="0"/>
+        </a:xfrm>
+      </p:grpSpPr>
+      <p:sp>
+        <p:nvSpPr>
+          <p:cNvPr id="259" name="Google Shape;259;p37"/>
           <p:cNvSpPr txBox="1"/>
           <p:nvPr>
             <p:ph idx="1" type="body"/>
@@ -11503,7 +12659,17 @@
               <a:buNone/>
             </a:pPr>
             <a:r>
-              <a:t/>
+              <a:rPr lang="en" sz="1400" u="sng">
+                <a:solidFill>
+                  <a:schemeClr val="hlink"/>
+                </a:solidFill>
+                <a:hlinkClick r:id="rId5"/>
+              </a:rPr>
+              <a:t>https://github.com/bnasr/FFN-CaseStudy</a:t>
+            </a:r>
+            <a:r>
+              <a:rPr lang="en" sz="1400"/>
+              <a:t> </a:t>
             </a:r>
             <a:endParaRPr sz="1400"/>
           </a:p>
@@ -11516,6 +12682,24 @@
                 <a:spcPts val="1600"/>
               </a:spcBef>
               <a:spcAft>
+                <a:spcPts val="0"/>
+              </a:spcAft>
+              <a:buNone/>
+            </a:pPr>
+            <a:r>
+              <a:t/>
+            </a:r>
+            <a:endParaRPr sz="1400"/>
+          </a:p>
+          <a:p>
+            <a:pPr indent="0" lvl="0" marL="0" rtl="0" algn="l">
+              <a:lnSpc>
+                <a:spcPct val="100000"/>
+              </a:lnSpc>
+              <a:spcBef>
+                <a:spcPts val="1600"/>
+              </a:spcBef>
+              <a:spcAft>
                 <a:spcPts val="1600"/>
               </a:spcAft>
               <a:buNone/>
@@ -11529,7 +12713,7 @@
       </p:sp>
       <p:sp>
         <p:nvSpPr>
-          <p:cNvPr id="229" name="Google Shape;229;p36"/>
+          <p:cNvPr id="260" name="Google Shape;260;p37"/>
           <p:cNvSpPr txBox="1"/>
           <p:nvPr>
             <p:ph type="title"/>
@@ -11563,6 +12747,46 @@
               <a:rPr lang="en"/>
               <a:t>Code, Presentation and Repository</a:t>
             </a:r>
+            <a:endParaRPr/>
+          </a:p>
+        </p:txBody>
+      </p:sp>
+      <p:sp>
+        <p:nvSpPr>
+          <p:cNvPr id="261" name="Google Shape;261;p37"/>
+          <p:cNvSpPr txBox="1"/>
+          <p:nvPr>
+            <p:ph idx="12" type="sldNum"/>
+          </p:nvPr>
+        </p:nvSpPr>
+        <p:spPr>
+          <a:xfrm>
+            <a:off x="8472458" y="4663217"/>
+            <a:ext cx="548700" cy="393600"/>
+          </a:xfrm>
+          <a:prstGeom prst="rect">
+            <a:avLst/>
+          </a:prstGeom>
+        </p:spPr>
+        <p:txBody>
+          <a:bodyPr anchorCtr="0" anchor="ctr" bIns="91425" lIns="91425" spcFirstLastPara="1" rIns="91425" wrap="square" tIns="91425">
+            <a:noAutofit/>
+          </a:bodyPr>
+          <a:lstStyle/>
+          <a:p>
+            <a:pPr indent="0" lvl="0" marL="0" rtl="0" algn="r">
+              <a:spcBef>
+                <a:spcPts val="0"/>
+              </a:spcBef>
+              <a:spcAft>
+                <a:spcPts val="0"/>
+              </a:spcAft>
+              <a:buNone/>
+            </a:pPr>
+            <a:fld id="{00000000-1234-1234-1234-123412341234}" type="slidenum">
+              <a:rPr lang="en"/>
+              <a:t>‹#›</a:t>
+            </a:fld>
             <a:endParaRPr/>
           </a:p>
         </p:txBody>
@@ -11580,7 +12804,7 @@
   <p:cSld>
     <p:spTree>
       <p:nvGrpSpPr>
-        <p:cNvPr id="65" name="Shape 65"/>
+        <p:cNvPr id="67" name="Shape 67"/>
         <p:cNvGrpSpPr/>
         <p:nvPr/>
       </p:nvGrpSpPr>
@@ -11594,7 +12818,7 @@
       </p:grpSpPr>
       <p:sp>
         <p:nvSpPr>
-          <p:cNvPr id="66" name="Google Shape;66;p15"/>
+          <p:cNvPr id="68" name="Google Shape;68;p15"/>
           <p:cNvSpPr txBox="1"/>
           <p:nvPr>
             <p:ph type="title"/>
@@ -11634,7 +12858,7 @@
       </p:sp>
       <p:sp>
         <p:nvSpPr>
-          <p:cNvPr id="67" name="Google Shape;67;p15"/>
+          <p:cNvPr id="69" name="Google Shape;69;p15"/>
           <p:cNvSpPr txBox="1"/>
           <p:nvPr>
             <p:ph idx="1" type="body"/>
@@ -12454,6 +13678,46 @@
             <a:r>
               <a:t/>
             </a:r>
+            <a:endParaRPr/>
+          </a:p>
+        </p:txBody>
+      </p:sp>
+      <p:sp>
+        <p:nvSpPr>
+          <p:cNvPr id="70" name="Google Shape;70;p15"/>
+          <p:cNvSpPr txBox="1"/>
+          <p:nvPr>
+            <p:ph idx="12" type="sldNum"/>
+          </p:nvPr>
+        </p:nvSpPr>
+        <p:spPr>
+          <a:xfrm>
+            <a:off x="8472458" y="4663217"/>
+            <a:ext cx="548700" cy="393600"/>
+          </a:xfrm>
+          <a:prstGeom prst="rect">
+            <a:avLst/>
+          </a:prstGeom>
+        </p:spPr>
+        <p:txBody>
+          <a:bodyPr anchorCtr="0" anchor="ctr" bIns="91425" lIns="91425" spcFirstLastPara="1" rIns="91425" wrap="square" tIns="91425">
+            <a:noAutofit/>
+          </a:bodyPr>
+          <a:lstStyle/>
+          <a:p>
+            <a:pPr indent="0" lvl="0" marL="0" rtl="0" algn="r">
+              <a:spcBef>
+                <a:spcPts val="0"/>
+              </a:spcBef>
+              <a:spcAft>
+                <a:spcPts val="0"/>
+              </a:spcAft>
+              <a:buNone/>
+            </a:pPr>
+            <a:fld id="{00000000-1234-1234-1234-123412341234}" type="slidenum">
+              <a:rPr lang="en"/>
+              <a:t>‹#›</a:t>
+            </a:fld>
             <a:endParaRPr/>
           </a:p>
         </p:txBody>
@@ -12471,7 +13735,7 @@
   <p:cSld>
     <p:spTree>
       <p:nvGrpSpPr>
-        <p:cNvPr id="71" name="Shape 71"/>
+        <p:cNvPr id="74" name="Shape 74"/>
         <p:cNvGrpSpPr/>
         <p:nvPr/>
       </p:nvGrpSpPr>
@@ -12485,7 +13749,7 @@
       </p:grpSpPr>
       <p:sp>
         <p:nvSpPr>
-          <p:cNvPr id="72" name="Google Shape;72;p16"/>
+          <p:cNvPr id="75" name="Google Shape;75;p16"/>
           <p:cNvSpPr txBox="1"/>
           <p:nvPr>
             <p:ph type="title"/>
@@ -12525,7 +13789,7 @@
       </p:sp>
       <p:grpSp>
         <p:nvGrpSpPr>
-          <p:cNvPr id="73" name="Google Shape;73;p16"/>
+          <p:cNvPr id="76" name="Google Shape;76;p16"/>
           <p:cNvGrpSpPr/>
           <p:nvPr/>
         </p:nvGrpSpPr>
@@ -12539,7 +13803,7 @@
         </p:grpSpPr>
         <p:sp>
           <p:nvSpPr>
-            <p:cNvPr id="74" name="Google Shape;74;p16"/>
+            <p:cNvPr id="77" name="Google Shape;77;p16"/>
             <p:cNvSpPr/>
             <p:nvPr/>
           </p:nvSpPr>
@@ -12589,7 +13853,7 @@
         </p:sp>
         <p:sp>
           <p:nvSpPr>
-            <p:cNvPr id="75" name="Google Shape;75;p16"/>
+            <p:cNvPr id="78" name="Google Shape;78;p16"/>
             <p:cNvSpPr/>
             <p:nvPr/>
           </p:nvSpPr>
@@ -12647,7 +13911,7 @@
         </p:sp>
         <p:sp>
           <p:nvSpPr>
-            <p:cNvPr id="76" name="Google Shape;76;p16"/>
+            <p:cNvPr id="79" name="Google Shape;79;p16"/>
             <p:cNvSpPr/>
             <p:nvPr/>
           </p:nvSpPr>
@@ -12697,7 +13961,7 @@
         </p:sp>
         <p:sp>
           <p:nvSpPr>
-            <p:cNvPr id="77" name="Google Shape;77;p16"/>
+            <p:cNvPr id="80" name="Google Shape;80;p16"/>
             <p:cNvSpPr/>
             <p:nvPr/>
           </p:nvSpPr>
@@ -12747,7 +14011,7 @@
         </p:sp>
         <p:sp>
           <p:nvSpPr>
-            <p:cNvPr id="78" name="Google Shape;78;p16"/>
+            <p:cNvPr id="81" name="Google Shape;81;p16"/>
             <p:cNvSpPr/>
             <p:nvPr/>
           </p:nvSpPr>
@@ -12797,7 +14061,7 @@
         </p:sp>
         <p:sp>
           <p:nvSpPr>
-            <p:cNvPr id="79" name="Google Shape;79;p16"/>
+            <p:cNvPr id="82" name="Google Shape;82;p16"/>
             <p:cNvSpPr/>
             <p:nvPr/>
           </p:nvSpPr>
@@ -12847,7 +14111,7 @@
         </p:sp>
         <p:sp>
           <p:nvSpPr>
-            <p:cNvPr id="80" name="Google Shape;80;p16"/>
+            <p:cNvPr id="83" name="Google Shape;83;p16"/>
             <p:cNvSpPr/>
             <p:nvPr/>
           </p:nvSpPr>
@@ -12897,7 +14161,7 @@
         </p:sp>
         <p:sp>
           <p:nvSpPr>
-            <p:cNvPr id="81" name="Google Shape;81;p16"/>
+            <p:cNvPr id="84" name="Google Shape;84;p16"/>
             <p:cNvSpPr/>
             <p:nvPr/>
           </p:nvSpPr>
@@ -12947,7 +14211,7 @@
         </p:sp>
         <p:sp>
           <p:nvSpPr>
-            <p:cNvPr id="82" name="Google Shape;82;p16"/>
+            <p:cNvPr id="85" name="Google Shape;85;p16"/>
             <p:cNvSpPr/>
             <p:nvPr/>
           </p:nvSpPr>
@@ -12997,7 +14261,7 @@
         </p:sp>
         <p:cxnSp>
           <p:nvCxnSpPr>
-            <p:cNvPr id="83" name="Google Shape;83;p16"/>
+            <p:cNvPr id="86" name="Google Shape;86;p16"/>
             <p:cNvCxnSpPr/>
             <p:nvPr/>
           </p:nvCxnSpPr>
@@ -13023,7 +14287,7 @@
         </p:cxnSp>
         <p:cxnSp>
           <p:nvCxnSpPr>
-            <p:cNvPr id="84" name="Google Shape;84;p16"/>
+            <p:cNvPr id="87" name="Google Shape;87;p16"/>
             <p:cNvCxnSpPr/>
             <p:nvPr/>
           </p:nvCxnSpPr>
@@ -13049,7 +14313,7 @@
         </p:cxnSp>
         <p:cxnSp>
           <p:nvCxnSpPr>
-            <p:cNvPr id="85" name="Google Shape;85;p16"/>
+            <p:cNvPr id="88" name="Google Shape;88;p16"/>
             <p:cNvCxnSpPr/>
             <p:nvPr/>
           </p:nvCxnSpPr>
@@ -13075,7 +14339,7 @@
         </p:cxnSp>
         <p:cxnSp>
           <p:nvCxnSpPr>
-            <p:cNvPr id="86" name="Google Shape;86;p16"/>
+            <p:cNvPr id="89" name="Google Shape;89;p16"/>
             <p:cNvCxnSpPr/>
             <p:nvPr/>
           </p:nvCxnSpPr>
@@ -13101,7 +14365,7 @@
         </p:cxnSp>
         <p:cxnSp>
           <p:nvCxnSpPr>
-            <p:cNvPr id="87" name="Google Shape;87;p16"/>
+            <p:cNvPr id="90" name="Google Shape;90;p16"/>
             <p:cNvCxnSpPr/>
             <p:nvPr/>
           </p:nvCxnSpPr>
@@ -13127,7 +14391,7 @@
         </p:cxnSp>
         <p:cxnSp>
           <p:nvCxnSpPr>
-            <p:cNvPr id="88" name="Google Shape;88;p16"/>
+            <p:cNvPr id="91" name="Google Shape;91;p16"/>
             <p:cNvCxnSpPr/>
             <p:nvPr/>
           </p:nvCxnSpPr>
@@ -13153,7 +14417,7 @@
         </p:cxnSp>
         <p:cxnSp>
           <p:nvCxnSpPr>
-            <p:cNvPr id="89" name="Google Shape;89;p16"/>
+            <p:cNvPr id="92" name="Google Shape;92;p16"/>
             <p:cNvCxnSpPr/>
             <p:nvPr/>
           </p:nvCxnSpPr>
@@ -13179,7 +14443,7 @@
         </p:cxnSp>
         <p:cxnSp>
           <p:nvCxnSpPr>
-            <p:cNvPr id="90" name="Google Shape;90;p16"/>
+            <p:cNvPr id="93" name="Google Shape;93;p16"/>
             <p:cNvCxnSpPr/>
             <p:nvPr/>
           </p:nvCxnSpPr>
@@ -13206,7 +14470,7 @@
       </p:grpSp>
       <p:sp>
         <p:nvSpPr>
-          <p:cNvPr id="91" name="Google Shape;91;p16"/>
+          <p:cNvPr id="94" name="Google Shape;94;p16"/>
           <p:cNvSpPr/>
           <p:nvPr/>
         </p:nvSpPr>
@@ -13256,7 +14520,7 @@
       </p:sp>
       <p:sp>
         <p:nvSpPr>
-          <p:cNvPr id="92" name="Google Shape;92;p16"/>
+          <p:cNvPr id="95" name="Google Shape;95;p16"/>
           <p:cNvSpPr/>
           <p:nvPr/>
         </p:nvSpPr>
@@ -13306,7 +14570,7 @@
       </p:sp>
       <p:sp>
         <p:nvSpPr>
-          <p:cNvPr id="93" name="Google Shape;93;p16"/>
+          <p:cNvPr id="96" name="Google Shape;96;p16"/>
           <p:cNvSpPr/>
           <p:nvPr/>
         </p:nvSpPr>
@@ -13355,7 +14619,7 @@
       </p:sp>
       <p:sp>
         <p:nvSpPr>
-          <p:cNvPr id="94" name="Google Shape;94;p16"/>
+          <p:cNvPr id="97" name="Google Shape;97;p16"/>
           <p:cNvSpPr/>
           <p:nvPr/>
         </p:nvSpPr>
@@ -13404,7 +14668,7 @@
       </p:sp>
       <p:sp>
         <p:nvSpPr>
-          <p:cNvPr id="95" name="Google Shape;95;p16"/>
+          <p:cNvPr id="98" name="Google Shape;98;p16"/>
           <p:cNvSpPr txBox="1"/>
           <p:nvPr/>
         </p:nvSpPr>
@@ -13454,7 +14718,7 @@
       </p:sp>
       <p:sp>
         <p:nvSpPr>
-          <p:cNvPr id="96" name="Google Shape;96;p16"/>
+          <p:cNvPr id="99" name="Google Shape;99;p16"/>
           <p:cNvSpPr txBox="1"/>
           <p:nvPr/>
         </p:nvSpPr>
@@ -13504,7 +14768,7 @@
       </p:sp>
       <p:sp>
         <p:nvSpPr>
-          <p:cNvPr id="97" name="Google Shape;97;p16"/>
+          <p:cNvPr id="100" name="Google Shape;100;p16"/>
           <p:cNvSpPr txBox="1"/>
           <p:nvPr/>
         </p:nvSpPr>
@@ -13554,7 +14818,7 @@
       </p:sp>
       <p:sp>
         <p:nvSpPr>
-          <p:cNvPr id="98" name="Google Shape;98;p16"/>
+          <p:cNvPr id="101" name="Google Shape;101;p16"/>
           <p:cNvSpPr/>
           <p:nvPr/>
         </p:nvSpPr>
@@ -13601,6 +14865,46 @@
           </a:p>
         </p:txBody>
       </p:sp>
+      <p:sp>
+        <p:nvSpPr>
+          <p:cNvPr id="102" name="Google Shape;102;p16"/>
+          <p:cNvSpPr txBox="1"/>
+          <p:nvPr>
+            <p:ph idx="12" type="sldNum"/>
+          </p:nvPr>
+        </p:nvSpPr>
+        <p:spPr>
+          <a:xfrm>
+            <a:off x="8472458" y="4663217"/>
+            <a:ext cx="548700" cy="393600"/>
+          </a:xfrm>
+          <a:prstGeom prst="rect">
+            <a:avLst/>
+          </a:prstGeom>
+        </p:spPr>
+        <p:txBody>
+          <a:bodyPr anchorCtr="0" anchor="ctr" bIns="91425" lIns="91425" spcFirstLastPara="1" rIns="91425" wrap="square" tIns="91425">
+            <a:noAutofit/>
+          </a:bodyPr>
+          <a:lstStyle/>
+          <a:p>
+            <a:pPr indent="0" lvl="0" marL="0" rtl="0" algn="r">
+              <a:spcBef>
+                <a:spcPts val="0"/>
+              </a:spcBef>
+              <a:spcAft>
+                <a:spcPts val="0"/>
+              </a:spcAft>
+              <a:buNone/>
+            </a:pPr>
+            <a:fld id="{00000000-1234-1234-1234-123412341234}" type="slidenum">
+              <a:rPr lang="en"/>
+              <a:t>‹#›</a:t>
+            </a:fld>
+            <a:endParaRPr/>
+          </a:p>
+        </p:txBody>
+      </p:sp>
     </p:spTree>
   </p:cSld>
   <p:clrMapOvr>
@@ -13614,7 +14918,7 @@
   <p:cSld>
     <p:spTree>
       <p:nvGrpSpPr>
-        <p:cNvPr id="102" name="Shape 102"/>
+        <p:cNvPr id="106" name="Shape 106"/>
         <p:cNvGrpSpPr/>
         <p:nvPr/>
       </p:nvGrpSpPr>
@@ -13628,7 +14932,7 @@
       </p:grpSpPr>
       <p:sp>
         <p:nvSpPr>
-          <p:cNvPr id="103" name="Google Shape;103;p17"/>
+          <p:cNvPr id="107" name="Google Shape;107;p17"/>
           <p:cNvSpPr txBox="1"/>
           <p:nvPr>
             <p:ph type="title"/>
@@ -13668,7 +14972,7 @@
       </p:sp>
       <p:sp>
         <p:nvSpPr>
-          <p:cNvPr id="104" name="Google Shape;104;p17"/>
+          <p:cNvPr id="108" name="Google Shape;108;p17"/>
           <p:cNvSpPr txBox="1"/>
           <p:nvPr>
             <p:ph idx="1" type="body"/>
@@ -13802,8 +15106,48 @@
             </a:pPr>
             <a:r>
               <a:rPr lang="en"/>
-              <a:t>We address each challenge by performing several steps as follows</a:t>
-            </a:r>
+              <a:t>I address each challenge by performing several steps as follows.</a:t>
+            </a:r>
+            <a:endParaRPr/>
+          </a:p>
+        </p:txBody>
+      </p:sp>
+      <p:sp>
+        <p:nvSpPr>
+          <p:cNvPr id="109" name="Google Shape;109;p17"/>
+          <p:cNvSpPr txBox="1"/>
+          <p:nvPr>
+            <p:ph idx="12" type="sldNum"/>
+          </p:nvPr>
+        </p:nvSpPr>
+        <p:spPr>
+          <a:xfrm>
+            <a:off x="8472458" y="4663217"/>
+            <a:ext cx="548700" cy="393600"/>
+          </a:xfrm>
+          <a:prstGeom prst="rect">
+            <a:avLst/>
+          </a:prstGeom>
+        </p:spPr>
+        <p:txBody>
+          <a:bodyPr anchorCtr="0" anchor="ctr" bIns="91425" lIns="91425" spcFirstLastPara="1" rIns="91425" wrap="square" tIns="91425">
+            <a:noAutofit/>
+          </a:bodyPr>
+          <a:lstStyle/>
+          <a:p>
+            <a:pPr indent="0" lvl="0" marL="0" rtl="0" algn="r">
+              <a:spcBef>
+                <a:spcPts val="0"/>
+              </a:spcBef>
+              <a:spcAft>
+                <a:spcPts val="0"/>
+              </a:spcAft>
+              <a:buNone/>
+            </a:pPr>
+            <a:fld id="{00000000-1234-1234-1234-123412341234}" type="slidenum">
+              <a:rPr lang="en"/>
+              <a:t>‹#›</a:t>
+            </a:fld>
             <a:endParaRPr/>
           </a:p>
         </p:txBody>
@@ -13821,7 +15165,7 @@
   <p:cSld>
     <p:spTree>
       <p:nvGrpSpPr>
-        <p:cNvPr id="108" name="Shape 108"/>
+        <p:cNvPr id="113" name="Shape 113"/>
         <p:cNvGrpSpPr/>
         <p:nvPr/>
       </p:nvGrpSpPr>
@@ -13835,7 +15179,7 @@
       </p:grpSpPr>
       <p:sp>
         <p:nvSpPr>
-          <p:cNvPr id="109" name="Google Shape;109;p18"/>
+          <p:cNvPr id="114" name="Google Shape;114;p18"/>
           <p:cNvSpPr txBox="1"/>
           <p:nvPr>
             <p:ph type="title"/>
@@ -13875,7 +15219,7 @@
       </p:sp>
       <p:sp>
         <p:nvSpPr>
-          <p:cNvPr id="110" name="Google Shape;110;p18"/>
+          <p:cNvPr id="115" name="Google Shape;115;p18"/>
           <p:cNvSpPr txBox="1"/>
           <p:nvPr>
             <p:ph idx="1" type="body"/>
@@ -14520,6 +15864,46 @@
           </a:p>
         </p:txBody>
       </p:sp>
+      <p:sp>
+        <p:nvSpPr>
+          <p:cNvPr id="116" name="Google Shape;116;p18"/>
+          <p:cNvSpPr txBox="1"/>
+          <p:nvPr>
+            <p:ph idx="12" type="sldNum"/>
+          </p:nvPr>
+        </p:nvSpPr>
+        <p:spPr>
+          <a:xfrm>
+            <a:off x="8472458" y="4663217"/>
+            <a:ext cx="548700" cy="393600"/>
+          </a:xfrm>
+          <a:prstGeom prst="rect">
+            <a:avLst/>
+          </a:prstGeom>
+        </p:spPr>
+        <p:txBody>
+          <a:bodyPr anchorCtr="0" anchor="ctr" bIns="91425" lIns="91425" spcFirstLastPara="1" rIns="91425" wrap="square" tIns="91425">
+            <a:noAutofit/>
+          </a:bodyPr>
+          <a:lstStyle/>
+          <a:p>
+            <a:pPr indent="0" lvl="0" marL="0" rtl="0" algn="r">
+              <a:spcBef>
+                <a:spcPts val="0"/>
+              </a:spcBef>
+              <a:spcAft>
+                <a:spcPts val="0"/>
+              </a:spcAft>
+              <a:buNone/>
+            </a:pPr>
+            <a:fld id="{00000000-1234-1234-1234-123412341234}" type="slidenum">
+              <a:rPr lang="en"/>
+              <a:t>‹#›</a:t>
+            </a:fld>
+            <a:endParaRPr/>
+          </a:p>
+        </p:txBody>
+      </p:sp>
     </p:spTree>
   </p:cSld>
   <p:clrMapOvr>
@@ -14529,99 +15913,6 @@
 </file>
 
 <file path=ppt/slides/slide7.xml><?xml version="1.0" encoding="utf-8"?>
-<p:sld xmlns:a="http://schemas.openxmlformats.org/drawingml/2006/main" xmlns:r="http://schemas.openxmlformats.org/officeDocument/2006/relationships" xmlns:mc="http://schemas.openxmlformats.org/markup-compatibility/2006" xmlns:mv="urn:schemas-microsoft-com:mac:vml" xmlns:p="http://schemas.openxmlformats.org/presentationml/2006/main" xmlns:c="http://schemas.openxmlformats.org/drawingml/2006/chart" xmlns:dgm="http://schemas.openxmlformats.org/drawingml/2006/diagram" xmlns:o="urn:schemas-microsoft-com:office:office" xmlns:v="urn:schemas-microsoft-com:vml" xmlns:pvml="urn:schemas-microsoft-com:office:powerpoint" xmlns:com="http://schemas.openxmlformats.org/drawingml/2006/compatibility" xmlns:p14="http://schemas.microsoft.com/office/powerpoint/2010/main" xmlns:p15="http://schemas.microsoft.com/office/powerpoint/2012/main" xmlns:ahyp="http://schemas.microsoft.com/office/drawing/2018/hyperlinkcolor">
-  <p:cSld>
-    <p:spTree>
-      <p:nvGrpSpPr>
-        <p:cNvPr id="114" name="Shape 114"/>
-        <p:cNvGrpSpPr/>
-        <p:nvPr/>
-      </p:nvGrpSpPr>
-      <p:grpSpPr>
-        <a:xfrm>
-          <a:off x="0" y="0"/>
-          <a:ext cx="0" cy="0"/>
-          <a:chOff x="0" y="0"/>
-          <a:chExt cx="0" cy="0"/>
-        </a:xfrm>
-      </p:grpSpPr>
-      <p:sp>
-        <p:nvSpPr>
-          <p:cNvPr id="115" name="Google Shape;115;p19"/>
-          <p:cNvSpPr txBox="1"/>
-          <p:nvPr>
-            <p:ph type="title"/>
-          </p:nvPr>
-        </p:nvSpPr>
-        <p:spPr>
-          <a:xfrm>
-            <a:off x="311700" y="445025"/>
-            <a:ext cx="8520600" cy="572700"/>
-          </a:xfrm>
-          <a:prstGeom prst="rect">
-            <a:avLst/>
-          </a:prstGeom>
-        </p:spPr>
-        <p:txBody>
-          <a:bodyPr anchorCtr="0" anchor="t" bIns="91425" lIns="91425" spcFirstLastPara="1" rIns="91425" wrap="square" tIns="91425">
-            <a:noAutofit/>
-          </a:bodyPr>
-          <a:lstStyle/>
-          <a:p>
-            <a:pPr indent="0" lvl="0" marL="0" rtl="0" algn="l">
-              <a:spcBef>
-                <a:spcPts val="0"/>
-              </a:spcBef>
-              <a:spcAft>
-                <a:spcPts val="0"/>
-              </a:spcAft>
-              <a:buNone/>
-            </a:pPr>
-            <a:r>
-              <a:rPr lang="en"/>
-              <a:t>Preprocessing- Imputation  (Code)</a:t>
-            </a:r>
-            <a:endParaRPr/>
-          </a:p>
-        </p:txBody>
-      </p:sp>
-      <p:pic>
-        <p:nvPicPr>
-          <p:cNvPr id="116" name="Google Shape;116;p19"/>
-          <p:cNvPicPr preferRelativeResize="0"/>
-          <p:nvPr/>
-        </p:nvPicPr>
-        <p:blipFill>
-          <a:blip r:embed="rId3">
-            <a:alphaModFix/>
-          </a:blip>
-          <a:stretch>
-            <a:fillRect/>
-          </a:stretch>
-        </p:blipFill>
-        <p:spPr>
-          <a:xfrm>
-            <a:off x="482300" y="1241425"/>
-            <a:ext cx="7600950" cy="3238500"/>
-          </a:xfrm>
-          <a:prstGeom prst="rect">
-            <a:avLst/>
-          </a:prstGeom>
-          <a:noFill/>
-          <a:ln>
-            <a:noFill/>
-          </a:ln>
-        </p:spPr>
-      </p:pic>
-    </p:spTree>
-  </p:cSld>
-  <p:clrMapOvr>
-    <a:masterClrMapping/>
-  </p:clrMapOvr>
-</p:sld>
-</file>
-
-<file path=ppt/slides/slide8.xml><?xml version="1.0" encoding="utf-8"?>
 <p:sld xmlns:a="http://schemas.openxmlformats.org/drawingml/2006/main" xmlns:r="http://schemas.openxmlformats.org/officeDocument/2006/relationships" xmlns:mc="http://schemas.openxmlformats.org/markup-compatibility/2006" xmlns:mv="urn:schemas-microsoft-com:mac:vml" xmlns:p="http://schemas.openxmlformats.org/presentationml/2006/main" xmlns:c="http://schemas.openxmlformats.org/drawingml/2006/chart" xmlns:dgm="http://schemas.openxmlformats.org/drawingml/2006/diagram" xmlns:o="urn:schemas-microsoft-com:office:office" xmlns:v="urn:schemas-microsoft-com:vml" xmlns:pvml="urn:schemas-microsoft-com:office:powerpoint" xmlns:com="http://schemas.openxmlformats.org/drawingml/2006/compatibility" xmlns:p14="http://schemas.microsoft.com/office/powerpoint/2010/main" xmlns:p15="http://schemas.microsoft.com/office/powerpoint/2012/main" xmlns:ahyp="http://schemas.microsoft.com/office/drawing/2018/hyperlinkcolor">
   <p:cSld>
     <p:spTree>
@@ -14640,7 +15931,7 @@
       </p:grpSpPr>
       <p:sp>
         <p:nvSpPr>
-          <p:cNvPr id="121" name="Google Shape;121;p20"/>
+          <p:cNvPr id="121" name="Google Shape;121;p19"/>
           <p:cNvSpPr txBox="1"/>
           <p:nvPr>
             <p:ph type="title"/>
@@ -14672,6 +15963,139 @@
             </a:pPr>
             <a:r>
               <a:rPr lang="en"/>
+              <a:t>Preprocessing- Imputation  (Code)</a:t>
+            </a:r>
+            <a:endParaRPr/>
+          </a:p>
+        </p:txBody>
+      </p:sp>
+      <p:pic>
+        <p:nvPicPr>
+          <p:cNvPr id="122" name="Google Shape;122;p19"/>
+          <p:cNvPicPr preferRelativeResize="0"/>
+          <p:nvPr/>
+        </p:nvPicPr>
+        <p:blipFill>
+          <a:blip r:embed="rId3">
+            <a:alphaModFix/>
+          </a:blip>
+          <a:stretch>
+            <a:fillRect/>
+          </a:stretch>
+        </p:blipFill>
+        <p:spPr>
+          <a:xfrm>
+            <a:off x="482300" y="1241425"/>
+            <a:ext cx="7600950" cy="3238500"/>
+          </a:xfrm>
+          <a:prstGeom prst="rect">
+            <a:avLst/>
+          </a:prstGeom>
+          <a:noFill/>
+          <a:ln>
+            <a:noFill/>
+          </a:ln>
+        </p:spPr>
+      </p:pic>
+      <p:sp>
+        <p:nvSpPr>
+          <p:cNvPr id="123" name="Google Shape;123;p19"/>
+          <p:cNvSpPr txBox="1"/>
+          <p:nvPr>
+            <p:ph idx="12" type="sldNum"/>
+          </p:nvPr>
+        </p:nvSpPr>
+        <p:spPr>
+          <a:xfrm>
+            <a:off x="8472458" y="4663217"/>
+            <a:ext cx="548700" cy="393600"/>
+          </a:xfrm>
+          <a:prstGeom prst="rect">
+            <a:avLst/>
+          </a:prstGeom>
+        </p:spPr>
+        <p:txBody>
+          <a:bodyPr anchorCtr="0" anchor="ctr" bIns="91425" lIns="91425" spcFirstLastPara="1" rIns="91425" wrap="square" tIns="91425">
+            <a:noAutofit/>
+          </a:bodyPr>
+          <a:lstStyle/>
+          <a:p>
+            <a:pPr indent="0" lvl="0" marL="0" rtl="0" algn="r">
+              <a:spcBef>
+                <a:spcPts val="0"/>
+              </a:spcBef>
+              <a:spcAft>
+                <a:spcPts val="0"/>
+              </a:spcAft>
+              <a:buNone/>
+            </a:pPr>
+            <a:fld id="{00000000-1234-1234-1234-123412341234}" type="slidenum">
+              <a:rPr lang="en"/>
+              <a:t>‹#›</a:t>
+            </a:fld>
+            <a:endParaRPr/>
+          </a:p>
+        </p:txBody>
+      </p:sp>
+    </p:spTree>
+  </p:cSld>
+  <p:clrMapOvr>
+    <a:masterClrMapping/>
+  </p:clrMapOvr>
+</p:sld>
+</file>
+
+<file path=ppt/slides/slide8.xml><?xml version="1.0" encoding="utf-8"?>
+<p:sld xmlns:a="http://schemas.openxmlformats.org/drawingml/2006/main" xmlns:r="http://schemas.openxmlformats.org/officeDocument/2006/relationships" xmlns:mc="http://schemas.openxmlformats.org/markup-compatibility/2006" xmlns:mv="urn:schemas-microsoft-com:mac:vml" xmlns:p="http://schemas.openxmlformats.org/presentationml/2006/main" xmlns:c="http://schemas.openxmlformats.org/drawingml/2006/chart" xmlns:dgm="http://schemas.openxmlformats.org/drawingml/2006/diagram" xmlns:o="urn:schemas-microsoft-com:office:office" xmlns:v="urn:schemas-microsoft-com:vml" xmlns:pvml="urn:schemas-microsoft-com:office:powerpoint" xmlns:com="http://schemas.openxmlformats.org/drawingml/2006/compatibility" xmlns:p14="http://schemas.microsoft.com/office/powerpoint/2010/main" xmlns:p15="http://schemas.microsoft.com/office/powerpoint/2012/main" xmlns:ahyp="http://schemas.microsoft.com/office/drawing/2018/hyperlinkcolor">
+  <p:cSld>
+    <p:spTree>
+      <p:nvGrpSpPr>
+        <p:cNvPr id="127" name="Shape 127"/>
+        <p:cNvGrpSpPr/>
+        <p:nvPr/>
+      </p:nvGrpSpPr>
+      <p:grpSpPr>
+        <a:xfrm>
+          <a:off x="0" y="0"/>
+          <a:ext cx="0" cy="0"/>
+          <a:chOff x="0" y="0"/>
+          <a:chExt cx="0" cy="0"/>
+        </a:xfrm>
+      </p:grpSpPr>
+      <p:sp>
+        <p:nvSpPr>
+          <p:cNvPr id="128" name="Google Shape;128;p20"/>
+          <p:cNvSpPr txBox="1"/>
+          <p:nvPr>
+            <p:ph type="title"/>
+          </p:nvPr>
+        </p:nvSpPr>
+        <p:spPr>
+          <a:xfrm>
+            <a:off x="311700" y="445025"/>
+            <a:ext cx="8520600" cy="572700"/>
+          </a:xfrm>
+          <a:prstGeom prst="rect">
+            <a:avLst/>
+          </a:prstGeom>
+        </p:spPr>
+        <p:txBody>
+          <a:bodyPr anchorCtr="0" anchor="t" bIns="91425" lIns="91425" spcFirstLastPara="1" rIns="91425" wrap="square" tIns="91425">
+            <a:noAutofit/>
+          </a:bodyPr>
+          <a:lstStyle/>
+          <a:p>
+            <a:pPr indent="0" lvl="0" marL="0" rtl="0" algn="l">
+              <a:spcBef>
+                <a:spcPts val="0"/>
+              </a:spcBef>
+              <a:spcAft>
+                <a:spcPts val="0"/>
+              </a:spcAft>
+              <a:buNone/>
+            </a:pPr>
+            <a:r>
+              <a:rPr lang="en"/>
               <a:t>Preprocessing- Imbalanced Classes</a:t>
             </a:r>
             <a:endParaRPr/>
@@ -14680,7 +16104,7 @@
       </p:sp>
       <p:sp>
         <p:nvSpPr>
-          <p:cNvPr id="122" name="Google Shape;122;p20"/>
+          <p:cNvPr id="129" name="Google Shape;129;p20"/>
           <p:cNvSpPr txBox="1"/>
           <p:nvPr>
             <p:ph idx="1" type="body"/>
@@ -14773,7 +16197,7 @@
                   <a:srgbClr val="000000"/>
                 </a:solidFill>
               </a:rPr>
-              <a:t>6787 a is_activcated=0</a:t>
+              <a:t>6787 as is_activcated=0</a:t>
             </a:r>
             <a:endParaRPr>
               <a:solidFill>
@@ -14823,8 +16247,56 @@
             </a:r>
             <a:r>
               <a:rPr lang="en"/>
-              <a:t> methods rather than the under-sampling method; but I also slightly adjusted the weights to improve the convergence of the model towards giving more importance to activated data (0.75 vs. 1). This could vary based on the goal of the model, that I will later discuss. </a:t>
-            </a:r>
+              <a:t> methods rather than the under-sampling method; but I also slightly adjusted the weights to improve the convergence of the model towards giving more importance to the </a:t>
+            </a:r>
+            <a:r>
+              <a:rPr i="1" lang="en"/>
+              <a:t>is_activated</a:t>
+            </a:r>
+            <a:r>
+              <a:rPr lang="en"/>
+              <a:t> data (0.85 vs. 1). This could vary based on the goal of the model, that I will later discuss. </a:t>
+            </a:r>
+            <a:endParaRPr/>
+          </a:p>
+        </p:txBody>
+      </p:sp>
+      <p:sp>
+        <p:nvSpPr>
+          <p:cNvPr id="130" name="Google Shape;130;p20"/>
+          <p:cNvSpPr txBox="1"/>
+          <p:nvPr>
+            <p:ph idx="12" type="sldNum"/>
+          </p:nvPr>
+        </p:nvSpPr>
+        <p:spPr>
+          <a:xfrm>
+            <a:off x="8472458" y="4663217"/>
+            <a:ext cx="548700" cy="393600"/>
+          </a:xfrm>
+          <a:prstGeom prst="rect">
+            <a:avLst/>
+          </a:prstGeom>
+        </p:spPr>
+        <p:txBody>
+          <a:bodyPr anchorCtr="0" anchor="ctr" bIns="91425" lIns="91425" spcFirstLastPara="1" rIns="91425" wrap="square" tIns="91425">
+            <a:noAutofit/>
+          </a:bodyPr>
+          <a:lstStyle/>
+          <a:p>
+            <a:pPr indent="0" lvl="0" marL="0" rtl="0" algn="r">
+              <a:spcBef>
+                <a:spcPts val="0"/>
+              </a:spcBef>
+              <a:spcAft>
+                <a:spcPts val="0"/>
+              </a:spcAft>
+              <a:buNone/>
+            </a:pPr>
+            <a:fld id="{00000000-1234-1234-1234-123412341234}" type="slidenum">
+              <a:rPr lang="en"/>
+              <a:t>‹#›</a:t>
+            </a:fld>
             <a:endParaRPr/>
           </a:p>
         </p:txBody>
@@ -14842,7 +16314,7 @@
   <p:cSld>
     <p:spTree>
       <p:nvGrpSpPr>
-        <p:cNvPr id="126" name="Shape 126"/>
+        <p:cNvPr id="134" name="Shape 134"/>
         <p:cNvGrpSpPr/>
         <p:nvPr/>
       </p:nvGrpSpPr>
@@ -14856,7 +16328,7 @@
       </p:grpSpPr>
       <p:sp>
         <p:nvSpPr>
-          <p:cNvPr id="127" name="Google Shape;127;p21"/>
+          <p:cNvPr id="135" name="Google Shape;135;p21"/>
           <p:cNvSpPr txBox="1"/>
           <p:nvPr>
             <p:ph type="title"/>
@@ -14896,7 +16368,7 @@
       </p:sp>
       <p:sp>
         <p:nvSpPr>
-          <p:cNvPr id="128" name="Google Shape;128;p21"/>
+          <p:cNvPr id="136" name="Google Shape;136;p21"/>
           <p:cNvSpPr txBox="1"/>
           <p:nvPr>
             <p:ph idx="1" type="body"/>
@@ -14935,7 +16407,7 @@
       </p:sp>
       <p:pic>
         <p:nvPicPr>
-          <p:cNvPr id="129" name="Google Shape;129;p21"/>
+          <p:cNvPr id="137" name="Google Shape;137;p21"/>
           <p:cNvPicPr preferRelativeResize="0"/>
           <p:nvPr/>
         </p:nvPicPr>
@@ -14961,6 +16433,46 @@
           </a:ln>
         </p:spPr>
       </p:pic>
+      <p:sp>
+        <p:nvSpPr>
+          <p:cNvPr id="138" name="Google Shape;138;p21"/>
+          <p:cNvSpPr txBox="1"/>
+          <p:nvPr>
+            <p:ph idx="12" type="sldNum"/>
+          </p:nvPr>
+        </p:nvSpPr>
+        <p:spPr>
+          <a:xfrm>
+            <a:off x="8472458" y="4663217"/>
+            <a:ext cx="548700" cy="393600"/>
+          </a:xfrm>
+          <a:prstGeom prst="rect">
+            <a:avLst/>
+          </a:prstGeom>
+        </p:spPr>
+        <p:txBody>
+          <a:bodyPr anchorCtr="0" anchor="ctr" bIns="91425" lIns="91425" spcFirstLastPara="1" rIns="91425" wrap="square" tIns="91425">
+            <a:noAutofit/>
+          </a:bodyPr>
+          <a:lstStyle/>
+          <a:p>
+            <a:pPr indent="0" lvl="0" marL="0" rtl="0" algn="r">
+              <a:spcBef>
+                <a:spcPts val="0"/>
+              </a:spcBef>
+              <a:spcAft>
+                <a:spcPts val="0"/>
+              </a:spcAft>
+              <a:buNone/>
+            </a:pPr>
+            <a:fld id="{00000000-1234-1234-1234-123412341234}" type="slidenum">
+              <a:rPr lang="en"/>
+              <a:t>‹#›</a:t>
+            </a:fld>
+            <a:endParaRPr/>
+          </a:p>
+        </p:txBody>
+      </p:sp>
     </p:spTree>
   </p:cSld>
   <p:clrMapOvr>

--- a/DS Growth Case Study.pptx
+++ b/DS Growth Case Study.pptx
@@ -11253,7 +11253,7 @@
             <a:tbl>
               <a:tblPr>
                 <a:noFill/>
-                <a:tableStyleId>{18485418-B890-48D1-B60B-79E1ED3F6D7A}</a:tableStyleId>
+                <a:tableStyleId>{234C2C9D-227B-4564-BB0D-0C8193E81364}</a:tableStyleId>
               </a:tblPr>
               <a:tblGrid>
                 <a:gridCol w="1009500"/>
@@ -16482,6 +16482,285 @@
 </file>
 
 <file path=ppt/theme/theme1.xml><?xml version="1.0" encoding="utf-8"?>
+<a:theme xmlns:a="http://schemas.openxmlformats.org/drawingml/2006/main" xmlns:r="http://schemas.openxmlformats.org/officeDocument/2006/relationships" name="Simple Light">
+  <a:themeElements>
+    <a:clrScheme name="Simple Light">
+      <a:dk1>
+        <a:srgbClr val="000000"/>
+      </a:dk1>
+      <a:lt1>
+        <a:srgbClr val="FFFFFF"/>
+      </a:lt1>
+      <a:dk2>
+        <a:srgbClr val="595959"/>
+      </a:dk2>
+      <a:lt2>
+        <a:srgbClr val="EEEEEE"/>
+      </a:lt2>
+      <a:accent1>
+        <a:srgbClr val="FFAB40"/>
+      </a:accent1>
+      <a:accent2>
+        <a:srgbClr val="212121"/>
+      </a:accent2>
+      <a:accent3>
+        <a:srgbClr val="78909C"/>
+      </a:accent3>
+      <a:accent4>
+        <a:srgbClr val="FFAB40"/>
+      </a:accent4>
+      <a:accent5>
+        <a:srgbClr val="0097A7"/>
+      </a:accent5>
+      <a:accent6>
+        <a:srgbClr val="EEFF41"/>
+      </a:accent6>
+      <a:hlink>
+        <a:srgbClr val="0097A7"/>
+      </a:hlink>
+      <a:folHlink>
+        <a:srgbClr val="0097A7"/>
+      </a:folHlink>
+    </a:clrScheme>
+    <a:fontScheme name="Office">
+      <a:majorFont>
+        <a:latin typeface="Arial"/>
+        <a:ea typeface=""/>
+        <a:cs typeface=""/>
+        <a:font script="Jpan" typeface="ＭＳ Ｐゴシック"/>
+        <a:font script="Hang" typeface="맑은 고딕"/>
+        <a:font script="Hans" typeface="宋体"/>
+        <a:font script="Hant" typeface="新細明體"/>
+        <a:font script="Arab" typeface="Times New Roman"/>
+        <a:font script="Hebr" typeface="Times New Roman"/>
+        <a:font script="Thai" typeface="Angsana New"/>
+        <a:font script="Ethi" typeface="Nyala"/>
+        <a:font script="Beng" typeface="Vrinda"/>
+        <a:font script="Gujr" typeface="Shruti"/>
+        <a:font script="Khmr" typeface="MoolBoran"/>
+        <a:font script="Knda" typeface="Tunga"/>
+        <a:font script="Guru" typeface="Raavi"/>
+        <a:font script="Cans" typeface="Euphemia"/>
+        <a:font script="Cher" typeface="Plantagenet Cherokee"/>
+        <a:font script="Yiii" typeface="Microsoft Yi Baiti"/>
+        <a:font script="Tibt" typeface="Microsoft Himalaya"/>
+        <a:font script="Thaa" typeface="MV Boli"/>
+        <a:font script="Deva" typeface="Mangal"/>
+        <a:font script="Telu" typeface="Gautami"/>
+        <a:font script="Taml" typeface="Latha"/>
+        <a:font script="Syrc" typeface="Estrangelo Edessa"/>
+        <a:font script="Orya" typeface="Kalinga"/>
+        <a:font script="Mlym" typeface="Kartika"/>
+        <a:font script="Laoo" typeface="DokChampa"/>
+        <a:font script="Sinh" typeface="Iskoola Pota"/>
+        <a:font script="Mong" typeface="Mongolian Baiti"/>
+        <a:font script="Viet" typeface="Times New Roman"/>
+        <a:font script="Uigh" typeface="Microsoft Uighur"/>
+        <a:font script="Geor" typeface="Sylfaen"/>
+      </a:majorFont>
+      <a:minorFont>
+        <a:latin typeface="Arial"/>
+        <a:ea typeface=""/>
+        <a:cs typeface=""/>
+        <a:font script="Jpan" typeface="ＭＳ Ｐゴシック"/>
+        <a:font script="Hang" typeface="맑은 고딕"/>
+        <a:font script="Hans" typeface="宋体"/>
+        <a:font script="Hant" typeface="新細明體"/>
+        <a:font script="Arab" typeface="Arial"/>
+        <a:font script="Hebr" typeface="Arial"/>
+        <a:font script="Thai" typeface="Cordia New"/>
+        <a:font script="Ethi" typeface="Nyala"/>
+        <a:font script="Beng" typeface="Vrinda"/>
+        <a:font script="Gujr" typeface="Shruti"/>
+        <a:font script="Khmr" typeface="DaunPenh"/>
+        <a:font script="Knda" typeface="Tunga"/>
+        <a:font script="Guru" typeface="Raavi"/>
+        <a:font script="Cans" typeface="Euphemia"/>
+        <a:font script="Cher" typeface="Plantagenet Cherokee"/>
+        <a:font script="Yiii" typeface="Microsoft Yi Baiti"/>
+        <a:font script="Tibt" typeface="Microsoft Himalaya"/>
+        <a:font script="Thaa" typeface="MV Boli"/>
+        <a:font script="Deva" typeface="Mangal"/>
+        <a:font script="Telu" typeface="Gautami"/>
+        <a:font script="Taml" typeface="Latha"/>
+        <a:font script="Syrc" typeface="Estrangelo Edessa"/>
+        <a:font script="Orya" typeface="Kalinga"/>
+        <a:font script="Mlym" typeface="Kartika"/>
+        <a:font script="Laoo" typeface="DokChampa"/>
+        <a:font script="Sinh" typeface="Iskoola Pota"/>
+        <a:font script="Mong" typeface="Mongolian Baiti"/>
+        <a:font script="Viet" typeface="Arial"/>
+        <a:font script="Uigh" typeface="Microsoft Uighur"/>
+        <a:font script="Geor" typeface="Sylfaen"/>
+      </a:minorFont>
+    </a:fontScheme>
+    <a:fmtScheme name="Office">
+      <a:fillStyleLst>
+        <a:solidFill>
+          <a:schemeClr val="phClr"/>
+        </a:solidFill>
+        <a:gradFill rotWithShape="1">
+          <a:gsLst>
+            <a:gs pos="0">
+              <a:schemeClr val="phClr">
+                <a:tint val="50000"/>
+                <a:satMod val="300000"/>
+              </a:schemeClr>
+            </a:gs>
+            <a:gs pos="35000">
+              <a:schemeClr val="phClr">
+                <a:tint val="37000"/>
+                <a:satMod val="300000"/>
+              </a:schemeClr>
+            </a:gs>
+            <a:gs pos="100000">
+              <a:schemeClr val="phClr">
+                <a:tint val="15000"/>
+                <a:satMod val="350000"/>
+              </a:schemeClr>
+            </a:gs>
+          </a:gsLst>
+          <a:lin ang="16200000" scaled="1"/>
+        </a:gradFill>
+        <a:gradFill rotWithShape="1">
+          <a:gsLst>
+            <a:gs pos="0">
+              <a:schemeClr val="phClr">
+                <a:tint val="100000"/>
+                <a:shade val="100000"/>
+                <a:satMod val="130000"/>
+              </a:schemeClr>
+            </a:gs>
+            <a:gs pos="100000">
+              <a:schemeClr val="phClr">
+                <a:tint val="50000"/>
+                <a:shade val="100000"/>
+                <a:satMod val="350000"/>
+              </a:schemeClr>
+            </a:gs>
+          </a:gsLst>
+          <a:lin ang="16200000" scaled="0"/>
+        </a:gradFill>
+      </a:fillStyleLst>
+      <a:lnStyleLst>
+        <a:ln w="9525" cap="flat" cmpd="sng" algn="ctr">
+          <a:solidFill>
+            <a:schemeClr val="phClr">
+              <a:shade val="95000"/>
+              <a:satMod val="105000"/>
+            </a:schemeClr>
+          </a:solidFill>
+          <a:prstDash val="solid"/>
+        </a:ln>
+        <a:ln w="25400" cap="flat" cmpd="sng" algn="ctr">
+          <a:solidFill>
+            <a:schemeClr val="phClr"/>
+          </a:solidFill>
+          <a:prstDash val="solid"/>
+        </a:ln>
+        <a:ln w="38100" cap="flat" cmpd="sng" algn="ctr">
+          <a:solidFill>
+            <a:schemeClr val="phClr"/>
+          </a:solidFill>
+          <a:prstDash val="solid"/>
+        </a:ln>
+      </a:lnStyleLst>
+      <a:effectStyleLst>
+        <a:effectStyle>
+          <a:effectLst>
+            <a:outerShdw blurRad="40000" dist="20000" dir="5400000" rotWithShape="0">
+              <a:srgbClr val="000000">
+                <a:alpha val="38000"/>
+              </a:srgbClr>
+            </a:outerShdw>
+          </a:effectLst>
+        </a:effectStyle>
+        <a:effectStyle>
+          <a:effectLst>
+            <a:outerShdw blurRad="40000" dist="23000" dir="5400000" rotWithShape="0">
+              <a:srgbClr val="000000">
+                <a:alpha val="35000"/>
+              </a:srgbClr>
+            </a:outerShdw>
+          </a:effectLst>
+        </a:effectStyle>
+        <a:effectStyle>
+          <a:effectLst>
+            <a:outerShdw blurRad="40000" dist="23000" dir="5400000" rotWithShape="0">
+              <a:srgbClr val="000000">
+                <a:alpha val="35000"/>
+              </a:srgbClr>
+            </a:outerShdw>
+          </a:effectLst>
+          <a:scene3d>
+            <a:camera prst="orthographicFront">
+              <a:rot lat="0" lon="0" rev="0"/>
+            </a:camera>
+            <a:lightRig rig="threePt" dir="t">
+              <a:rot lat="0" lon="0" rev="1200000"/>
+            </a:lightRig>
+          </a:scene3d>
+          <a:sp3d>
+            <a:bevelT w="63500" h="25400"/>
+          </a:sp3d>
+        </a:effectStyle>
+      </a:effectStyleLst>
+      <a:bgFillStyleLst>
+        <a:solidFill>
+          <a:schemeClr val="phClr"/>
+        </a:solidFill>
+        <a:gradFill rotWithShape="1">
+          <a:gsLst>
+            <a:gs pos="0">
+              <a:schemeClr val="phClr">
+                <a:tint val="40000"/>
+                <a:satMod val="350000"/>
+              </a:schemeClr>
+            </a:gs>
+            <a:gs pos="40000">
+              <a:schemeClr val="phClr">
+                <a:tint val="45000"/>
+                <a:shade val="99000"/>
+                <a:satMod val="350000"/>
+              </a:schemeClr>
+            </a:gs>
+            <a:gs pos="100000">
+              <a:schemeClr val="phClr">
+                <a:shade val="20000"/>
+                <a:satMod val="255000"/>
+              </a:schemeClr>
+            </a:gs>
+          </a:gsLst>
+          <a:path path="circle">
+            <a:fillToRect l="50000" t="-80000" r="50000" b="180000"/>
+          </a:path>
+        </a:gradFill>
+        <a:gradFill rotWithShape="1">
+          <a:gsLst>
+            <a:gs pos="0">
+              <a:schemeClr val="phClr">
+                <a:tint val="80000"/>
+                <a:satMod val="300000"/>
+              </a:schemeClr>
+            </a:gs>
+            <a:gs pos="100000">
+              <a:schemeClr val="phClr">
+                <a:shade val="30000"/>
+                <a:satMod val="200000"/>
+              </a:schemeClr>
+            </a:gs>
+          </a:gsLst>
+          <a:path path="circle">
+            <a:fillToRect l="50000" t="50000" r="50000" b="50000"/>
+          </a:path>
+        </a:gradFill>
+      </a:bgFillStyleLst>
+    </a:fmtScheme>
+  </a:themeElements>
+</a:theme>
+</file>
+
+<file path=ppt/theme/theme2.xml><?xml version="1.0" encoding="utf-8"?>
 <a:theme xmlns:a="http://schemas.openxmlformats.org/drawingml/2006/main" xmlns:r="http://schemas.openxmlformats.org/officeDocument/2006/relationships">
   <a:themeElements>
     <a:clrScheme name="Default">
@@ -16758,283 +17037,4 @@
     </a:fmtScheme>
   </a:themeElements>
 </a:theme>
-</file>
-
-<file path=ppt/theme/theme2.xml><?xml version="1.0" encoding="utf-8"?>
-<a:theme xmlns:a="http://schemas.openxmlformats.org/drawingml/2006/main" xmlns:r="http://schemas.openxmlformats.org/officeDocument/2006/relationships" name="Simple Light">
-  <a:themeElements>
-    <a:clrScheme name="Simple Light">
-      <a:dk1>
-        <a:srgbClr val="000000"/>
-      </a:dk1>
-      <a:lt1>
-        <a:srgbClr val="FFFFFF"/>
-      </a:lt1>
-      <a:dk2>
-        <a:srgbClr val="595959"/>
-      </a:dk2>
-      <a:lt2>
-        <a:srgbClr val="EEEEEE"/>
-      </a:lt2>
-      <a:accent1>
-        <a:srgbClr val="FFAB40"/>
-      </a:accent1>
-      <a:accent2>
-        <a:srgbClr val="212121"/>
-      </a:accent2>
-      <a:accent3>
-        <a:srgbClr val="78909C"/>
-      </a:accent3>
-      <a:accent4>
-        <a:srgbClr val="FFAB40"/>
-      </a:accent4>
-      <a:accent5>
-        <a:srgbClr val="0097A7"/>
-      </a:accent5>
-      <a:accent6>
-        <a:srgbClr val="EEFF41"/>
-      </a:accent6>
-      <a:hlink>
-        <a:srgbClr val="0097A7"/>
-      </a:hlink>
-      <a:folHlink>
-        <a:srgbClr val="0097A7"/>
-      </a:folHlink>
-    </a:clrScheme>
-    <a:fontScheme name="Office">
-      <a:majorFont>
-        <a:latin typeface="Arial"/>
-        <a:ea typeface=""/>
-        <a:cs typeface=""/>
-        <a:font script="Jpan" typeface="ＭＳ Ｐゴシック"/>
-        <a:font script="Hang" typeface="맑은 고딕"/>
-        <a:font script="Hans" typeface="宋体"/>
-        <a:font script="Hant" typeface="新細明體"/>
-        <a:font script="Arab" typeface="Times New Roman"/>
-        <a:font script="Hebr" typeface="Times New Roman"/>
-        <a:font script="Thai" typeface="Angsana New"/>
-        <a:font script="Ethi" typeface="Nyala"/>
-        <a:font script="Beng" typeface="Vrinda"/>
-        <a:font script="Gujr" typeface="Shruti"/>
-        <a:font script="Khmr" typeface="MoolBoran"/>
-        <a:font script="Knda" typeface="Tunga"/>
-        <a:font script="Guru" typeface="Raavi"/>
-        <a:font script="Cans" typeface="Euphemia"/>
-        <a:font script="Cher" typeface="Plantagenet Cherokee"/>
-        <a:font script="Yiii" typeface="Microsoft Yi Baiti"/>
-        <a:font script="Tibt" typeface="Microsoft Himalaya"/>
-        <a:font script="Thaa" typeface="MV Boli"/>
-        <a:font script="Deva" typeface="Mangal"/>
-        <a:font script="Telu" typeface="Gautami"/>
-        <a:font script="Taml" typeface="Latha"/>
-        <a:font script="Syrc" typeface="Estrangelo Edessa"/>
-        <a:font script="Orya" typeface="Kalinga"/>
-        <a:font script="Mlym" typeface="Kartika"/>
-        <a:font script="Laoo" typeface="DokChampa"/>
-        <a:font script="Sinh" typeface="Iskoola Pota"/>
-        <a:font script="Mong" typeface="Mongolian Baiti"/>
-        <a:font script="Viet" typeface="Times New Roman"/>
-        <a:font script="Uigh" typeface="Microsoft Uighur"/>
-        <a:font script="Geor" typeface="Sylfaen"/>
-      </a:majorFont>
-      <a:minorFont>
-        <a:latin typeface="Arial"/>
-        <a:ea typeface=""/>
-        <a:cs typeface=""/>
-        <a:font script="Jpan" typeface="ＭＳ Ｐゴシック"/>
-        <a:font script="Hang" typeface="맑은 고딕"/>
-        <a:font script="Hans" typeface="宋体"/>
-        <a:font script="Hant" typeface="新細明體"/>
-        <a:font script="Arab" typeface="Arial"/>
-        <a:font script="Hebr" typeface="Arial"/>
-        <a:font script="Thai" typeface="Cordia New"/>
-        <a:font script="Ethi" typeface="Nyala"/>
-        <a:font script="Beng" typeface="Vrinda"/>
-        <a:font script="Gujr" typeface="Shruti"/>
-        <a:font script="Khmr" typeface="DaunPenh"/>
-        <a:font script="Knda" typeface="Tunga"/>
-        <a:font script="Guru" typeface="Raavi"/>
-        <a:font script="Cans" typeface="Euphemia"/>
-        <a:font script="Cher" typeface="Plantagenet Cherokee"/>
-        <a:font script="Yiii" typeface="Microsoft Yi Baiti"/>
-        <a:font script="Tibt" typeface="Microsoft Himalaya"/>
-        <a:font script="Thaa" typeface="MV Boli"/>
-        <a:font script="Deva" typeface="Mangal"/>
-        <a:font script="Telu" typeface="Gautami"/>
-        <a:font script="Taml" typeface="Latha"/>
-        <a:font script="Syrc" typeface="Estrangelo Edessa"/>
-        <a:font script="Orya" typeface="Kalinga"/>
-        <a:font script="Mlym" typeface="Kartika"/>
-        <a:font script="Laoo" typeface="DokChampa"/>
-        <a:font script="Sinh" typeface="Iskoola Pota"/>
-        <a:font script="Mong" typeface="Mongolian Baiti"/>
-        <a:font script="Viet" typeface="Arial"/>
-        <a:font script="Uigh" typeface="Microsoft Uighur"/>
-        <a:font script="Geor" typeface="Sylfaen"/>
-      </a:minorFont>
-    </a:fontScheme>
-    <a:fmtScheme name="Office">
-      <a:fillStyleLst>
-        <a:solidFill>
-          <a:schemeClr val="phClr"/>
-        </a:solidFill>
-        <a:gradFill rotWithShape="1">
-          <a:gsLst>
-            <a:gs pos="0">
-              <a:schemeClr val="phClr">
-                <a:tint val="50000"/>
-                <a:satMod val="300000"/>
-              </a:schemeClr>
-            </a:gs>
-            <a:gs pos="35000">
-              <a:schemeClr val="phClr">
-                <a:tint val="37000"/>
-                <a:satMod val="300000"/>
-              </a:schemeClr>
-            </a:gs>
-            <a:gs pos="100000">
-              <a:schemeClr val="phClr">
-                <a:tint val="15000"/>
-                <a:satMod val="350000"/>
-              </a:schemeClr>
-            </a:gs>
-          </a:gsLst>
-          <a:lin ang="16200000" scaled="1"/>
-        </a:gradFill>
-        <a:gradFill rotWithShape="1">
-          <a:gsLst>
-            <a:gs pos="0">
-              <a:schemeClr val="phClr">
-                <a:tint val="100000"/>
-                <a:shade val="100000"/>
-                <a:satMod val="130000"/>
-              </a:schemeClr>
-            </a:gs>
-            <a:gs pos="100000">
-              <a:schemeClr val="phClr">
-                <a:tint val="50000"/>
-                <a:shade val="100000"/>
-                <a:satMod val="350000"/>
-              </a:schemeClr>
-            </a:gs>
-          </a:gsLst>
-          <a:lin ang="16200000" scaled="0"/>
-        </a:gradFill>
-      </a:fillStyleLst>
-      <a:lnStyleLst>
-        <a:ln w="9525" cap="flat" cmpd="sng" algn="ctr">
-          <a:solidFill>
-            <a:schemeClr val="phClr">
-              <a:shade val="95000"/>
-              <a:satMod val="105000"/>
-            </a:schemeClr>
-          </a:solidFill>
-          <a:prstDash val="solid"/>
-        </a:ln>
-        <a:ln w="25400" cap="flat" cmpd="sng" algn="ctr">
-          <a:solidFill>
-            <a:schemeClr val="phClr"/>
-          </a:solidFill>
-          <a:prstDash val="solid"/>
-        </a:ln>
-        <a:ln w="38100" cap="flat" cmpd="sng" algn="ctr">
-          <a:solidFill>
-            <a:schemeClr val="phClr"/>
-          </a:solidFill>
-          <a:prstDash val="solid"/>
-        </a:ln>
-      </a:lnStyleLst>
-      <a:effectStyleLst>
-        <a:effectStyle>
-          <a:effectLst>
-            <a:outerShdw blurRad="40000" dist="20000" dir="5400000" rotWithShape="0">
-              <a:srgbClr val="000000">
-                <a:alpha val="38000"/>
-              </a:srgbClr>
-            </a:outerShdw>
-          </a:effectLst>
-        </a:effectStyle>
-        <a:effectStyle>
-          <a:effectLst>
-            <a:outerShdw blurRad="40000" dist="23000" dir="5400000" rotWithShape="0">
-              <a:srgbClr val="000000">
-                <a:alpha val="35000"/>
-              </a:srgbClr>
-            </a:outerShdw>
-          </a:effectLst>
-        </a:effectStyle>
-        <a:effectStyle>
-          <a:effectLst>
-            <a:outerShdw blurRad="40000" dist="23000" dir="5400000" rotWithShape="0">
-              <a:srgbClr val="000000">
-                <a:alpha val="35000"/>
-              </a:srgbClr>
-            </a:outerShdw>
-          </a:effectLst>
-          <a:scene3d>
-            <a:camera prst="orthographicFront">
-              <a:rot lat="0" lon="0" rev="0"/>
-            </a:camera>
-            <a:lightRig rig="threePt" dir="t">
-              <a:rot lat="0" lon="0" rev="1200000"/>
-            </a:lightRig>
-          </a:scene3d>
-          <a:sp3d>
-            <a:bevelT w="63500" h="25400"/>
-          </a:sp3d>
-        </a:effectStyle>
-      </a:effectStyleLst>
-      <a:bgFillStyleLst>
-        <a:solidFill>
-          <a:schemeClr val="phClr"/>
-        </a:solidFill>
-        <a:gradFill rotWithShape="1">
-          <a:gsLst>
-            <a:gs pos="0">
-              <a:schemeClr val="phClr">
-                <a:tint val="40000"/>
-                <a:satMod val="350000"/>
-              </a:schemeClr>
-            </a:gs>
-            <a:gs pos="40000">
-              <a:schemeClr val="phClr">
-                <a:tint val="45000"/>
-                <a:shade val="99000"/>
-                <a:satMod val="350000"/>
-              </a:schemeClr>
-            </a:gs>
-            <a:gs pos="100000">
-              <a:schemeClr val="phClr">
-                <a:shade val="20000"/>
-                <a:satMod val="255000"/>
-              </a:schemeClr>
-            </a:gs>
-          </a:gsLst>
-          <a:path path="circle">
-            <a:fillToRect l="50000" t="-80000" r="50000" b="180000"/>
-          </a:path>
-        </a:gradFill>
-        <a:gradFill rotWithShape="1">
-          <a:gsLst>
-            <a:gs pos="0">
-              <a:schemeClr val="phClr">
-                <a:tint val="80000"/>
-                <a:satMod val="300000"/>
-              </a:schemeClr>
-            </a:gs>
-            <a:gs pos="100000">
-              <a:schemeClr val="phClr">
-                <a:shade val="30000"/>
-                <a:satMod val="200000"/>
-              </a:schemeClr>
-            </a:gs>
-          </a:gsLst>
-          <a:path path="circle">
-            <a:fillToRect l="50000" t="50000" r="50000" b="50000"/>
-          </a:path>
-        </a:gradFill>
-      </a:bgFillStyleLst>
-    </a:fmtScheme>
-  </a:themeElements>
-</a:theme>
 </file>